--- a/präsentation.pptx
+++ b/präsentation.pptx
@@ -4,13 +4,24 @@
   <p:sldMasterIdLst>
     <p:sldMasterId id="2147483648" r:id="rId1"/>
   </p:sldMasterIdLst>
+  <p:notesMasterIdLst>
+    <p:notesMasterId r:id="rId16"/>
+  </p:notesMasterIdLst>
   <p:sldIdLst>
     <p:sldId id="256" r:id="rId2"/>
     <p:sldId id="257" r:id="rId3"/>
     <p:sldId id="258" r:id="rId4"/>
     <p:sldId id="259" r:id="rId5"/>
-    <p:sldId id="260" r:id="rId6"/>
-    <p:sldId id="261" r:id="rId7"/>
+    <p:sldId id="262" r:id="rId6"/>
+    <p:sldId id="264" r:id="rId7"/>
+    <p:sldId id="260" r:id="rId8"/>
+    <p:sldId id="261" r:id="rId9"/>
+    <p:sldId id="265" r:id="rId10"/>
+    <p:sldId id="266" r:id="rId11"/>
+    <p:sldId id="267" r:id="rId12"/>
+    <p:sldId id="268" r:id="rId13"/>
+    <p:sldId id="269" r:id="rId14"/>
+    <p:sldId id="270" r:id="rId15"/>
   </p:sldIdLst>
   <p:sldSz cx="12192000" cy="6858000"/>
   <p:notesSz cx="6858000" cy="9144000"/>
@@ -117,6 +128,1139 @@
 </p:presentation>
 </file>
 
+<file path=ppt/notesMasters/notesMaster1.xml><?xml version="1.0" encoding="utf-8"?>
+<p:notesMaster xmlns:a="http://schemas.openxmlformats.org/drawingml/2006/main" xmlns:r="http://schemas.openxmlformats.org/officeDocument/2006/relationships" xmlns:p="http://schemas.openxmlformats.org/presentationml/2006/main">
+  <p:cSld>
+    <p:bg>
+      <p:bgRef idx="1001">
+        <a:schemeClr val="bg1"/>
+      </p:bgRef>
+    </p:bg>
+    <p:spTree>
+      <p:nvGrpSpPr>
+        <p:cNvPr id="1" name=""/>
+        <p:cNvGrpSpPr/>
+        <p:nvPr/>
+      </p:nvGrpSpPr>
+      <p:grpSpPr>
+        <a:xfrm>
+          <a:off x="0" y="0"/>
+          <a:ext cx="0" cy="0"/>
+          <a:chOff x="0" y="0"/>
+          <a:chExt cx="0" cy="0"/>
+        </a:xfrm>
+      </p:grpSpPr>
+      <p:sp>
+        <p:nvSpPr>
+          <p:cNvPr id="2" name="Kopfzeilenplatzhalter 1"/>
+          <p:cNvSpPr>
+            <a:spLocks noGrp="1"/>
+          </p:cNvSpPr>
+          <p:nvPr>
+            <p:ph type="hdr" sz="quarter"/>
+          </p:nvPr>
+        </p:nvSpPr>
+        <p:spPr>
+          <a:xfrm>
+            <a:off x="0" y="0"/>
+            <a:ext cx="2971800" cy="458788"/>
+          </a:xfrm>
+          <a:prstGeom prst="rect">
+            <a:avLst/>
+          </a:prstGeom>
+        </p:spPr>
+        <p:txBody>
+          <a:bodyPr vert="horz" lIns="91440" tIns="45720" rIns="91440" bIns="45720" rtlCol="0"/>
+          <a:lstStyle>
+            <a:lvl1pPr algn="l">
+              <a:defRPr sz="1200"/>
+            </a:lvl1pPr>
+          </a:lstStyle>
+          <a:p>
+            <a:endParaRPr lang="de-DE"/>
+          </a:p>
+        </p:txBody>
+      </p:sp>
+      <p:sp>
+        <p:nvSpPr>
+          <p:cNvPr id="3" name="Datumsplatzhalter 2"/>
+          <p:cNvSpPr>
+            <a:spLocks noGrp="1"/>
+          </p:cNvSpPr>
+          <p:nvPr>
+            <p:ph type="dt" idx="1"/>
+          </p:nvPr>
+        </p:nvSpPr>
+        <p:spPr>
+          <a:xfrm>
+            <a:off x="3884613" y="0"/>
+            <a:ext cx="2971800" cy="458788"/>
+          </a:xfrm>
+          <a:prstGeom prst="rect">
+            <a:avLst/>
+          </a:prstGeom>
+        </p:spPr>
+        <p:txBody>
+          <a:bodyPr vert="horz" lIns="91440" tIns="45720" rIns="91440" bIns="45720" rtlCol="0"/>
+          <a:lstStyle>
+            <a:lvl1pPr algn="r">
+              <a:defRPr sz="1200"/>
+            </a:lvl1pPr>
+          </a:lstStyle>
+          <a:p>
+            <a:fld id="{2A75DE6F-D468-475D-BAB6-E98A1C07F7D4}" type="datetimeFigureOut">
+              <a:rPr lang="de-DE" smtClean="0"/>
+              <a:t>26.09.2022</a:t>
+            </a:fld>
+            <a:endParaRPr lang="de-DE"/>
+          </a:p>
+        </p:txBody>
+      </p:sp>
+      <p:sp>
+        <p:nvSpPr>
+          <p:cNvPr id="4" name="Folienbildplatzhalter 3"/>
+          <p:cNvSpPr>
+            <a:spLocks noGrp="1" noRot="1" noChangeAspect="1"/>
+          </p:cNvSpPr>
+          <p:nvPr>
+            <p:ph type="sldImg" idx="2"/>
+          </p:nvPr>
+        </p:nvSpPr>
+        <p:spPr>
+          <a:xfrm>
+            <a:off x="685800" y="1143000"/>
+            <a:ext cx="5486400" cy="3086100"/>
+          </a:xfrm>
+          <a:prstGeom prst="rect">
+            <a:avLst/>
+          </a:prstGeom>
+          <a:noFill/>
+          <a:ln w="12700">
+            <a:solidFill>
+              <a:prstClr val="black"/>
+            </a:solidFill>
+          </a:ln>
+        </p:spPr>
+        <p:txBody>
+          <a:bodyPr vert="horz" lIns="91440" tIns="45720" rIns="91440" bIns="45720" rtlCol="0" anchor="ctr"/>
+          <a:lstStyle/>
+          <a:p>
+            <a:endParaRPr lang="de-DE"/>
+          </a:p>
+        </p:txBody>
+      </p:sp>
+      <p:sp>
+        <p:nvSpPr>
+          <p:cNvPr id="5" name="Notizenplatzhalter 4"/>
+          <p:cNvSpPr>
+            <a:spLocks noGrp="1"/>
+          </p:cNvSpPr>
+          <p:nvPr>
+            <p:ph type="body" sz="quarter" idx="3"/>
+          </p:nvPr>
+        </p:nvSpPr>
+        <p:spPr>
+          <a:xfrm>
+            <a:off x="685800" y="4400550"/>
+            <a:ext cx="5486400" cy="3600450"/>
+          </a:xfrm>
+          <a:prstGeom prst="rect">
+            <a:avLst/>
+          </a:prstGeom>
+        </p:spPr>
+        <p:txBody>
+          <a:bodyPr vert="horz" lIns="91440" tIns="45720" rIns="91440" bIns="45720" rtlCol="0"/>
+          <a:lstStyle/>
+          <a:p>
+            <a:pPr lvl="0"/>
+            <a:r>
+              <a:rPr lang="de-DE"/>
+              <a:t>Mastertextformat bearbeiten</a:t>
+            </a:r>
+          </a:p>
+          <a:p>
+            <a:pPr lvl="1"/>
+            <a:r>
+              <a:rPr lang="de-DE"/>
+              <a:t>Zweite Ebene</a:t>
+            </a:r>
+          </a:p>
+          <a:p>
+            <a:pPr lvl="2"/>
+            <a:r>
+              <a:rPr lang="de-DE"/>
+              <a:t>Dritte Ebene</a:t>
+            </a:r>
+          </a:p>
+          <a:p>
+            <a:pPr lvl="3"/>
+            <a:r>
+              <a:rPr lang="de-DE"/>
+              <a:t>Vierte Ebene</a:t>
+            </a:r>
+          </a:p>
+          <a:p>
+            <a:pPr lvl="4"/>
+            <a:r>
+              <a:rPr lang="de-DE"/>
+              <a:t>Fünfte Ebene</a:t>
+            </a:r>
+          </a:p>
+        </p:txBody>
+      </p:sp>
+      <p:sp>
+        <p:nvSpPr>
+          <p:cNvPr id="6" name="Fußzeilenplatzhalter 5"/>
+          <p:cNvSpPr>
+            <a:spLocks noGrp="1"/>
+          </p:cNvSpPr>
+          <p:nvPr>
+            <p:ph type="ftr" sz="quarter" idx="4"/>
+          </p:nvPr>
+        </p:nvSpPr>
+        <p:spPr>
+          <a:xfrm>
+            <a:off x="0" y="8685213"/>
+            <a:ext cx="2971800" cy="458787"/>
+          </a:xfrm>
+          <a:prstGeom prst="rect">
+            <a:avLst/>
+          </a:prstGeom>
+        </p:spPr>
+        <p:txBody>
+          <a:bodyPr vert="horz" lIns="91440" tIns="45720" rIns="91440" bIns="45720" rtlCol="0" anchor="b"/>
+          <a:lstStyle>
+            <a:lvl1pPr algn="l">
+              <a:defRPr sz="1200"/>
+            </a:lvl1pPr>
+          </a:lstStyle>
+          <a:p>
+            <a:endParaRPr lang="de-DE"/>
+          </a:p>
+        </p:txBody>
+      </p:sp>
+      <p:sp>
+        <p:nvSpPr>
+          <p:cNvPr id="7" name="Foliennummernplatzhalter 6"/>
+          <p:cNvSpPr>
+            <a:spLocks noGrp="1"/>
+          </p:cNvSpPr>
+          <p:nvPr>
+            <p:ph type="sldNum" sz="quarter" idx="5"/>
+          </p:nvPr>
+        </p:nvSpPr>
+        <p:spPr>
+          <a:xfrm>
+            <a:off x="3884613" y="8685213"/>
+            <a:ext cx="2971800" cy="458787"/>
+          </a:xfrm>
+          <a:prstGeom prst="rect">
+            <a:avLst/>
+          </a:prstGeom>
+        </p:spPr>
+        <p:txBody>
+          <a:bodyPr vert="horz" lIns="91440" tIns="45720" rIns="91440" bIns="45720" rtlCol="0" anchor="b"/>
+          <a:lstStyle>
+            <a:lvl1pPr algn="r">
+              <a:defRPr sz="1200"/>
+            </a:lvl1pPr>
+          </a:lstStyle>
+          <a:p>
+            <a:fld id="{A9052FC1-7588-485B-8F09-A1505B470EAD}" type="slidenum">
+              <a:rPr lang="de-DE" smtClean="0"/>
+              <a:t>‹Nr.›</a:t>
+            </a:fld>
+            <a:endParaRPr lang="de-DE"/>
+          </a:p>
+        </p:txBody>
+      </p:sp>
+    </p:spTree>
+    <p:extLst>
+      <p:ext uri="{BB962C8B-B14F-4D97-AF65-F5344CB8AC3E}">
+        <p14:creationId xmlns:p14="http://schemas.microsoft.com/office/powerpoint/2010/main" val="2998679240"/>
+      </p:ext>
+    </p:extLst>
+  </p:cSld>
+  <p:clrMap bg1="lt1" tx1="dk1" bg2="lt2" tx2="dk2" accent1="accent1" accent2="accent2" accent3="accent3" accent4="accent4" accent5="accent5" accent6="accent6" hlink="hlink" folHlink="folHlink"/>
+  <p:notesStyle>
+    <a:lvl1pPr marL="0" algn="l" defTabSz="914400" rtl="0" eaLnBrk="1" latinLnBrk="0" hangingPunct="1">
+      <a:defRPr sz="1200" kern="1200">
+        <a:solidFill>
+          <a:schemeClr val="tx1"/>
+        </a:solidFill>
+        <a:latin typeface="+mn-lt"/>
+        <a:ea typeface="+mn-ea"/>
+        <a:cs typeface="+mn-cs"/>
+      </a:defRPr>
+    </a:lvl1pPr>
+    <a:lvl2pPr marL="457200" algn="l" defTabSz="914400" rtl="0" eaLnBrk="1" latinLnBrk="0" hangingPunct="1">
+      <a:defRPr sz="1200" kern="1200">
+        <a:solidFill>
+          <a:schemeClr val="tx1"/>
+        </a:solidFill>
+        <a:latin typeface="+mn-lt"/>
+        <a:ea typeface="+mn-ea"/>
+        <a:cs typeface="+mn-cs"/>
+      </a:defRPr>
+    </a:lvl2pPr>
+    <a:lvl3pPr marL="914400" algn="l" defTabSz="914400" rtl="0" eaLnBrk="1" latinLnBrk="0" hangingPunct="1">
+      <a:defRPr sz="1200" kern="1200">
+        <a:solidFill>
+          <a:schemeClr val="tx1"/>
+        </a:solidFill>
+        <a:latin typeface="+mn-lt"/>
+        <a:ea typeface="+mn-ea"/>
+        <a:cs typeface="+mn-cs"/>
+      </a:defRPr>
+    </a:lvl3pPr>
+    <a:lvl4pPr marL="1371600" algn="l" defTabSz="914400" rtl="0" eaLnBrk="1" latinLnBrk="0" hangingPunct="1">
+      <a:defRPr sz="1200" kern="1200">
+        <a:solidFill>
+          <a:schemeClr val="tx1"/>
+        </a:solidFill>
+        <a:latin typeface="+mn-lt"/>
+        <a:ea typeface="+mn-ea"/>
+        <a:cs typeface="+mn-cs"/>
+      </a:defRPr>
+    </a:lvl4pPr>
+    <a:lvl5pPr marL="1828800" algn="l" defTabSz="914400" rtl="0" eaLnBrk="1" latinLnBrk="0" hangingPunct="1">
+      <a:defRPr sz="1200" kern="1200">
+        <a:solidFill>
+          <a:schemeClr val="tx1"/>
+        </a:solidFill>
+        <a:latin typeface="+mn-lt"/>
+        <a:ea typeface="+mn-ea"/>
+        <a:cs typeface="+mn-cs"/>
+      </a:defRPr>
+    </a:lvl5pPr>
+    <a:lvl6pPr marL="2286000" algn="l" defTabSz="914400" rtl="0" eaLnBrk="1" latinLnBrk="0" hangingPunct="1">
+      <a:defRPr sz="1200" kern="1200">
+        <a:solidFill>
+          <a:schemeClr val="tx1"/>
+        </a:solidFill>
+        <a:latin typeface="+mn-lt"/>
+        <a:ea typeface="+mn-ea"/>
+        <a:cs typeface="+mn-cs"/>
+      </a:defRPr>
+    </a:lvl6pPr>
+    <a:lvl7pPr marL="2743200" algn="l" defTabSz="914400" rtl="0" eaLnBrk="1" latinLnBrk="0" hangingPunct="1">
+      <a:defRPr sz="1200" kern="1200">
+        <a:solidFill>
+          <a:schemeClr val="tx1"/>
+        </a:solidFill>
+        <a:latin typeface="+mn-lt"/>
+        <a:ea typeface="+mn-ea"/>
+        <a:cs typeface="+mn-cs"/>
+      </a:defRPr>
+    </a:lvl7pPr>
+    <a:lvl8pPr marL="3200400" algn="l" defTabSz="914400" rtl="0" eaLnBrk="1" latinLnBrk="0" hangingPunct="1">
+      <a:defRPr sz="1200" kern="1200">
+        <a:solidFill>
+          <a:schemeClr val="tx1"/>
+        </a:solidFill>
+        <a:latin typeface="+mn-lt"/>
+        <a:ea typeface="+mn-ea"/>
+        <a:cs typeface="+mn-cs"/>
+      </a:defRPr>
+    </a:lvl8pPr>
+    <a:lvl9pPr marL="3657600" algn="l" defTabSz="914400" rtl="0" eaLnBrk="1" latinLnBrk="0" hangingPunct="1">
+      <a:defRPr sz="1200" kern="1200">
+        <a:solidFill>
+          <a:schemeClr val="tx1"/>
+        </a:solidFill>
+        <a:latin typeface="+mn-lt"/>
+        <a:ea typeface="+mn-ea"/>
+        <a:cs typeface="+mn-cs"/>
+      </a:defRPr>
+    </a:lvl9pPr>
+  </p:notesStyle>
+</p:notesMaster>
+</file>
+
+<file path=ppt/notesSlides/notesSlide1.xml><?xml version="1.0" encoding="utf-8"?>
+<p:notes xmlns:a="http://schemas.openxmlformats.org/drawingml/2006/main" xmlns:r="http://schemas.openxmlformats.org/officeDocument/2006/relationships" xmlns:p="http://schemas.openxmlformats.org/presentationml/2006/main">
+  <p:cSld>
+    <p:spTree>
+      <p:nvGrpSpPr>
+        <p:cNvPr id="1" name=""/>
+        <p:cNvGrpSpPr/>
+        <p:nvPr/>
+      </p:nvGrpSpPr>
+      <p:grpSpPr>
+        <a:xfrm>
+          <a:off x="0" y="0"/>
+          <a:ext cx="0" cy="0"/>
+          <a:chOff x="0" y="0"/>
+          <a:chExt cx="0" cy="0"/>
+        </a:xfrm>
+      </p:grpSpPr>
+      <p:sp>
+        <p:nvSpPr>
+          <p:cNvPr id="2" name="Folienbildplatzhalter 1"/>
+          <p:cNvSpPr>
+            <a:spLocks noGrp="1" noRot="1" noChangeAspect="1"/>
+          </p:cNvSpPr>
+          <p:nvPr>
+            <p:ph type="sldImg"/>
+          </p:nvPr>
+        </p:nvSpPr>
+        <p:spPr/>
+      </p:sp>
+      <p:sp>
+        <p:nvSpPr>
+          <p:cNvPr id="3" name="Notizenplatzhalter 2"/>
+          <p:cNvSpPr>
+            <a:spLocks noGrp="1"/>
+          </p:cNvSpPr>
+          <p:nvPr>
+            <p:ph type="body" idx="1"/>
+          </p:nvPr>
+        </p:nvSpPr>
+        <p:spPr/>
+        <p:txBody>
+          <a:bodyPr/>
+          <a:lstStyle/>
+          <a:p>
+            <a:endParaRPr lang="de-DE" dirty="0"/>
+          </a:p>
+        </p:txBody>
+      </p:sp>
+      <p:sp>
+        <p:nvSpPr>
+          <p:cNvPr id="4" name="Foliennummernplatzhalter 3"/>
+          <p:cNvSpPr>
+            <a:spLocks noGrp="1"/>
+          </p:cNvSpPr>
+          <p:nvPr>
+            <p:ph type="sldNum" sz="quarter" idx="5"/>
+          </p:nvPr>
+        </p:nvSpPr>
+        <p:spPr/>
+        <p:txBody>
+          <a:bodyPr/>
+          <a:lstStyle/>
+          <a:p>
+            <a:fld id="{A9052FC1-7588-485B-8F09-A1505B470EAD}" type="slidenum">
+              <a:rPr lang="de-DE" smtClean="0"/>
+              <a:t>1</a:t>
+            </a:fld>
+            <a:endParaRPr lang="de-DE"/>
+          </a:p>
+        </p:txBody>
+      </p:sp>
+    </p:spTree>
+    <p:extLst>
+      <p:ext uri="{BB962C8B-B14F-4D97-AF65-F5344CB8AC3E}">
+        <p14:creationId xmlns:p14="http://schemas.microsoft.com/office/powerpoint/2010/main" val="1245442900"/>
+      </p:ext>
+    </p:extLst>
+  </p:cSld>
+  <p:clrMapOvr>
+    <a:masterClrMapping/>
+  </p:clrMapOvr>
+</p:notes>
+</file>
+
+<file path=ppt/notesSlides/notesSlide2.xml><?xml version="1.0" encoding="utf-8"?>
+<p:notes xmlns:a="http://schemas.openxmlformats.org/drawingml/2006/main" xmlns:r="http://schemas.openxmlformats.org/officeDocument/2006/relationships" xmlns:p="http://schemas.openxmlformats.org/presentationml/2006/main">
+  <p:cSld>
+    <p:spTree>
+      <p:nvGrpSpPr>
+        <p:cNvPr id="1" name=""/>
+        <p:cNvGrpSpPr/>
+        <p:nvPr/>
+      </p:nvGrpSpPr>
+      <p:grpSpPr>
+        <a:xfrm>
+          <a:off x="0" y="0"/>
+          <a:ext cx="0" cy="0"/>
+          <a:chOff x="0" y="0"/>
+          <a:chExt cx="0" cy="0"/>
+        </a:xfrm>
+      </p:grpSpPr>
+      <p:sp>
+        <p:nvSpPr>
+          <p:cNvPr id="2" name="Folienbildplatzhalter 1"/>
+          <p:cNvSpPr>
+            <a:spLocks noGrp="1" noRot="1" noChangeAspect="1"/>
+          </p:cNvSpPr>
+          <p:nvPr>
+            <p:ph type="sldImg"/>
+          </p:nvPr>
+        </p:nvSpPr>
+        <p:spPr/>
+      </p:sp>
+      <p:sp>
+        <p:nvSpPr>
+          <p:cNvPr id="3" name="Notizenplatzhalter 2"/>
+          <p:cNvSpPr>
+            <a:spLocks noGrp="1"/>
+          </p:cNvSpPr>
+          <p:nvPr>
+            <p:ph type="body" idx="1"/>
+          </p:nvPr>
+        </p:nvSpPr>
+        <p:spPr/>
+        <p:txBody>
+          <a:bodyPr/>
+          <a:lstStyle/>
+          <a:p>
+            <a:endParaRPr lang="de-DE" dirty="0"/>
+          </a:p>
+        </p:txBody>
+      </p:sp>
+      <p:sp>
+        <p:nvSpPr>
+          <p:cNvPr id="4" name="Foliennummernplatzhalter 3"/>
+          <p:cNvSpPr>
+            <a:spLocks noGrp="1"/>
+          </p:cNvSpPr>
+          <p:nvPr>
+            <p:ph type="sldNum" sz="quarter" idx="5"/>
+          </p:nvPr>
+        </p:nvSpPr>
+        <p:spPr/>
+        <p:txBody>
+          <a:bodyPr/>
+          <a:lstStyle/>
+          <a:p>
+            <a:fld id="{A9052FC1-7588-485B-8F09-A1505B470EAD}" type="slidenum">
+              <a:rPr lang="de-DE" smtClean="0"/>
+              <a:t>3</a:t>
+            </a:fld>
+            <a:endParaRPr lang="de-DE"/>
+          </a:p>
+        </p:txBody>
+      </p:sp>
+    </p:spTree>
+    <p:extLst>
+      <p:ext uri="{BB962C8B-B14F-4D97-AF65-F5344CB8AC3E}">
+        <p14:creationId xmlns:p14="http://schemas.microsoft.com/office/powerpoint/2010/main" val="819880019"/>
+      </p:ext>
+    </p:extLst>
+  </p:cSld>
+  <p:clrMapOvr>
+    <a:masterClrMapping/>
+  </p:clrMapOvr>
+</p:notes>
+</file>
+
+<file path=ppt/notesSlides/notesSlide3.xml><?xml version="1.0" encoding="utf-8"?>
+<p:notes xmlns:a="http://schemas.openxmlformats.org/drawingml/2006/main" xmlns:r="http://schemas.openxmlformats.org/officeDocument/2006/relationships" xmlns:p="http://schemas.openxmlformats.org/presentationml/2006/main">
+  <p:cSld>
+    <p:spTree>
+      <p:nvGrpSpPr>
+        <p:cNvPr id="1" name=""/>
+        <p:cNvGrpSpPr/>
+        <p:nvPr/>
+      </p:nvGrpSpPr>
+      <p:grpSpPr>
+        <a:xfrm>
+          <a:off x="0" y="0"/>
+          <a:ext cx="0" cy="0"/>
+          <a:chOff x="0" y="0"/>
+          <a:chExt cx="0" cy="0"/>
+        </a:xfrm>
+      </p:grpSpPr>
+      <p:sp>
+        <p:nvSpPr>
+          <p:cNvPr id="2" name="Folienbildplatzhalter 1"/>
+          <p:cNvSpPr>
+            <a:spLocks noGrp="1" noRot="1" noChangeAspect="1"/>
+          </p:cNvSpPr>
+          <p:nvPr>
+            <p:ph type="sldImg"/>
+          </p:nvPr>
+        </p:nvSpPr>
+        <p:spPr/>
+      </p:sp>
+      <p:sp>
+        <p:nvSpPr>
+          <p:cNvPr id="3" name="Notizenplatzhalter 2"/>
+          <p:cNvSpPr>
+            <a:spLocks noGrp="1"/>
+          </p:cNvSpPr>
+          <p:nvPr>
+            <p:ph type="body" idx="1"/>
+          </p:nvPr>
+        </p:nvSpPr>
+        <p:spPr/>
+        <p:txBody>
+          <a:bodyPr/>
+          <a:lstStyle/>
+          <a:p>
+            <a:endParaRPr lang="de-DE" dirty="0"/>
+          </a:p>
+        </p:txBody>
+      </p:sp>
+      <p:sp>
+        <p:nvSpPr>
+          <p:cNvPr id="4" name="Foliennummernplatzhalter 3"/>
+          <p:cNvSpPr>
+            <a:spLocks noGrp="1"/>
+          </p:cNvSpPr>
+          <p:nvPr>
+            <p:ph type="sldNum" sz="quarter" idx="5"/>
+          </p:nvPr>
+        </p:nvSpPr>
+        <p:spPr/>
+        <p:txBody>
+          <a:bodyPr/>
+          <a:lstStyle/>
+          <a:p>
+            <a:fld id="{A9052FC1-7588-485B-8F09-A1505B470EAD}" type="slidenum">
+              <a:rPr lang="de-DE" smtClean="0"/>
+              <a:t>4</a:t>
+            </a:fld>
+            <a:endParaRPr lang="de-DE"/>
+          </a:p>
+        </p:txBody>
+      </p:sp>
+    </p:spTree>
+    <p:extLst>
+      <p:ext uri="{BB962C8B-B14F-4D97-AF65-F5344CB8AC3E}">
+        <p14:creationId xmlns:p14="http://schemas.microsoft.com/office/powerpoint/2010/main" val="2612161621"/>
+      </p:ext>
+    </p:extLst>
+  </p:cSld>
+  <p:clrMapOvr>
+    <a:masterClrMapping/>
+  </p:clrMapOvr>
+</p:notes>
+</file>
+
+<file path=ppt/notesSlides/notesSlide4.xml><?xml version="1.0" encoding="utf-8"?>
+<p:notes xmlns:a="http://schemas.openxmlformats.org/drawingml/2006/main" xmlns:r="http://schemas.openxmlformats.org/officeDocument/2006/relationships" xmlns:p="http://schemas.openxmlformats.org/presentationml/2006/main">
+  <p:cSld>
+    <p:spTree>
+      <p:nvGrpSpPr>
+        <p:cNvPr id="1" name=""/>
+        <p:cNvGrpSpPr/>
+        <p:nvPr/>
+      </p:nvGrpSpPr>
+      <p:grpSpPr>
+        <a:xfrm>
+          <a:off x="0" y="0"/>
+          <a:ext cx="0" cy="0"/>
+          <a:chOff x="0" y="0"/>
+          <a:chExt cx="0" cy="0"/>
+        </a:xfrm>
+      </p:grpSpPr>
+      <p:sp>
+        <p:nvSpPr>
+          <p:cNvPr id="2" name="Folienbildplatzhalter 1"/>
+          <p:cNvSpPr>
+            <a:spLocks noGrp="1" noRot="1" noChangeAspect="1"/>
+          </p:cNvSpPr>
+          <p:nvPr>
+            <p:ph type="sldImg"/>
+          </p:nvPr>
+        </p:nvSpPr>
+        <p:spPr/>
+      </p:sp>
+      <p:sp>
+        <p:nvSpPr>
+          <p:cNvPr id="3" name="Notizenplatzhalter 2"/>
+          <p:cNvSpPr>
+            <a:spLocks noGrp="1"/>
+          </p:cNvSpPr>
+          <p:nvPr>
+            <p:ph type="body" idx="1"/>
+          </p:nvPr>
+        </p:nvSpPr>
+        <p:spPr/>
+        <p:txBody>
+          <a:bodyPr/>
+          <a:lstStyle/>
+          <a:p>
+            <a:r>
+              <a:rPr lang="en-US" dirty="0" err="1"/>
+              <a:t>Beispiele</a:t>
+            </a:r>
+            <a:r>
+              <a:rPr lang="en-US" dirty="0"/>
+              <a:t> </a:t>
+            </a:r>
+            <a:endParaRPr lang="de-DE" dirty="0"/>
+          </a:p>
+        </p:txBody>
+      </p:sp>
+      <p:sp>
+        <p:nvSpPr>
+          <p:cNvPr id="4" name="Foliennummernplatzhalter 3"/>
+          <p:cNvSpPr>
+            <a:spLocks noGrp="1"/>
+          </p:cNvSpPr>
+          <p:nvPr>
+            <p:ph type="sldNum" sz="quarter" idx="5"/>
+          </p:nvPr>
+        </p:nvSpPr>
+        <p:spPr/>
+        <p:txBody>
+          <a:bodyPr/>
+          <a:lstStyle/>
+          <a:p>
+            <a:fld id="{A9052FC1-7588-485B-8F09-A1505B470EAD}" type="slidenum">
+              <a:rPr lang="de-DE" smtClean="0"/>
+              <a:t>5</a:t>
+            </a:fld>
+            <a:endParaRPr lang="de-DE"/>
+          </a:p>
+        </p:txBody>
+      </p:sp>
+    </p:spTree>
+    <p:extLst>
+      <p:ext uri="{BB962C8B-B14F-4D97-AF65-F5344CB8AC3E}">
+        <p14:creationId xmlns:p14="http://schemas.microsoft.com/office/powerpoint/2010/main" val="1698494649"/>
+      </p:ext>
+    </p:extLst>
+  </p:cSld>
+  <p:clrMapOvr>
+    <a:masterClrMapping/>
+  </p:clrMapOvr>
+</p:notes>
+</file>
+
+<file path=ppt/notesSlides/notesSlide5.xml><?xml version="1.0" encoding="utf-8"?>
+<p:notes xmlns:a="http://schemas.openxmlformats.org/drawingml/2006/main" xmlns:r="http://schemas.openxmlformats.org/officeDocument/2006/relationships" xmlns:p="http://schemas.openxmlformats.org/presentationml/2006/main">
+  <p:cSld>
+    <p:spTree>
+      <p:nvGrpSpPr>
+        <p:cNvPr id="1" name=""/>
+        <p:cNvGrpSpPr/>
+        <p:nvPr/>
+      </p:nvGrpSpPr>
+      <p:grpSpPr>
+        <a:xfrm>
+          <a:off x="0" y="0"/>
+          <a:ext cx="0" cy="0"/>
+          <a:chOff x="0" y="0"/>
+          <a:chExt cx="0" cy="0"/>
+        </a:xfrm>
+      </p:grpSpPr>
+      <p:sp>
+        <p:nvSpPr>
+          <p:cNvPr id="2" name="Folienbildplatzhalter 1"/>
+          <p:cNvSpPr>
+            <a:spLocks noGrp="1" noRot="1" noChangeAspect="1"/>
+          </p:cNvSpPr>
+          <p:nvPr>
+            <p:ph type="sldImg"/>
+          </p:nvPr>
+        </p:nvSpPr>
+        <p:spPr/>
+      </p:sp>
+      <p:sp>
+        <p:nvSpPr>
+          <p:cNvPr id="3" name="Notizenplatzhalter 2"/>
+          <p:cNvSpPr>
+            <a:spLocks noGrp="1"/>
+          </p:cNvSpPr>
+          <p:nvPr>
+            <p:ph type="body" idx="1"/>
+          </p:nvPr>
+        </p:nvSpPr>
+        <p:spPr/>
+        <p:txBody>
+          <a:bodyPr/>
+          <a:lstStyle/>
+          <a:p>
+            <a:r>
+              <a:rPr lang="en-US" dirty="0" err="1"/>
+              <a:t>Nicht</a:t>
+            </a:r>
+            <a:r>
+              <a:rPr lang="en-US" dirty="0"/>
+              <a:t> </a:t>
+            </a:r>
+            <a:r>
+              <a:rPr lang="en-US" dirty="0" err="1"/>
+              <a:t>gewinnbringende</a:t>
+            </a:r>
+            <a:r>
+              <a:rPr lang="en-US" dirty="0"/>
+              <a:t> T</a:t>
+            </a:r>
+            <a:r>
+              <a:rPr lang="de-DE" dirty="0" err="1"/>
+              <a:t>ätigkeiten</a:t>
+            </a:r>
+            <a:endParaRPr lang="de-DE" dirty="0"/>
+          </a:p>
+        </p:txBody>
+      </p:sp>
+      <p:sp>
+        <p:nvSpPr>
+          <p:cNvPr id="4" name="Foliennummernplatzhalter 3"/>
+          <p:cNvSpPr>
+            <a:spLocks noGrp="1"/>
+          </p:cNvSpPr>
+          <p:nvPr>
+            <p:ph type="sldNum" sz="quarter" idx="5"/>
+          </p:nvPr>
+        </p:nvSpPr>
+        <p:spPr/>
+        <p:txBody>
+          <a:bodyPr/>
+          <a:lstStyle/>
+          <a:p>
+            <a:fld id="{A9052FC1-7588-485B-8F09-A1505B470EAD}" type="slidenum">
+              <a:rPr lang="de-DE" smtClean="0"/>
+              <a:t>6</a:t>
+            </a:fld>
+            <a:endParaRPr lang="de-DE"/>
+          </a:p>
+        </p:txBody>
+      </p:sp>
+    </p:spTree>
+    <p:extLst>
+      <p:ext uri="{BB962C8B-B14F-4D97-AF65-F5344CB8AC3E}">
+        <p14:creationId xmlns:p14="http://schemas.microsoft.com/office/powerpoint/2010/main" val="639681310"/>
+      </p:ext>
+    </p:extLst>
+  </p:cSld>
+  <p:clrMapOvr>
+    <a:masterClrMapping/>
+  </p:clrMapOvr>
+</p:notes>
+</file>
+
+<file path=ppt/notesSlides/notesSlide6.xml><?xml version="1.0" encoding="utf-8"?>
+<p:notes xmlns:a="http://schemas.openxmlformats.org/drawingml/2006/main" xmlns:r="http://schemas.openxmlformats.org/officeDocument/2006/relationships" xmlns:p="http://schemas.openxmlformats.org/presentationml/2006/main">
+  <p:cSld>
+    <p:spTree>
+      <p:nvGrpSpPr>
+        <p:cNvPr id="1" name=""/>
+        <p:cNvGrpSpPr/>
+        <p:nvPr/>
+      </p:nvGrpSpPr>
+      <p:grpSpPr>
+        <a:xfrm>
+          <a:off x="0" y="0"/>
+          <a:ext cx="0" cy="0"/>
+          <a:chOff x="0" y="0"/>
+          <a:chExt cx="0" cy="0"/>
+        </a:xfrm>
+      </p:grpSpPr>
+      <p:sp>
+        <p:nvSpPr>
+          <p:cNvPr id="2" name="Folienbildplatzhalter 1"/>
+          <p:cNvSpPr>
+            <a:spLocks noGrp="1" noRot="1" noChangeAspect="1"/>
+          </p:cNvSpPr>
+          <p:nvPr>
+            <p:ph type="sldImg"/>
+          </p:nvPr>
+        </p:nvSpPr>
+        <p:spPr/>
+      </p:sp>
+      <p:sp>
+        <p:nvSpPr>
+          <p:cNvPr id="3" name="Notizenplatzhalter 2"/>
+          <p:cNvSpPr>
+            <a:spLocks noGrp="1"/>
+          </p:cNvSpPr>
+          <p:nvPr>
+            <p:ph type="body" idx="1"/>
+          </p:nvPr>
+        </p:nvSpPr>
+        <p:spPr/>
+        <p:txBody>
+          <a:bodyPr/>
+          <a:lstStyle/>
+          <a:p>
+            <a:endParaRPr lang="de-DE"/>
+          </a:p>
+        </p:txBody>
+      </p:sp>
+      <p:sp>
+        <p:nvSpPr>
+          <p:cNvPr id="4" name="Foliennummernplatzhalter 3"/>
+          <p:cNvSpPr>
+            <a:spLocks noGrp="1"/>
+          </p:cNvSpPr>
+          <p:nvPr>
+            <p:ph type="sldNum" sz="quarter" idx="5"/>
+          </p:nvPr>
+        </p:nvSpPr>
+        <p:spPr/>
+        <p:txBody>
+          <a:bodyPr/>
+          <a:lstStyle/>
+          <a:p>
+            <a:fld id="{A9052FC1-7588-485B-8F09-A1505B470EAD}" type="slidenum">
+              <a:rPr lang="de-DE" smtClean="0"/>
+              <a:t>7</a:t>
+            </a:fld>
+            <a:endParaRPr lang="de-DE"/>
+          </a:p>
+        </p:txBody>
+      </p:sp>
+    </p:spTree>
+    <p:extLst>
+      <p:ext uri="{BB962C8B-B14F-4D97-AF65-F5344CB8AC3E}">
+        <p14:creationId xmlns:p14="http://schemas.microsoft.com/office/powerpoint/2010/main" val="194739015"/>
+      </p:ext>
+    </p:extLst>
+  </p:cSld>
+  <p:clrMapOvr>
+    <a:masterClrMapping/>
+  </p:clrMapOvr>
+</p:notes>
+</file>
+
+<file path=ppt/notesSlides/notesSlide7.xml><?xml version="1.0" encoding="utf-8"?>
+<p:notes xmlns:a="http://schemas.openxmlformats.org/drawingml/2006/main" xmlns:r="http://schemas.openxmlformats.org/officeDocument/2006/relationships" xmlns:p="http://schemas.openxmlformats.org/presentationml/2006/main">
+  <p:cSld>
+    <p:spTree>
+      <p:nvGrpSpPr>
+        <p:cNvPr id="1" name=""/>
+        <p:cNvGrpSpPr/>
+        <p:nvPr/>
+      </p:nvGrpSpPr>
+      <p:grpSpPr>
+        <a:xfrm>
+          <a:off x="0" y="0"/>
+          <a:ext cx="0" cy="0"/>
+          <a:chOff x="0" y="0"/>
+          <a:chExt cx="0" cy="0"/>
+        </a:xfrm>
+      </p:grpSpPr>
+      <p:sp>
+        <p:nvSpPr>
+          <p:cNvPr id="2" name="Folienbildplatzhalter 1"/>
+          <p:cNvSpPr>
+            <a:spLocks noGrp="1" noRot="1" noChangeAspect="1"/>
+          </p:cNvSpPr>
+          <p:nvPr>
+            <p:ph type="sldImg"/>
+          </p:nvPr>
+        </p:nvSpPr>
+        <p:spPr/>
+      </p:sp>
+      <p:sp>
+        <p:nvSpPr>
+          <p:cNvPr id="3" name="Notizenplatzhalter 2"/>
+          <p:cNvSpPr>
+            <a:spLocks noGrp="1"/>
+          </p:cNvSpPr>
+          <p:nvPr>
+            <p:ph type="body" idx="1"/>
+          </p:nvPr>
+        </p:nvSpPr>
+        <p:spPr/>
+        <p:txBody>
+          <a:bodyPr/>
+          <a:lstStyle/>
+          <a:p>
+            <a:endParaRPr lang="de-DE" dirty="0"/>
+          </a:p>
+        </p:txBody>
+      </p:sp>
+      <p:sp>
+        <p:nvSpPr>
+          <p:cNvPr id="4" name="Foliennummernplatzhalter 3"/>
+          <p:cNvSpPr>
+            <a:spLocks noGrp="1"/>
+          </p:cNvSpPr>
+          <p:nvPr>
+            <p:ph type="sldNum" sz="quarter" idx="5"/>
+          </p:nvPr>
+        </p:nvSpPr>
+        <p:spPr/>
+        <p:txBody>
+          <a:bodyPr/>
+          <a:lstStyle/>
+          <a:p>
+            <a:fld id="{A9052FC1-7588-485B-8F09-A1505B470EAD}" type="slidenum">
+              <a:rPr lang="de-DE" smtClean="0"/>
+              <a:t>9</a:t>
+            </a:fld>
+            <a:endParaRPr lang="de-DE"/>
+          </a:p>
+        </p:txBody>
+      </p:sp>
+    </p:spTree>
+    <p:extLst>
+      <p:ext uri="{BB962C8B-B14F-4D97-AF65-F5344CB8AC3E}">
+        <p14:creationId xmlns:p14="http://schemas.microsoft.com/office/powerpoint/2010/main" val="3775015821"/>
+      </p:ext>
+    </p:extLst>
+  </p:cSld>
+  <p:clrMapOvr>
+    <a:masterClrMapping/>
+  </p:clrMapOvr>
+</p:notes>
+</file>
+
+<file path=ppt/notesSlides/notesSlide8.xml><?xml version="1.0" encoding="utf-8"?>
+<p:notes xmlns:a="http://schemas.openxmlformats.org/drawingml/2006/main" xmlns:r="http://schemas.openxmlformats.org/officeDocument/2006/relationships" xmlns:p="http://schemas.openxmlformats.org/presentationml/2006/main">
+  <p:cSld>
+    <p:spTree>
+      <p:nvGrpSpPr>
+        <p:cNvPr id="1" name=""/>
+        <p:cNvGrpSpPr/>
+        <p:nvPr/>
+      </p:nvGrpSpPr>
+      <p:grpSpPr>
+        <a:xfrm>
+          <a:off x="0" y="0"/>
+          <a:ext cx="0" cy="0"/>
+          <a:chOff x="0" y="0"/>
+          <a:chExt cx="0" cy="0"/>
+        </a:xfrm>
+      </p:grpSpPr>
+      <p:sp>
+        <p:nvSpPr>
+          <p:cNvPr id="2" name="Folienbildplatzhalter 1"/>
+          <p:cNvSpPr>
+            <a:spLocks noGrp="1" noRot="1" noChangeAspect="1"/>
+          </p:cNvSpPr>
+          <p:nvPr>
+            <p:ph type="sldImg"/>
+          </p:nvPr>
+        </p:nvSpPr>
+        <p:spPr/>
+      </p:sp>
+      <p:sp>
+        <p:nvSpPr>
+          <p:cNvPr id="3" name="Notizenplatzhalter 2"/>
+          <p:cNvSpPr>
+            <a:spLocks noGrp="1"/>
+          </p:cNvSpPr>
+          <p:nvPr>
+            <p:ph type="body" idx="1"/>
+          </p:nvPr>
+        </p:nvSpPr>
+        <p:spPr/>
+        <p:txBody>
+          <a:bodyPr/>
+          <a:lstStyle/>
+          <a:p>
+            <a:endParaRPr lang="de-DE" dirty="0"/>
+          </a:p>
+        </p:txBody>
+      </p:sp>
+      <p:sp>
+        <p:nvSpPr>
+          <p:cNvPr id="4" name="Foliennummernplatzhalter 3"/>
+          <p:cNvSpPr>
+            <a:spLocks noGrp="1"/>
+          </p:cNvSpPr>
+          <p:nvPr>
+            <p:ph type="sldNum" sz="quarter" idx="5"/>
+          </p:nvPr>
+        </p:nvSpPr>
+        <p:spPr/>
+        <p:txBody>
+          <a:bodyPr/>
+          <a:lstStyle/>
+          <a:p>
+            <a:fld id="{A9052FC1-7588-485B-8F09-A1505B470EAD}" type="slidenum">
+              <a:rPr lang="de-DE" smtClean="0"/>
+              <a:t>12</a:t>
+            </a:fld>
+            <a:endParaRPr lang="de-DE"/>
+          </a:p>
+        </p:txBody>
+      </p:sp>
+    </p:spTree>
+    <p:extLst>
+      <p:ext uri="{BB962C8B-B14F-4D97-AF65-F5344CB8AC3E}">
+        <p14:creationId xmlns:p14="http://schemas.microsoft.com/office/powerpoint/2010/main" val="3529340511"/>
+      </p:ext>
+    </p:extLst>
+  </p:cSld>
+  <p:clrMapOvr>
+    <a:masterClrMapping/>
+  </p:clrMapOvr>
+</p:notes>
+</file>
+
+<file path=ppt/notesSlides/notesSlide9.xml><?xml version="1.0" encoding="utf-8"?>
+<p:notes xmlns:a="http://schemas.openxmlformats.org/drawingml/2006/main" xmlns:r="http://schemas.openxmlformats.org/officeDocument/2006/relationships" xmlns:p="http://schemas.openxmlformats.org/presentationml/2006/main">
+  <p:cSld>
+    <p:spTree>
+      <p:nvGrpSpPr>
+        <p:cNvPr id="1" name=""/>
+        <p:cNvGrpSpPr/>
+        <p:nvPr/>
+      </p:nvGrpSpPr>
+      <p:grpSpPr>
+        <a:xfrm>
+          <a:off x="0" y="0"/>
+          <a:ext cx="0" cy="0"/>
+          <a:chOff x="0" y="0"/>
+          <a:chExt cx="0" cy="0"/>
+        </a:xfrm>
+      </p:grpSpPr>
+      <p:sp>
+        <p:nvSpPr>
+          <p:cNvPr id="2" name="Folienbildplatzhalter 1"/>
+          <p:cNvSpPr>
+            <a:spLocks noGrp="1" noRot="1" noChangeAspect="1"/>
+          </p:cNvSpPr>
+          <p:nvPr>
+            <p:ph type="sldImg"/>
+          </p:nvPr>
+        </p:nvSpPr>
+        <p:spPr/>
+      </p:sp>
+      <p:sp>
+        <p:nvSpPr>
+          <p:cNvPr id="3" name="Notizenplatzhalter 2"/>
+          <p:cNvSpPr>
+            <a:spLocks noGrp="1"/>
+          </p:cNvSpPr>
+          <p:nvPr>
+            <p:ph type="body" idx="1"/>
+          </p:nvPr>
+        </p:nvSpPr>
+        <p:spPr/>
+        <p:txBody>
+          <a:bodyPr/>
+          <a:lstStyle/>
+          <a:p>
+            <a:endParaRPr lang="de-DE" dirty="0"/>
+          </a:p>
+        </p:txBody>
+      </p:sp>
+      <p:sp>
+        <p:nvSpPr>
+          <p:cNvPr id="4" name="Foliennummernplatzhalter 3"/>
+          <p:cNvSpPr>
+            <a:spLocks noGrp="1"/>
+          </p:cNvSpPr>
+          <p:nvPr>
+            <p:ph type="sldNum" sz="quarter" idx="5"/>
+          </p:nvPr>
+        </p:nvSpPr>
+        <p:spPr/>
+        <p:txBody>
+          <a:bodyPr/>
+          <a:lstStyle/>
+          <a:p>
+            <a:fld id="{A9052FC1-7588-485B-8F09-A1505B470EAD}" type="slidenum">
+              <a:rPr lang="de-DE" smtClean="0"/>
+              <a:t>14</a:t>
+            </a:fld>
+            <a:endParaRPr lang="de-DE"/>
+          </a:p>
+        </p:txBody>
+      </p:sp>
+    </p:spTree>
+    <p:extLst>
+      <p:ext uri="{BB962C8B-B14F-4D97-AF65-F5344CB8AC3E}">
+        <p14:creationId xmlns:p14="http://schemas.microsoft.com/office/powerpoint/2010/main" val="3598910326"/>
+      </p:ext>
+    </p:extLst>
+  </p:cSld>
+  <p:clrMapOvr>
+    <a:masterClrMapping/>
+  </p:clrMapOvr>
+</p:notes>
+</file>
+
 <file path=ppt/slideLayouts/slideLayout1.xml><?xml version="1.0" encoding="utf-8"?>
 <p:sldLayout xmlns:a="http://schemas.openxmlformats.org/drawingml/2006/main" xmlns:r="http://schemas.openxmlformats.org/officeDocument/2006/relationships" xmlns:p="http://schemas.openxmlformats.org/presentationml/2006/main" type="title" preserve="1">
   <p:cSld name="Titelfolie">
@@ -264,7 +1408,7 @@
           <a:p>
             <a:fld id="{2CA4B678-0478-4458-BAC2-CB6DBEF2CFA8}" type="datetimeFigureOut">
               <a:rPr lang="de-DE" smtClean="0"/>
-              <a:t>22.09.2022</a:t>
+              <a:t>26.09.2022</a:t>
             </a:fld>
             <a:endParaRPr lang="de-DE"/>
           </a:p>
@@ -462,7 +1606,7 @@
           <a:p>
             <a:fld id="{2CA4B678-0478-4458-BAC2-CB6DBEF2CFA8}" type="datetimeFigureOut">
               <a:rPr lang="de-DE" smtClean="0"/>
-              <a:t>22.09.2022</a:t>
+              <a:t>26.09.2022</a:t>
             </a:fld>
             <a:endParaRPr lang="de-DE"/>
           </a:p>
@@ -670,7 +1814,7 @@
           <a:p>
             <a:fld id="{2CA4B678-0478-4458-BAC2-CB6DBEF2CFA8}" type="datetimeFigureOut">
               <a:rPr lang="de-DE" smtClean="0"/>
-              <a:t>22.09.2022</a:t>
+              <a:t>26.09.2022</a:t>
             </a:fld>
             <a:endParaRPr lang="de-DE"/>
           </a:p>
@@ -868,7 +2012,7 @@
           <a:p>
             <a:fld id="{2CA4B678-0478-4458-BAC2-CB6DBEF2CFA8}" type="datetimeFigureOut">
               <a:rPr lang="de-DE" smtClean="0"/>
-              <a:t>22.09.2022</a:t>
+              <a:t>26.09.2022</a:t>
             </a:fld>
             <a:endParaRPr lang="de-DE"/>
           </a:p>
@@ -1143,7 +2287,7 @@
           <a:p>
             <a:fld id="{2CA4B678-0478-4458-BAC2-CB6DBEF2CFA8}" type="datetimeFigureOut">
               <a:rPr lang="de-DE" smtClean="0"/>
-              <a:t>22.09.2022</a:t>
+              <a:t>26.09.2022</a:t>
             </a:fld>
             <a:endParaRPr lang="de-DE"/>
           </a:p>
@@ -1408,7 +2552,7 @@
           <a:p>
             <a:fld id="{2CA4B678-0478-4458-BAC2-CB6DBEF2CFA8}" type="datetimeFigureOut">
               <a:rPr lang="de-DE" smtClean="0"/>
-              <a:t>22.09.2022</a:t>
+              <a:t>26.09.2022</a:t>
             </a:fld>
             <a:endParaRPr lang="de-DE"/>
           </a:p>
@@ -1820,7 +2964,7 @@
           <a:p>
             <a:fld id="{2CA4B678-0478-4458-BAC2-CB6DBEF2CFA8}" type="datetimeFigureOut">
               <a:rPr lang="de-DE" smtClean="0"/>
-              <a:t>22.09.2022</a:t>
+              <a:t>26.09.2022</a:t>
             </a:fld>
             <a:endParaRPr lang="de-DE"/>
           </a:p>
@@ -1961,7 +3105,7 @@
           <a:p>
             <a:fld id="{2CA4B678-0478-4458-BAC2-CB6DBEF2CFA8}" type="datetimeFigureOut">
               <a:rPr lang="de-DE" smtClean="0"/>
-              <a:t>22.09.2022</a:t>
+              <a:t>26.09.2022</a:t>
             </a:fld>
             <a:endParaRPr lang="de-DE"/>
           </a:p>
@@ -2074,7 +3218,7 @@
           <a:p>
             <a:fld id="{2CA4B678-0478-4458-BAC2-CB6DBEF2CFA8}" type="datetimeFigureOut">
               <a:rPr lang="de-DE" smtClean="0"/>
-              <a:t>22.09.2022</a:t>
+              <a:t>26.09.2022</a:t>
             </a:fld>
             <a:endParaRPr lang="de-DE"/>
           </a:p>
@@ -2385,7 +3529,7 @@
           <a:p>
             <a:fld id="{2CA4B678-0478-4458-BAC2-CB6DBEF2CFA8}" type="datetimeFigureOut">
               <a:rPr lang="de-DE" smtClean="0"/>
-              <a:t>22.09.2022</a:t>
+              <a:t>26.09.2022</a:t>
             </a:fld>
             <a:endParaRPr lang="de-DE"/>
           </a:p>
@@ -2673,7 +3817,7 @@
           <a:p>
             <a:fld id="{2CA4B678-0478-4458-BAC2-CB6DBEF2CFA8}" type="datetimeFigureOut">
               <a:rPr lang="de-DE" smtClean="0"/>
-              <a:t>22.09.2022</a:t>
+              <a:t>26.09.2022</a:t>
             </a:fld>
             <a:endParaRPr lang="de-DE"/>
           </a:p>
@@ -2914,7 +4058,7 @@
           <a:p>
             <a:fld id="{2CA4B678-0478-4458-BAC2-CB6DBEF2CFA8}" type="datetimeFigureOut">
               <a:rPr lang="de-DE" smtClean="0"/>
-              <a:t>22.09.2022</a:t>
+              <a:t>26.09.2022</a:t>
             </a:fld>
             <a:endParaRPr lang="de-DE"/>
           </a:p>
@@ -3453,6 +4597,1078 @@
 </p:sld>
 </file>
 
+<file path=ppt/slides/slide10.xml><?xml version="1.0" encoding="utf-8"?>
+<p:sld xmlns:a="http://schemas.openxmlformats.org/drawingml/2006/main" xmlns:r="http://schemas.openxmlformats.org/officeDocument/2006/relationships" xmlns:p="http://schemas.openxmlformats.org/presentationml/2006/main">
+  <p:cSld>
+    <p:spTree>
+      <p:nvGrpSpPr>
+        <p:cNvPr id="1" name=""/>
+        <p:cNvGrpSpPr/>
+        <p:nvPr/>
+      </p:nvGrpSpPr>
+      <p:grpSpPr>
+        <a:xfrm>
+          <a:off x="0" y="0"/>
+          <a:ext cx="0" cy="0"/>
+          <a:chOff x="0" y="0"/>
+          <a:chExt cx="0" cy="0"/>
+        </a:xfrm>
+      </p:grpSpPr>
+      <p:sp>
+        <p:nvSpPr>
+          <p:cNvPr id="2" name="Titel 1">
+            <a:extLst>
+              <a:ext uri="{FF2B5EF4-FFF2-40B4-BE49-F238E27FC236}">
+                <a16:creationId xmlns:a16="http://schemas.microsoft.com/office/drawing/2014/main" id="{28EFFAFE-DBB5-194A-D161-E5FEB2CE4DD1}"/>
+              </a:ext>
+            </a:extLst>
+          </p:cNvPr>
+          <p:cNvSpPr>
+            <a:spLocks noGrp="1"/>
+          </p:cNvSpPr>
+          <p:nvPr>
+            <p:ph type="title"/>
+          </p:nvPr>
+        </p:nvSpPr>
+        <p:spPr>
+          <a:xfrm>
+            <a:off x="397565" y="349580"/>
+            <a:ext cx="10515600" cy="1325563"/>
+          </a:xfrm>
+        </p:spPr>
+        <p:txBody>
+          <a:bodyPr/>
+          <a:lstStyle/>
+          <a:p>
+            <a:r>
+              <a:rPr lang="de-DE" dirty="0" err="1"/>
+              <a:t>Standalone</a:t>
+            </a:r>
+            <a:r>
+              <a:rPr lang="de-DE" dirty="0"/>
+              <a:t> mit </a:t>
+            </a:r>
+            <a:br>
+              <a:rPr lang="de-DE" dirty="0"/>
+            </a:br>
+            <a:r>
+              <a:rPr lang="de-DE" dirty="0"/>
+              <a:t>Datenbank</a:t>
+            </a:r>
+          </a:p>
+        </p:txBody>
+      </p:sp>
+      <p:pic>
+        <p:nvPicPr>
+          <p:cNvPr id="5" name="Grafik 4">
+            <a:extLst>
+              <a:ext uri="{FF2B5EF4-FFF2-40B4-BE49-F238E27FC236}">
+                <a16:creationId xmlns:a16="http://schemas.microsoft.com/office/drawing/2014/main" id="{5066DC1B-69C0-43E1-E499-C964E3D7A0F4}"/>
+              </a:ext>
+            </a:extLst>
+          </p:cNvPr>
+          <p:cNvPicPr>
+            <a:picLocks noChangeAspect="1"/>
+          </p:cNvPicPr>
+          <p:nvPr/>
+        </p:nvPicPr>
+        <p:blipFill>
+          <a:blip r:embed="rId2">
+            <a:extLst>
+              <a:ext uri="{28A0092B-C50C-407E-A947-70E740481C1C}">
+                <a14:useLocalDpi xmlns:a14="http://schemas.microsoft.com/office/drawing/2010/main" val="0"/>
+              </a:ext>
+            </a:extLst>
+          </a:blip>
+          <a:stretch>
+            <a:fillRect/>
+          </a:stretch>
+        </p:blipFill>
+        <p:spPr>
+          <a:xfrm>
+            <a:off x="5257800" y="349580"/>
+            <a:ext cx="6172200" cy="6158840"/>
+          </a:xfrm>
+          <a:prstGeom prst="rect">
+            <a:avLst/>
+          </a:prstGeom>
+        </p:spPr>
+      </p:pic>
+    </p:spTree>
+    <p:extLst>
+      <p:ext uri="{BB962C8B-B14F-4D97-AF65-F5344CB8AC3E}">
+        <p14:creationId xmlns:p14="http://schemas.microsoft.com/office/powerpoint/2010/main" val="1377147233"/>
+      </p:ext>
+    </p:extLst>
+  </p:cSld>
+  <p:clrMapOvr>
+    <a:masterClrMapping/>
+  </p:clrMapOvr>
+</p:sld>
+</file>
+
+<file path=ppt/slides/slide11.xml><?xml version="1.0" encoding="utf-8"?>
+<p:sld xmlns:a="http://schemas.openxmlformats.org/drawingml/2006/main" xmlns:r="http://schemas.openxmlformats.org/officeDocument/2006/relationships" xmlns:p="http://schemas.openxmlformats.org/presentationml/2006/main">
+  <p:cSld>
+    <p:spTree>
+      <p:nvGrpSpPr>
+        <p:cNvPr id="1" name=""/>
+        <p:cNvGrpSpPr/>
+        <p:nvPr/>
+      </p:nvGrpSpPr>
+      <p:grpSpPr>
+        <a:xfrm>
+          <a:off x="0" y="0"/>
+          <a:ext cx="0" cy="0"/>
+          <a:chOff x="0" y="0"/>
+          <a:chExt cx="0" cy="0"/>
+        </a:xfrm>
+      </p:grpSpPr>
+      <p:sp>
+        <p:nvSpPr>
+          <p:cNvPr id="4" name="Titel 1">
+            <a:extLst>
+              <a:ext uri="{FF2B5EF4-FFF2-40B4-BE49-F238E27FC236}">
+                <a16:creationId xmlns:a16="http://schemas.microsoft.com/office/drawing/2014/main" id="{622A70A3-01DF-C15D-4B52-FB38CC700BCD}"/>
+              </a:ext>
+            </a:extLst>
+          </p:cNvPr>
+          <p:cNvSpPr txBox="1">
+            <a:spLocks/>
+          </p:cNvSpPr>
+          <p:nvPr/>
+        </p:nvSpPr>
+        <p:spPr>
+          <a:xfrm>
+            <a:off x="397565" y="349580"/>
+            <a:ext cx="10515600" cy="1325563"/>
+          </a:xfrm>
+          <a:prstGeom prst="rect">
+            <a:avLst/>
+          </a:prstGeom>
+        </p:spPr>
+        <p:txBody>
+          <a:bodyPr vert="horz" lIns="91440" tIns="45720" rIns="91440" bIns="45720" rtlCol="0" anchor="ctr">
+            <a:normAutofit/>
+          </a:bodyPr>
+          <a:lstStyle>
+            <a:lvl1pPr algn="l" defTabSz="914400" rtl="0" eaLnBrk="1" latinLnBrk="0" hangingPunct="1">
+              <a:lnSpc>
+                <a:spcPct val="90000"/>
+              </a:lnSpc>
+              <a:spcBef>
+                <a:spcPct val="0"/>
+              </a:spcBef>
+              <a:buNone/>
+              <a:defRPr sz="4400" kern="1200">
+                <a:solidFill>
+                  <a:schemeClr val="tx1"/>
+                </a:solidFill>
+                <a:latin typeface="+mj-lt"/>
+                <a:ea typeface="+mj-ea"/>
+                <a:cs typeface="+mj-cs"/>
+              </a:defRPr>
+            </a:lvl1pPr>
+          </a:lstStyle>
+          <a:p>
+            <a:r>
+              <a:rPr lang="de-DE" dirty="0" err="1"/>
+              <a:t>Standalone</a:t>
+            </a:r>
+            <a:r>
+              <a:rPr lang="de-DE" dirty="0"/>
+              <a:t> ohne </a:t>
+            </a:r>
+            <a:br>
+              <a:rPr lang="de-DE" dirty="0"/>
+            </a:br>
+            <a:r>
+              <a:rPr lang="de-DE" dirty="0"/>
+              <a:t>Datenbank</a:t>
+            </a:r>
+          </a:p>
+        </p:txBody>
+      </p:sp>
+      <p:pic>
+        <p:nvPicPr>
+          <p:cNvPr id="6" name="Grafik 5">
+            <a:extLst>
+              <a:ext uri="{FF2B5EF4-FFF2-40B4-BE49-F238E27FC236}">
+                <a16:creationId xmlns:a16="http://schemas.microsoft.com/office/drawing/2014/main" id="{466C4C89-5695-AFE9-7B85-46F88553E54A}"/>
+              </a:ext>
+            </a:extLst>
+          </p:cNvPr>
+          <p:cNvPicPr>
+            <a:picLocks noChangeAspect="1"/>
+          </p:cNvPicPr>
+          <p:nvPr/>
+        </p:nvPicPr>
+        <p:blipFill>
+          <a:blip r:embed="rId2">
+            <a:extLst>
+              <a:ext uri="{28A0092B-C50C-407E-A947-70E740481C1C}">
+                <a14:useLocalDpi xmlns:a14="http://schemas.microsoft.com/office/drawing/2010/main" val="0"/>
+              </a:ext>
+            </a:extLst>
+          </a:blip>
+          <a:stretch>
+            <a:fillRect/>
+          </a:stretch>
+        </p:blipFill>
+        <p:spPr>
+          <a:xfrm>
+            <a:off x="5838387" y="402535"/>
+            <a:ext cx="6046372" cy="6052930"/>
+          </a:xfrm>
+          <a:prstGeom prst="rect">
+            <a:avLst/>
+          </a:prstGeom>
+        </p:spPr>
+      </p:pic>
+    </p:spTree>
+    <p:extLst>
+      <p:ext uri="{BB962C8B-B14F-4D97-AF65-F5344CB8AC3E}">
+        <p14:creationId xmlns:p14="http://schemas.microsoft.com/office/powerpoint/2010/main" val="2538365987"/>
+      </p:ext>
+    </p:extLst>
+  </p:cSld>
+  <p:clrMapOvr>
+    <a:masterClrMapping/>
+  </p:clrMapOvr>
+</p:sld>
+</file>
+
+<file path=ppt/slides/slide12.xml><?xml version="1.0" encoding="utf-8"?>
+<p:sld xmlns:a="http://schemas.openxmlformats.org/drawingml/2006/main" xmlns:r="http://schemas.openxmlformats.org/officeDocument/2006/relationships" xmlns:p="http://schemas.openxmlformats.org/presentationml/2006/main">
+  <p:cSld>
+    <p:spTree>
+      <p:nvGrpSpPr>
+        <p:cNvPr id="1" name=""/>
+        <p:cNvGrpSpPr/>
+        <p:nvPr/>
+      </p:nvGrpSpPr>
+      <p:grpSpPr>
+        <a:xfrm>
+          <a:off x="0" y="0"/>
+          <a:ext cx="0" cy="0"/>
+          <a:chOff x="0" y="0"/>
+          <a:chExt cx="0" cy="0"/>
+        </a:xfrm>
+      </p:grpSpPr>
+      <p:sp>
+        <p:nvSpPr>
+          <p:cNvPr id="5" name="Titel 1">
+            <a:extLst>
+              <a:ext uri="{FF2B5EF4-FFF2-40B4-BE49-F238E27FC236}">
+                <a16:creationId xmlns:a16="http://schemas.microsoft.com/office/drawing/2014/main" id="{EFEE7776-8D6E-C082-F5AD-A5D63AA050EA}"/>
+              </a:ext>
+            </a:extLst>
+          </p:cNvPr>
+          <p:cNvSpPr txBox="1">
+            <a:spLocks/>
+          </p:cNvSpPr>
+          <p:nvPr/>
+        </p:nvSpPr>
+        <p:spPr>
+          <a:xfrm>
+            <a:off x="397565" y="349580"/>
+            <a:ext cx="10515600" cy="1325563"/>
+          </a:xfrm>
+          <a:prstGeom prst="rect">
+            <a:avLst/>
+          </a:prstGeom>
+        </p:spPr>
+        <p:txBody>
+          <a:bodyPr vert="horz" lIns="91440" tIns="45720" rIns="91440" bIns="45720" rtlCol="0" anchor="ctr">
+            <a:normAutofit/>
+          </a:bodyPr>
+          <a:lstStyle>
+            <a:lvl1pPr algn="l" defTabSz="914400" rtl="0" eaLnBrk="1" latinLnBrk="0" hangingPunct="1">
+              <a:lnSpc>
+                <a:spcPct val="90000"/>
+              </a:lnSpc>
+              <a:spcBef>
+                <a:spcPct val="0"/>
+              </a:spcBef>
+              <a:buNone/>
+              <a:defRPr sz="4400" kern="1200">
+                <a:solidFill>
+                  <a:schemeClr val="tx1"/>
+                </a:solidFill>
+                <a:latin typeface="+mj-lt"/>
+                <a:ea typeface="+mj-ea"/>
+                <a:cs typeface="+mj-cs"/>
+              </a:defRPr>
+            </a:lvl1pPr>
+          </a:lstStyle>
+          <a:p>
+            <a:r>
+              <a:rPr lang="de-DE" dirty="0"/>
+              <a:t>Library</a:t>
+            </a:r>
+          </a:p>
+        </p:txBody>
+      </p:sp>
+      <p:pic>
+        <p:nvPicPr>
+          <p:cNvPr id="9" name="Grafik 8">
+            <a:extLst>
+              <a:ext uri="{FF2B5EF4-FFF2-40B4-BE49-F238E27FC236}">
+                <a16:creationId xmlns:a16="http://schemas.microsoft.com/office/drawing/2014/main" id="{4AE40B85-9AF4-8971-3299-C9327445472D}"/>
+              </a:ext>
+            </a:extLst>
+          </p:cNvPr>
+          <p:cNvPicPr>
+            <a:picLocks noChangeAspect="1"/>
+          </p:cNvPicPr>
+          <p:nvPr/>
+        </p:nvPicPr>
+        <p:blipFill>
+          <a:blip r:embed="rId3">
+            <a:extLst>
+              <a:ext uri="{28A0092B-C50C-407E-A947-70E740481C1C}">
+                <a14:useLocalDpi xmlns:a14="http://schemas.microsoft.com/office/drawing/2010/main" val="0"/>
+              </a:ext>
+            </a:extLst>
+          </a:blip>
+          <a:stretch>
+            <a:fillRect/>
+          </a:stretch>
+        </p:blipFill>
+        <p:spPr>
+          <a:xfrm>
+            <a:off x="6096000" y="491987"/>
+            <a:ext cx="5874026" cy="5874026"/>
+          </a:xfrm>
+          <a:prstGeom prst="rect">
+            <a:avLst/>
+          </a:prstGeom>
+        </p:spPr>
+      </p:pic>
+      <p:pic>
+        <p:nvPicPr>
+          <p:cNvPr id="11" name="Grafik 10">
+            <a:extLst>
+              <a:ext uri="{FF2B5EF4-FFF2-40B4-BE49-F238E27FC236}">
+                <a16:creationId xmlns:a16="http://schemas.microsoft.com/office/drawing/2014/main" id="{7467A862-D21E-45F0-0046-F65369D9247A}"/>
+              </a:ext>
+            </a:extLst>
+          </p:cNvPr>
+          <p:cNvPicPr>
+            <a:picLocks noChangeAspect="1"/>
+          </p:cNvPicPr>
+          <p:nvPr/>
+        </p:nvPicPr>
+        <p:blipFill>
+          <a:blip r:embed="rId4">
+            <a:extLst>
+              <a:ext uri="{28A0092B-C50C-407E-A947-70E740481C1C}">
+                <a14:useLocalDpi xmlns:a14="http://schemas.microsoft.com/office/drawing/2010/main" val="0"/>
+              </a:ext>
+            </a:extLst>
+          </a:blip>
+          <a:stretch>
+            <a:fillRect/>
+          </a:stretch>
+        </p:blipFill>
+        <p:spPr>
+          <a:xfrm>
+            <a:off x="104567" y="1675143"/>
+            <a:ext cx="5909290" cy="4293704"/>
+          </a:xfrm>
+          <a:prstGeom prst="rect">
+            <a:avLst/>
+          </a:prstGeom>
+        </p:spPr>
+      </p:pic>
+    </p:spTree>
+    <p:extLst>
+      <p:ext uri="{BB962C8B-B14F-4D97-AF65-F5344CB8AC3E}">
+        <p14:creationId xmlns:p14="http://schemas.microsoft.com/office/powerpoint/2010/main" val="948710153"/>
+      </p:ext>
+    </p:extLst>
+  </p:cSld>
+  <p:clrMapOvr>
+    <a:masterClrMapping/>
+  </p:clrMapOvr>
+</p:sld>
+</file>
+
+<file path=ppt/slides/slide13.xml><?xml version="1.0" encoding="utf-8"?>
+<p:sld xmlns:a="http://schemas.openxmlformats.org/drawingml/2006/main" xmlns:r="http://schemas.openxmlformats.org/officeDocument/2006/relationships" xmlns:p="http://schemas.openxmlformats.org/presentationml/2006/main">
+  <p:cSld>
+    <p:spTree>
+      <p:nvGrpSpPr>
+        <p:cNvPr id="1" name=""/>
+        <p:cNvGrpSpPr/>
+        <p:nvPr/>
+      </p:nvGrpSpPr>
+      <p:grpSpPr>
+        <a:xfrm>
+          <a:off x="0" y="0"/>
+          <a:ext cx="0" cy="0"/>
+          <a:chOff x="0" y="0"/>
+          <a:chExt cx="0" cy="0"/>
+        </a:xfrm>
+      </p:grpSpPr>
+      <p:sp>
+        <p:nvSpPr>
+          <p:cNvPr id="4" name="Titel 1">
+            <a:extLst>
+              <a:ext uri="{FF2B5EF4-FFF2-40B4-BE49-F238E27FC236}">
+                <a16:creationId xmlns:a16="http://schemas.microsoft.com/office/drawing/2014/main" id="{F17D2977-4693-9A03-6DEA-EAB8C5D543AA}"/>
+              </a:ext>
+            </a:extLst>
+          </p:cNvPr>
+          <p:cNvSpPr txBox="1">
+            <a:spLocks/>
+          </p:cNvSpPr>
+          <p:nvPr/>
+        </p:nvSpPr>
+        <p:spPr>
+          <a:xfrm>
+            <a:off x="397565" y="349580"/>
+            <a:ext cx="10515600" cy="1325563"/>
+          </a:xfrm>
+          <a:prstGeom prst="rect">
+            <a:avLst/>
+          </a:prstGeom>
+        </p:spPr>
+        <p:txBody>
+          <a:bodyPr vert="horz" lIns="91440" tIns="45720" rIns="91440" bIns="45720" rtlCol="0" anchor="ctr">
+            <a:normAutofit/>
+          </a:bodyPr>
+          <a:lstStyle>
+            <a:lvl1pPr algn="l" defTabSz="914400" rtl="0" eaLnBrk="1" latinLnBrk="0" hangingPunct="1">
+              <a:lnSpc>
+                <a:spcPct val="90000"/>
+              </a:lnSpc>
+              <a:spcBef>
+                <a:spcPct val="0"/>
+              </a:spcBef>
+              <a:buNone/>
+              <a:defRPr sz="4400" kern="1200">
+                <a:solidFill>
+                  <a:schemeClr val="tx1"/>
+                </a:solidFill>
+                <a:latin typeface="+mj-lt"/>
+                <a:ea typeface="+mj-ea"/>
+                <a:cs typeface="+mj-cs"/>
+              </a:defRPr>
+            </a:lvl1pPr>
+          </a:lstStyle>
+          <a:p>
+            <a:r>
+              <a:rPr lang="de-DE" dirty="0"/>
+              <a:t>Framework</a:t>
+            </a:r>
+          </a:p>
+        </p:txBody>
+      </p:sp>
+      <p:pic>
+        <p:nvPicPr>
+          <p:cNvPr id="6" name="Grafik 5">
+            <a:extLst>
+              <a:ext uri="{FF2B5EF4-FFF2-40B4-BE49-F238E27FC236}">
+                <a16:creationId xmlns:a16="http://schemas.microsoft.com/office/drawing/2014/main" id="{2A9FBA21-2CC9-243C-ACD4-087FEB416B5D}"/>
+              </a:ext>
+            </a:extLst>
+          </p:cNvPr>
+          <p:cNvPicPr>
+            <a:picLocks noChangeAspect="1"/>
+          </p:cNvPicPr>
+          <p:nvPr/>
+        </p:nvPicPr>
+        <p:blipFill>
+          <a:blip r:embed="rId2">
+            <a:extLst>
+              <a:ext uri="{28A0092B-C50C-407E-A947-70E740481C1C}">
+                <a14:useLocalDpi xmlns:a14="http://schemas.microsoft.com/office/drawing/2010/main" val="0"/>
+              </a:ext>
+            </a:extLst>
+          </a:blip>
+          <a:stretch>
+            <a:fillRect/>
+          </a:stretch>
+        </p:blipFill>
+        <p:spPr>
+          <a:xfrm>
+            <a:off x="6096000" y="269212"/>
+            <a:ext cx="5824675" cy="5862376"/>
+          </a:xfrm>
+          <a:prstGeom prst="rect">
+            <a:avLst/>
+          </a:prstGeom>
+        </p:spPr>
+      </p:pic>
+      <p:pic>
+        <p:nvPicPr>
+          <p:cNvPr id="8" name="Grafik 7">
+            <a:extLst>
+              <a:ext uri="{FF2B5EF4-FFF2-40B4-BE49-F238E27FC236}">
+                <a16:creationId xmlns:a16="http://schemas.microsoft.com/office/drawing/2014/main" id="{C4E68B23-E6A1-AC3A-26C3-2F1D09D78AD9}"/>
+              </a:ext>
+            </a:extLst>
+          </p:cNvPr>
+          <p:cNvPicPr>
+            <a:picLocks noChangeAspect="1"/>
+          </p:cNvPicPr>
+          <p:nvPr/>
+        </p:nvPicPr>
+        <p:blipFill>
+          <a:blip r:embed="rId3">
+            <a:extLst>
+              <a:ext uri="{28A0092B-C50C-407E-A947-70E740481C1C}">
+                <a14:useLocalDpi xmlns:a14="http://schemas.microsoft.com/office/drawing/2010/main" val="0"/>
+              </a:ext>
+            </a:extLst>
+          </a:blip>
+          <a:stretch>
+            <a:fillRect/>
+          </a:stretch>
+        </p:blipFill>
+        <p:spPr>
+          <a:xfrm>
+            <a:off x="1" y="2232681"/>
+            <a:ext cx="6095999" cy="3341368"/>
+          </a:xfrm>
+          <a:prstGeom prst="rect">
+            <a:avLst/>
+          </a:prstGeom>
+        </p:spPr>
+      </p:pic>
+    </p:spTree>
+    <p:extLst>
+      <p:ext uri="{BB962C8B-B14F-4D97-AF65-F5344CB8AC3E}">
+        <p14:creationId xmlns:p14="http://schemas.microsoft.com/office/powerpoint/2010/main" val="1781744974"/>
+      </p:ext>
+    </p:extLst>
+  </p:cSld>
+  <p:clrMapOvr>
+    <a:masterClrMapping/>
+  </p:clrMapOvr>
+</p:sld>
+</file>
+
+<file path=ppt/slides/slide14.xml><?xml version="1.0" encoding="utf-8"?>
+<p:sld xmlns:a="http://schemas.openxmlformats.org/drawingml/2006/main" xmlns:r="http://schemas.openxmlformats.org/officeDocument/2006/relationships" xmlns:p="http://schemas.openxmlformats.org/presentationml/2006/main">
+  <p:cSld>
+    <p:spTree>
+      <p:nvGrpSpPr>
+        <p:cNvPr id="1" name=""/>
+        <p:cNvGrpSpPr/>
+        <p:nvPr/>
+      </p:nvGrpSpPr>
+      <p:grpSpPr>
+        <a:xfrm>
+          <a:off x="0" y="0"/>
+          <a:ext cx="0" cy="0"/>
+          <a:chOff x="0" y="0"/>
+          <a:chExt cx="0" cy="0"/>
+        </a:xfrm>
+      </p:grpSpPr>
+      <p:sp>
+        <p:nvSpPr>
+          <p:cNvPr id="2" name="Titel 1">
+            <a:extLst>
+              <a:ext uri="{FF2B5EF4-FFF2-40B4-BE49-F238E27FC236}">
+                <a16:creationId xmlns:a16="http://schemas.microsoft.com/office/drawing/2014/main" id="{38C4B422-0355-1C6A-1272-C0E9081323FE}"/>
+              </a:ext>
+            </a:extLst>
+          </p:cNvPr>
+          <p:cNvSpPr>
+            <a:spLocks noGrp="1"/>
+          </p:cNvSpPr>
+          <p:nvPr>
+            <p:ph type="title"/>
+          </p:nvPr>
+        </p:nvSpPr>
+        <p:spPr/>
+        <p:txBody>
+          <a:bodyPr/>
+          <a:lstStyle/>
+          <a:p>
+            <a:r>
+              <a:rPr lang="de-DE" dirty="0"/>
+              <a:t>Ergebnis</a:t>
+            </a:r>
+          </a:p>
+        </p:txBody>
+      </p:sp>
+      <p:graphicFrame>
+        <p:nvGraphicFramePr>
+          <p:cNvPr id="4" name="Tabelle 4">
+            <a:extLst>
+              <a:ext uri="{FF2B5EF4-FFF2-40B4-BE49-F238E27FC236}">
+                <a16:creationId xmlns:a16="http://schemas.microsoft.com/office/drawing/2014/main" id="{4C89F13E-89FF-1C8A-81D1-3BB41B9285B9}"/>
+              </a:ext>
+            </a:extLst>
+          </p:cNvPr>
+          <p:cNvGraphicFramePr>
+            <a:graphicFrameLocks noGrp="1"/>
+          </p:cNvGraphicFramePr>
+          <p:nvPr>
+            <p:extLst>
+              <p:ext uri="{D42A27DB-BD31-4B8C-83A1-F6EECF244321}">
+                <p14:modId xmlns:p14="http://schemas.microsoft.com/office/powerpoint/2010/main" val="4152601855"/>
+              </p:ext>
+            </p:extLst>
+          </p:nvPr>
+        </p:nvGraphicFramePr>
+        <p:xfrm>
+          <a:off x="838200" y="1544655"/>
+          <a:ext cx="8128000" cy="2661920"/>
+        </p:xfrm>
+        <a:graphic>
+          <a:graphicData uri="http://schemas.openxmlformats.org/drawingml/2006/table">
+            <a:tbl>
+              <a:tblPr firstRow="1" bandRow="1">
+                <a:tableStyleId>{5C22544A-7EE6-4342-B048-85BDC9FD1C3A}</a:tableStyleId>
+              </a:tblPr>
+              <a:tblGrid>
+                <a:gridCol w="1625600">
+                  <a:extLst>
+                    <a:ext uri="{9D8B030D-6E8A-4147-A177-3AD203B41FA5}">
+                      <a16:colId xmlns:a16="http://schemas.microsoft.com/office/drawing/2014/main" val="1909173314"/>
+                    </a:ext>
+                  </a:extLst>
+                </a:gridCol>
+                <a:gridCol w="1625600">
+                  <a:extLst>
+                    <a:ext uri="{9D8B030D-6E8A-4147-A177-3AD203B41FA5}">
+                      <a16:colId xmlns:a16="http://schemas.microsoft.com/office/drawing/2014/main" val="2070097049"/>
+                    </a:ext>
+                  </a:extLst>
+                </a:gridCol>
+                <a:gridCol w="1625600">
+                  <a:extLst>
+                    <a:ext uri="{9D8B030D-6E8A-4147-A177-3AD203B41FA5}">
+                      <a16:colId xmlns:a16="http://schemas.microsoft.com/office/drawing/2014/main" val="2247001544"/>
+                    </a:ext>
+                  </a:extLst>
+                </a:gridCol>
+                <a:gridCol w="1625600">
+                  <a:extLst>
+                    <a:ext uri="{9D8B030D-6E8A-4147-A177-3AD203B41FA5}">
+                      <a16:colId xmlns:a16="http://schemas.microsoft.com/office/drawing/2014/main" val="663850433"/>
+                    </a:ext>
+                  </a:extLst>
+                </a:gridCol>
+                <a:gridCol w="1625600">
+                  <a:extLst>
+                    <a:ext uri="{9D8B030D-6E8A-4147-A177-3AD203B41FA5}">
+                      <a16:colId xmlns:a16="http://schemas.microsoft.com/office/drawing/2014/main" val="2136831294"/>
+                    </a:ext>
+                  </a:extLst>
+                </a:gridCol>
+              </a:tblGrid>
+              <a:tr h="370840">
+                <a:tc>
+                  <a:txBody>
+                    <a:bodyPr/>
+                    <a:lstStyle/>
+                    <a:p>
+                      <a:endParaRPr lang="de-DE" dirty="0"/>
+                    </a:p>
+                  </a:txBody>
+                  <a:tcPr/>
+                </a:tc>
+                <a:tc>
+                  <a:txBody>
+                    <a:bodyPr/>
+                    <a:lstStyle/>
+                    <a:p>
+                      <a:r>
+                        <a:rPr lang="de-DE" dirty="0" err="1"/>
+                        <a:t>Standalone</a:t>
+                      </a:r>
+                      <a:r>
+                        <a:rPr lang="de-DE" dirty="0"/>
+                        <a:t> mit DB </a:t>
+                      </a:r>
+                    </a:p>
+                  </a:txBody>
+                  <a:tcPr/>
+                </a:tc>
+                <a:tc>
+                  <a:txBody>
+                    <a:bodyPr/>
+                    <a:lstStyle/>
+                    <a:p>
+                      <a:r>
+                        <a:rPr lang="de-DE" dirty="0" err="1"/>
+                        <a:t>Standalone</a:t>
+                      </a:r>
+                      <a:r>
+                        <a:rPr lang="de-DE" dirty="0"/>
+                        <a:t> ohne DB</a:t>
+                      </a:r>
+                    </a:p>
+                  </a:txBody>
+                  <a:tcPr/>
+                </a:tc>
+                <a:tc>
+                  <a:txBody>
+                    <a:bodyPr/>
+                    <a:lstStyle/>
+                    <a:p>
+                      <a:r>
+                        <a:rPr lang="de-DE" dirty="0"/>
+                        <a:t>Framework</a:t>
+                      </a:r>
+                    </a:p>
+                  </a:txBody>
+                  <a:tcPr/>
+                </a:tc>
+                <a:tc>
+                  <a:txBody>
+                    <a:bodyPr/>
+                    <a:lstStyle/>
+                    <a:p>
+                      <a:r>
+                        <a:rPr lang="de-DE" dirty="0"/>
+                        <a:t>Library</a:t>
+                      </a:r>
+                    </a:p>
+                  </a:txBody>
+                  <a:tcPr/>
+                </a:tc>
+                <a:extLst>
+                  <a:ext uri="{0D108BD9-81ED-4DB2-BD59-A6C34878D82A}">
+                    <a16:rowId xmlns:a16="http://schemas.microsoft.com/office/drawing/2014/main" val="4201650252"/>
+                  </a:ext>
+                </a:extLst>
+              </a:tr>
+              <a:tr h="370840">
+                <a:tc>
+                  <a:txBody>
+                    <a:bodyPr/>
+                    <a:lstStyle/>
+                    <a:p>
+                      <a:r>
+                        <a:rPr lang="de-DE" dirty="0" err="1"/>
+                        <a:t>Standalone</a:t>
+                      </a:r>
+                      <a:r>
+                        <a:rPr lang="de-DE" dirty="0"/>
+                        <a:t> mit DB</a:t>
+                      </a:r>
+                    </a:p>
+                  </a:txBody>
+                  <a:tcPr/>
+                </a:tc>
+                <a:tc>
+                  <a:txBody>
+                    <a:bodyPr/>
+                    <a:lstStyle/>
+                    <a:p>
+                      <a:r>
+                        <a:rPr lang="de-DE" dirty="0"/>
+                        <a:t>28.466</a:t>
+                      </a:r>
+                    </a:p>
+                  </a:txBody>
+                  <a:tcPr/>
+                </a:tc>
+                <a:tc>
+                  <a:txBody>
+                    <a:bodyPr/>
+                    <a:lstStyle/>
+                    <a:p>
+                      <a:endParaRPr lang="de-DE" dirty="0"/>
+                    </a:p>
+                  </a:txBody>
+                  <a:tcPr/>
+                </a:tc>
+                <a:tc>
+                  <a:txBody>
+                    <a:bodyPr/>
+                    <a:lstStyle/>
+                    <a:p>
+                      <a:endParaRPr lang="de-DE" dirty="0"/>
+                    </a:p>
+                  </a:txBody>
+                  <a:tcPr/>
+                </a:tc>
+                <a:tc>
+                  <a:txBody>
+                    <a:bodyPr/>
+                    <a:lstStyle/>
+                    <a:p>
+                      <a:endParaRPr lang="de-DE" dirty="0"/>
+                    </a:p>
+                  </a:txBody>
+                  <a:tcPr/>
+                </a:tc>
+                <a:extLst>
+                  <a:ext uri="{0D108BD9-81ED-4DB2-BD59-A6C34878D82A}">
+                    <a16:rowId xmlns:a16="http://schemas.microsoft.com/office/drawing/2014/main" val="3808879543"/>
+                  </a:ext>
+                </a:extLst>
+              </a:tr>
+              <a:tr h="370840">
+                <a:tc>
+                  <a:txBody>
+                    <a:bodyPr/>
+                    <a:lstStyle/>
+                    <a:p>
+                      <a:r>
+                        <a:rPr lang="de-DE" dirty="0" err="1"/>
+                        <a:t>Standalone</a:t>
+                      </a:r>
+                      <a:r>
+                        <a:rPr lang="de-DE" dirty="0"/>
+                        <a:t> ohne DB</a:t>
+                      </a:r>
+                    </a:p>
+                  </a:txBody>
+                  <a:tcPr/>
+                </a:tc>
+                <a:tc>
+                  <a:txBody>
+                    <a:bodyPr/>
+                    <a:lstStyle/>
+                    <a:p>
+                      <a:r>
+                        <a:rPr lang="de-DE" dirty="0"/>
+                        <a:t>26.210</a:t>
+                      </a:r>
+                    </a:p>
+                  </a:txBody>
+                  <a:tcPr/>
+                </a:tc>
+                <a:tc>
+                  <a:txBody>
+                    <a:bodyPr/>
+                    <a:lstStyle/>
+                    <a:p>
+                      <a:r>
+                        <a:rPr lang="de-DE" dirty="0"/>
+                        <a:t>26.417</a:t>
+                      </a:r>
+                    </a:p>
+                  </a:txBody>
+                  <a:tcPr/>
+                </a:tc>
+                <a:tc>
+                  <a:txBody>
+                    <a:bodyPr/>
+                    <a:lstStyle/>
+                    <a:p>
+                      <a:endParaRPr lang="de-DE"/>
+                    </a:p>
+                  </a:txBody>
+                  <a:tcPr/>
+                </a:tc>
+                <a:tc>
+                  <a:txBody>
+                    <a:bodyPr/>
+                    <a:lstStyle/>
+                    <a:p>
+                      <a:endParaRPr lang="de-DE" dirty="0"/>
+                    </a:p>
+                  </a:txBody>
+                  <a:tcPr/>
+                </a:tc>
+                <a:extLst>
+                  <a:ext uri="{0D108BD9-81ED-4DB2-BD59-A6C34878D82A}">
+                    <a16:rowId xmlns:a16="http://schemas.microsoft.com/office/drawing/2014/main" val="2767661973"/>
+                  </a:ext>
+                </a:extLst>
+              </a:tr>
+              <a:tr h="370840">
+                <a:tc>
+                  <a:txBody>
+                    <a:bodyPr/>
+                    <a:lstStyle/>
+                    <a:p>
+                      <a:r>
+                        <a:rPr lang="de-DE" dirty="0"/>
+                        <a:t>Framework</a:t>
+                      </a:r>
+                    </a:p>
+                  </a:txBody>
+                  <a:tcPr/>
+                </a:tc>
+                <a:tc>
+                  <a:txBody>
+                    <a:bodyPr/>
+                    <a:lstStyle/>
+                    <a:p>
+                      <a:r>
+                        <a:rPr lang="de-DE" dirty="0"/>
+                        <a:t>25.799</a:t>
+                      </a:r>
+                    </a:p>
+                  </a:txBody>
+                  <a:tcPr/>
+                </a:tc>
+                <a:tc>
+                  <a:txBody>
+                    <a:bodyPr/>
+                    <a:lstStyle/>
+                    <a:p>
+                      <a:r>
+                        <a:rPr lang="de-DE" dirty="0"/>
+                        <a:t>25.972</a:t>
+                      </a:r>
+                    </a:p>
+                  </a:txBody>
+                  <a:tcPr/>
+                </a:tc>
+                <a:tc>
+                  <a:txBody>
+                    <a:bodyPr/>
+                    <a:lstStyle/>
+                    <a:p>
+                      <a:r>
+                        <a:rPr lang="de-DE" dirty="0"/>
+                        <a:t>26.888</a:t>
+                      </a:r>
+                    </a:p>
+                  </a:txBody>
+                  <a:tcPr/>
+                </a:tc>
+                <a:tc>
+                  <a:txBody>
+                    <a:bodyPr/>
+                    <a:lstStyle/>
+                    <a:p>
+                      <a:endParaRPr lang="de-DE"/>
+                    </a:p>
+                  </a:txBody>
+                  <a:tcPr/>
+                </a:tc>
+                <a:extLst>
+                  <a:ext uri="{0D108BD9-81ED-4DB2-BD59-A6C34878D82A}">
+                    <a16:rowId xmlns:a16="http://schemas.microsoft.com/office/drawing/2014/main" val="2663887983"/>
+                  </a:ext>
+                </a:extLst>
+              </a:tr>
+              <a:tr h="370840">
+                <a:tc>
+                  <a:txBody>
+                    <a:bodyPr/>
+                    <a:lstStyle/>
+                    <a:p>
+                      <a:r>
+                        <a:rPr lang="de-DE" dirty="0"/>
+                        <a:t>Library</a:t>
+                      </a:r>
+                    </a:p>
+                  </a:txBody>
+                  <a:tcPr/>
+                </a:tc>
+                <a:tc>
+                  <a:txBody>
+                    <a:bodyPr/>
+                    <a:lstStyle/>
+                    <a:p>
+                      <a:r>
+                        <a:rPr lang="de-DE" dirty="0"/>
+                        <a:t>25.799</a:t>
+                      </a:r>
+                    </a:p>
+                  </a:txBody>
+                  <a:tcPr/>
+                </a:tc>
+                <a:tc>
+                  <a:txBody>
+                    <a:bodyPr/>
+                    <a:lstStyle/>
+                    <a:p>
+                      <a:r>
+                        <a:rPr lang="de-DE" dirty="0"/>
+                        <a:t>25.972</a:t>
+                      </a:r>
+                    </a:p>
+                  </a:txBody>
+                  <a:tcPr/>
+                </a:tc>
+                <a:tc>
+                  <a:txBody>
+                    <a:bodyPr/>
+                    <a:lstStyle/>
+                    <a:p>
+                      <a:r>
+                        <a:rPr lang="de-DE" dirty="0"/>
+                        <a:t>25.799</a:t>
+                      </a:r>
+                    </a:p>
+                  </a:txBody>
+                  <a:tcPr/>
+                </a:tc>
+                <a:tc>
+                  <a:txBody>
+                    <a:bodyPr/>
+                    <a:lstStyle/>
+                    <a:p>
+                      <a:r>
+                        <a:rPr lang="de-DE" dirty="0"/>
+                        <a:t>26.112</a:t>
+                      </a:r>
+                    </a:p>
+                  </a:txBody>
+                  <a:tcPr/>
+                </a:tc>
+                <a:extLst>
+                  <a:ext uri="{0D108BD9-81ED-4DB2-BD59-A6C34878D82A}">
+                    <a16:rowId xmlns:a16="http://schemas.microsoft.com/office/drawing/2014/main" val="4134119321"/>
+                  </a:ext>
+                </a:extLst>
+              </a:tr>
+            </a:tbl>
+          </a:graphicData>
+        </a:graphic>
+      </p:graphicFrame>
+      <p:sp>
+        <p:nvSpPr>
+          <p:cNvPr id="5" name="Textfeld 4">
+            <a:extLst>
+              <a:ext uri="{FF2B5EF4-FFF2-40B4-BE49-F238E27FC236}">
+                <a16:creationId xmlns:a16="http://schemas.microsoft.com/office/drawing/2014/main" id="{104BACB3-3A04-925C-3056-D899151D7F26}"/>
+              </a:ext>
+            </a:extLst>
+          </p:cNvPr>
+          <p:cNvSpPr txBox="1"/>
+          <p:nvPr/>
+        </p:nvSpPr>
+        <p:spPr>
+          <a:xfrm>
+            <a:off x="838200" y="4582048"/>
+            <a:ext cx="5726504" cy="369332"/>
+          </a:xfrm>
+          <a:prstGeom prst="rect">
+            <a:avLst/>
+          </a:prstGeom>
+          <a:noFill/>
+        </p:spPr>
+        <p:txBody>
+          <a:bodyPr wrap="none" rtlCol="0">
+            <a:spAutoFit/>
+          </a:bodyPr>
+          <a:lstStyle/>
+          <a:p>
+            <a:r>
+              <a:rPr lang="de-DE" dirty="0"/>
+              <a:t>Anzahl an gemeinsame Codezeilen für alle Projekte: 25.799</a:t>
+            </a:r>
+          </a:p>
+        </p:txBody>
+      </p:sp>
+    </p:spTree>
+    <p:extLst>
+      <p:ext uri="{BB962C8B-B14F-4D97-AF65-F5344CB8AC3E}">
+        <p14:creationId xmlns:p14="http://schemas.microsoft.com/office/powerpoint/2010/main" val="2637453408"/>
+      </p:ext>
+    </p:extLst>
+  </p:cSld>
+  <p:clrMapOvr>
+    <a:masterClrMapping/>
+  </p:clrMapOvr>
+</p:sld>
+</file>
+
 <file path=ppt/slides/slide2.xml><?xml version="1.0" encoding="utf-8"?>
 <p:sld xmlns:a="http://schemas.openxmlformats.org/drawingml/2006/main" xmlns:r="http://schemas.openxmlformats.org/officeDocument/2006/relationships" xmlns:p="http://schemas.openxmlformats.org/presentationml/2006/main">
   <p:cSld>
@@ -3597,6 +5813,13 @@
             <a:r>
               <a:rPr lang="en-US" dirty="0" err="1"/>
               <a:t>Architektur</a:t>
+            </a:r>
+            <a:endParaRPr lang="en-US" dirty="0"/>
+          </a:p>
+          <a:p>
+            <a:r>
+              <a:rPr lang="en-US" dirty="0" err="1"/>
+              <a:t>Ergebnis</a:t>
             </a:r>
             <a:r>
               <a:rPr lang="en-US" dirty="0"/>
@@ -3825,31 +6048,41 @@
           </a:p>
         </p:txBody>
       </p:sp>
-      <p:sp>
-        <p:nvSpPr>
-          <p:cNvPr id="3" name="Inhaltsplatzhalter 2">
-            <a:extLst>
-              <a:ext uri="{FF2B5EF4-FFF2-40B4-BE49-F238E27FC236}">
-                <a16:creationId xmlns:a16="http://schemas.microsoft.com/office/drawing/2014/main" id="{D1A78292-4135-0AE6-C8C5-A22AB95C5CA1}"/>
-              </a:ext>
-            </a:extLst>
-          </p:cNvPr>
-          <p:cNvSpPr>
-            <a:spLocks noGrp="1"/>
-          </p:cNvSpPr>
+      <p:pic>
+        <p:nvPicPr>
+          <p:cNvPr id="5" name="Inhaltsplatzhalter 4">
+            <a:extLst>
+              <a:ext uri="{FF2B5EF4-FFF2-40B4-BE49-F238E27FC236}">
+                <a16:creationId xmlns:a16="http://schemas.microsoft.com/office/drawing/2014/main" id="{05323971-1C1C-AC7A-E21A-AB75523D7ACD}"/>
+              </a:ext>
+            </a:extLst>
+          </p:cNvPr>
+          <p:cNvPicPr>
+            <a:picLocks noGrp="1" noChangeAspect="1"/>
+          </p:cNvPicPr>
           <p:nvPr>
             <p:ph idx="1"/>
           </p:nvPr>
-        </p:nvSpPr>
-        <p:spPr/>
-        <p:txBody>
-          <a:bodyPr/>
-          <a:lstStyle/>
-          <a:p>
-            <a:endParaRPr lang="de-DE"/>
-          </a:p>
-        </p:txBody>
-      </p:sp>
+        </p:nvPicPr>
+        <p:blipFill>
+          <a:blip r:embed="rId3">
+            <a:extLst>
+              <a:ext uri="{28A0092B-C50C-407E-A947-70E740481C1C}">
+                <a14:useLocalDpi xmlns:a14="http://schemas.microsoft.com/office/drawing/2010/main" val="0"/>
+              </a:ext>
+            </a:extLst>
+          </a:blip>
+          <a:stretch>
+            <a:fillRect/>
+          </a:stretch>
+        </p:blipFill>
+        <p:spPr>
+          <a:xfrm>
+            <a:off x="2956288" y="1757535"/>
+            <a:ext cx="6279424" cy="3342930"/>
+          </a:xfrm>
+        </p:spPr>
+      </p:pic>
     </p:spTree>
     <p:extLst>
       <p:ext uri="{BB962C8B-B14F-4D97-AF65-F5344CB8AC3E}">
@@ -3885,7 +6118,7 @@
           <p:cNvPr id="2" name="Titel 1">
             <a:extLst>
               <a:ext uri="{FF2B5EF4-FFF2-40B4-BE49-F238E27FC236}">
-                <a16:creationId xmlns:a16="http://schemas.microsoft.com/office/drawing/2014/main" id="{6319E4CE-9F66-349E-8AC4-EB8EE158BA91}"/>
+                <a16:creationId xmlns:a16="http://schemas.microsoft.com/office/drawing/2014/main" id="{E7E6D779-288E-45CD-5836-4D9E832D7B5E}"/>
               </a:ext>
             </a:extLst>
           </p:cNvPr>
@@ -3902,18 +6135,35 @@
           <a:lstStyle/>
           <a:p>
             <a:r>
-              <a:rPr lang="de-DE" dirty="0"/>
-              <a:t>Allgemeine Architektur</a:t>
-            </a:r>
-          </a:p>
-        </p:txBody>
-      </p:sp>
-      <p:sp>
-        <p:nvSpPr>
-          <p:cNvPr id="3" name="Inhaltsplatzhalter 2">
-            <a:extLst>
-              <a:ext uri="{FF2B5EF4-FFF2-40B4-BE49-F238E27FC236}">
-                <a16:creationId xmlns:a16="http://schemas.microsoft.com/office/drawing/2014/main" id="{7E7BF318-BA04-9EB3-6F2D-09BE81B367FB}"/>
+              <a:rPr lang="en-US" dirty="0"/>
+              <a:t>Technical debts (dt. </a:t>
+            </a:r>
+            <a:r>
+              <a:rPr lang="en-US" dirty="0" err="1"/>
+              <a:t>Technische</a:t>
+            </a:r>
+            <a:r>
+              <a:rPr lang="en-US" dirty="0"/>
+              <a:t> </a:t>
+            </a:r>
+            <a:r>
+              <a:rPr lang="en-US" dirty="0" err="1"/>
+              <a:t>Schulden</a:t>
+            </a:r>
+            <a:r>
+              <a:rPr lang="en-US" dirty="0"/>
+              <a:t>)</a:t>
+            </a:r>
+            <a:endParaRPr lang="de-DE" dirty="0"/>
+          </a:p>
+        </p:txBody>
+      </p:sp>
+      <p:sp>
+        <p:nvSpPr>
+          <p:cNvPr id="4" name="Inhaltsplatzhalter 3">
+            <a:extLst>
+              <a:ext uri="{FF2B5EF4-FFF2-40B4-BE49-F238E27FC236}">
+                <a16:creationId xmlns:a16="http://schemas.microsoft.com/office/drawing/2014/main" id="{4EB1E3C1-9168-D6B6-77CE-C593A5843B2D}"/>
               </a:ext>
             </a:extLst>
           </p:cNvPr>
@@ -3924,19 +6174,105 @@
             <p:ph idx="1"/>
           </p:nvPr>
         </p:nvSpPr>
-        <p:spPr/>
-        <p:txBody>
-          <a:bodyPr/>
-          <a:lstStyle/>
-          <a:p>
-            <a:endParaRPr lang="de-DE"/>
+        <p:spPr>
+          <a:xfrm>
+            <a:off x="838200" y="1690688"/>
+            <a:ext cx="10515600" cy="2592701"/>
+          </a:xfrm>
+        </p:spPr>
+        <p:txBody>
+          <a:bodyPr>
+            <a:normAutofit lnSpcReduction="10000"/>
+          </a:bodyPr>
+          <a:lstStyle/>
+          <a:p>
+            <a:r>
+              <a:rPr lang="de-DE" b="0" i="0" dirty="0">
+                <a:effectLst/>
+                <a:latin typeface="Arial" panose="020B0604020202020204" pitchFamily="34" charset="0"/>
+              </a:rPr>
+              <a:t>Alte Funktionalit</a:t>
+            </a:r>
+            <a:r>
+              <a:rPr lang="de-DE" dirty="0">
+                <a:latin typeface="Arial" panose="020B0604020202020204" pitchFamily="34" charset="0"/>
+              </a:rPr>
+              <a:t>ä</a:t>
+            </a:r>
+            <a:r>
+              <a:rPr lang="de-DE" b="0" i="0" dirty="0">
+                <a:effectLst/>
+                <a:latin typeface="Arial" panose="020B0604020202020204" pitchFamily="34" charset="0"/>
+              </a:rPr>
+              <a:t>ten funktionieren nach der </a:t>
+            </a:r>
+            <a:r>
+              <a:rPr lang="de-DE" dirty="0">
+                <a:latin typeface="Arial" panose="020B0604020202020204" pitchFamily="34" charset="0"/>
+              </a:rPr>
+              <a:t>Ä</a:t>
+            </a:r>
+            <a:r>
+              <a:rPr lang="de-DE" b="0" i="0" dirty="0">
+                <a:effectLst/>
+                <a:latin typeface="Arial" panose="020B0604020202020204" pitchFamily="34" charset="0"/>
+              </a:rPr>
+              <a:t>nderung nicht mehr</a:t>
+            </a:r>
+          </a:p>
+          <a:p>
+            <a:r>
+              <a:rPr lang="de-DE" b="0" i="0" dirty="0">
+                <a:effectLst/>
+                <a:latin typeface="Arial" panose="020B0604020202020204" pitchFamily="34" charset="0"/>
+              </a:rPr>
+              <a:t>Aufdeckung eines Bugs erst nach einer gewissen Zeit in Produktionsversion der Software</a:t>
+            </a:r>
+          </a:p>
+          <a:p>
+            <a:r>
+              <a:rPr lang="de-DE" b="0" i="0" dirty="0">
+                <a:effectLst/>
+                <a:latin typeface="Arial" panose="020B0604020202020204" pitchFamily="34" charset="0"/>
+              </a:rPr>
+              <a:t>Implementieren der neuen </a:t>
+            </a:r>
+            <a:r>
+              <a:rPr lang="de-DE" b="0" i="0" dirty="0" err="1">
+                <a:effectLst/>
+                <a:latin typeface="Arial" panose="020B0604020202020204" pitchFamily="34" charset="0"/>
+              </a:rPr>
+              <a:t>Funktionalit</a:t>
+            </a:r>
+            <a:r>
+              <a:rPr lang="de-DE" b="0" i="0" dirty="0">
+                <a:effectLst/>
+                <a:latin typeface="Arial" panose="020B0604020202020204" pitchFamily="34" charset="0"/>
+              </a:rPr>
+              <a:t> ̈</a:t>
+            </a:r>
+            <a:r>
+              <a:rPr lang="de-DE" b="0" i="0" dirty="0" err="1">
+                <a:effectLst/>
+                <a:latin typeface="Arial" panose="020B0604020202020204" pitchFamily="34" charset="0"/>
+              </a:rPr>
+              <a:t>aten</a:t>
+            </a:r>
+            <a:r>
+              <a:rPr lang="de-DE" b="0" i="0" dirty="0">
+                <a:effectLst/>
+                <a:latin typeface="Arial" panose="020B0604020202020204" pitchFamily="34" charset="0"/>
+              </a:rPr>
+              <a:t> verbraucht deutlich mehr Zeit</a:t>
+            </a:r>
+            <a:endParaRPr lang="de-DE" dirty="0"/>
           </a:p>
         </p:txBody>
       </p:sp>
     </p:spTree>
     <p:extLst>
       <p:ext uri="{BB962C8B-B14F-4D97-AF65-F5344CB8AC3E}">
-        <p14:creationId xmlns:p14="http://schemas.microsoft.com/office/powerpoint/2010/main" val="1752522257"/>
+        <p14:creationId xmlns:p14="http://schemas.microsoft.com/office/powerpoint/2010/main" val="1499890494"/>
       </p:ext>
     </p:extLst>
   </p:cSld>
@@ -3968,6 +6304,779 @@
           <p:cNvPr id="2" name="Titel 1">
             <a:extLst>
               <a:ext uri="{FF2B5EF4-FFF2-40B4-BE49-F238E27FC236}">
+                <a16:creationId xmlns:a16="http://schemas.microsoft.com/office/drawing/2014/main" id="{E7E6D779-288E-45CD-5836-4D9E832D7B5E}"/>
+              </a:ext>
+            </a:extLst>
+          </p:cNvPr>
+          <p:cNvSpPr>
+            <a:spLocks noGrp="1"/>
+          </p:cNvSpPr>
+          <p:nvPr>
+            <p:ph type="title"/>
+          </p:nvPr>
+        </p:nvSpPr>
+        <p:spPr/>
+        <p:txBody>
+          <a:bodyPr/>
+          <a:lstStyle/>
+          <a:p>
+            <a:r>
+              <a:rPr lang="en-US" dirty="0"/>
+              <a:t>Technical debts (dt. </a:t>
+            </a:r>
+            <a:r>
+              <a:rPr lang="en-US" dirty="0" err="1"/>
+              <a:t>Technische</a:t>
+            </a:r>
+            <a:r>
+              <a:rPr lang="en-US" dirty="0"/>
+              <a:t> </a:t>
+            </a:r>
+            <a:r>
+              <a:rPr lang="en-US" dirty="0" err="1"/>
+              <a:t>Schulden</a:t>
+            </a:r>
+            <a:r>
+              <a:rPr lang="en-US" dirty="0"/>
+              <a:t>)</a:t>
+            </a:r>
+            <a:endParaRPr lang="de-DE" dirty="0"/>
+          </a:p>
+        </p:txBody>
+      </p:sp>
+      <p:sp>
+        <p:nvSpPr>
+          <p:cNvPr id="4" name="Inhaltsplatzhalter 3">
+            <a:extLst>
+              <a:ext uri="{FF2B5EF4-FFF2-40B4-BE49-F238E27FC236}">
+                <a16:creationId xmlns:a16="http://schemas.microsoft.com/office/drawing/2014/main" id="{4EB1E3C1-9168-D6B6-77CE-C593A5843B2D}"/>
+              </a:ext>
+            </a:extLst>
+          </p:cNvPr>
+          <p:cNvSpPr>
+            <a:spLocks noGrp="1"/>
+          </p:cNvSpPr>
+          <p:nvPr>
+            <p:ph idx="1"/>
+          </p:nvPr>
+        </p:nvSpPr>
+        <p:spPr>
+          <a:xfrm>
+            <a:off x="838200" y="1690688"/>
+            <a:ext cx="10515600" cy="2605698"/>
+          </a:xfrm>
+        </p:spPr>
+        <p:txBody>
+          <a:bodyPr>
+            <a:normAutofit/>
+          </a:bodyPr>
+          <a:lstStyle/>
+          <a:p>
+            <a:r>
+              <a:rPr lang="de-DE" dirty="0"/>
+              <a:t>Automatisierte Tests</a:t>
+            </a:r>
+          </a:p>
+          <a:p>
+            <a:r>
+              <a:rPr lang="de-DE" dirty="0"/>
+              <a:t>Dokumentieren</a:t>
+            </a:r>
+          </a:p>
+          <a:p>
+            <a:r>
+              <a:rPr lang="de-DE" dirty="0"/>
+              <a:t>Code Review</a:t>
+            </a:r>
+          </a:p>
+          <a:p>
+            <a:r>
+              <a:rPr lang="de-DE" b="0" i="0" dirty="0">
+                <a:effectLst/>
+              </a:rPr>
+              <a:t>die Kommunikationswege zwischen den Modulen</a:t>
+            </a:r>
+          </a:p>
+          <a:p>
+            <a:r>
+              <a:rPr lang="de-DE" dirty="0"/>
+              <a:t>Benennung von Methoden/Klassen/Variablen</a:t>
+            </a:r>
+          </a:p>
+          <a:p>
+            <a:endParaRPr lang="de-DE" dirty="0"/>
+          </a:p>
+          <a:p>
+            <a:endParaRPr lang="de-DE" b="0" i="0" dirty="0">
+              <a:effectLst/>
+              <a:latin typeface="Arial" panose="020B0604020202020204" pitchFamily="34" charset="0"/>
+            </a:endParaRPr>
+          </a:p>
+          <a:p>
+            <a:endParaRPr lang="de-DE" b="0" i="0" dirty="0">
+              <a:effectLst/>
+              <a:latin typeface="Arial" panose="020B0604020202020204" pitchFamily="34" charset="0"/>
+            </a:endParaRPr>
+          </a:p>
+          <a:p>
+            <a:endParaRPr lang="de-DE" dirty="0"/>
+          </a:p>
+        </p:txBody>
+      </p:sp>
+      <p:sp>
+        <p:nvSpPr>
+          <p:cNvPr id="3" name="Inhaltsplatzhalter 3">
+            <a:extLst>
+              <a:ext uri="{FF2B5EF4-FFF2-40B4-BE49-F238E27FC236}">
+                <a16:creationId xmlns:a16="http://schemas.microsoft.com/office/drawing/2014/main" id="{FDCB525F-D845-4117-E1FE-CCC4501D0352}"/>
+              </a:ext>
+            </a:extLst>
+          </p:cNvPr>
+          <p:cNvSpPr txBox="1">
+            <a:spLocks/>
+          </p:cNvSpPr>
+          <p:nvPr/>
+        </p:nvSpPr>
+        <p:spPr>
+          <a:xfrm>
+            <a:off x="838200" y="4017840"/>
+            <a:ext cx="10515600" cy="4351338"/>
+          </a:xfrm>
+          <a:prstGeom prst="rect">
+            <a:avLst/>
+          </a:prstGeom>
+        </p:spPr>
+        <p:txBody>
+          <a:bodyPr vert="horz" lIns="91440" tIns="45720" rIns="91440" bIns="45720" rtlCol="0">
+            <a:normAutofit/>
+          </a:bodyPr>
+          <a:lstStyle>
+            <a:lvl1pPr marL="228600" indent="-228600" algn="l" defTabSz="914400" rtl="0" eaLnBrk="1" latinLnBrk="0" hangingPunct="1">
+              <a:lnSpc>
+                <a:spcPct val="90000"/>
+              </a:lnSpc>
+              <a:spcBef>
+                <a:spcPts val="1000"/>
+              </a:spcBef>
+              <a:buFont typeface="Arial" panose="020B0604020202020204" pitchFamily="34" charset="0"/>
+              <a:buChar char="•"/>
+              <a:defRPr sz="2800" kern="1200">
+                <a:solidFill>
+                  <a:schemeClr val="tx1"/>
+                </a:solidFill>
+                <a:latin typeface="+mn-lt"/>
+                <a:ea typeface="+mn-ea"/>
+                <a:cs typeface="+mn-cs"/>
+              </a:defRPr>
+            </a:lvl1pPr>
+            <a:lvl2pPr marL="685800" indent="-228600" algn="l" defTabSz="914400" rtl="0" eaLnBrk="1" latinLnBrk="0" hangingPunct="1">
+              <a:lnSpc>
+                <a:spcPct val="90000"/>
+              </a:lnSpc>
+              <a:spcBef>
+                <a:spcPts val="500"/>
+              </a:spcBef>
+              <a:buFont typeface="Arial" panose="020B0604020202020204" pitchFamily="34" charset="0"/>
+              <a:buChar char="•"/>
+              <a:defRPr sz="2400" kern="1200">
+                <a:solidFill>
+                  <a:schemeClr val="tx1"/>
+                </a:solidFill>
+                <a:latin typeface="+mn-lt"/>
+                <a:ea typeface="+mn-ea"/>
+                <a:cs typeface="+mn-cs"/>
+              </a:defRPr>
+            </a:lvl2pPr>
+            <a:lvl3pPr marL="1143000" indent="-228600" algn="l" defTabSz="914400" rtl="0" eaLnBrk="1" latinLnBrk="0" hangingPunct="1">
+              <a:lnSpc>
+                <a:spcPct val="90000"/>
+              </a:lnSpc>
+              <a:spcBef>
+                <a:spcPts val="500"/>
+              </a:spcBef>
+              <a:buFont typeface="Arial" panose="020B0604020202020204" pitchFamily="34" charset="0"/>
+              <a:buChar char="•"/>
+              <a:defRPr sz="2000" kern="1200">
+                <a:solidFill>
+                  <a:schemeClr val="tx1"/>
+                </a:solidFill>
+                <a:latin typeface="+mn-lt"/>
+                <a:ea typeface="+mn-ea"/>
+                <a:cs typeface="+mn-cs"/>
+              </a:defRPr>
+            </a:lvl3pPr>
+            <a:lvl4pPr marL="1600200" indent="-228600" algn="l" defTabSz="914400" rtl="0" eaLnBrk="1" latinLnBrk="0" hangingPunct="1">
+              <a:lnSpc>
+                <a:spcPct val="90000"/>
+              </a:lnSpc>
+              <a:spcBef>
+                <a:spcPts val="500"/>
+              </a:spcBef>
+              <a:buFont typeface="Arial" panose="020B0604020202020204" pitchFamily="34" charset="0"/>
+              <a:buChar char="•"/>
+              <a:defRPr sz="1800" kern="1200">
+                <a:solidFill>
+                  <a:schemeClr val="tx1"/>
+                </a:solidFill>
+                <a:latin typeface="+mn-lt"/>
+                <a:ea typeface="+mn-ea"/>
+                <a:cs typeface="+mn-cs"/>
+              </a:defRPr>
+            </a:lvl4pPr>
+            <a:lvl5pPr marL="2057400" indent="-228600" algn="l" defTabSz="914400" rtl="0" eaLnBrk="1" latinLnBrk="0" hangingPunct="1">
+              <a:lnSpc>
+                <a:spcPct val="90000"/>
+              </a:lnSpc>
+              <a:spcBef>
+                <a:spcPts val="500"/>
+              </a:spcBef>
+              <a:buFont typeface="Arial" panose="020B0604020202020204" pitchFamily="34" charset="0"/>
+              <a:buChar char="•"/>
+              <a:defRPr sz="1800" kern="1200">
+                <a:solidFill>
+                  <a:schemeClr val="tx1"/>
+                </a:solidFill>
+                <a:latin typeface="+mn-lt"/>
+                <a:ea typeface="+mn-ea"/>
+                <a:cs typeface="+mn-cs"/>
+              </a:defRPr>
+            </a:lvl5pPr>
+            <a:lvl6pPr marL="2514600" indent="-228600" algn="l" defTabSz="914400" rtl="0" eaLnBrk="1" latinLnBrk="0" hangingPunct="1">
+              <a:lnSpc>
+                <a:spcPct val="90000"/>
+              </a:lnSpc>
+              <a:spcBef>
+                <a:spcPts val="500"/>
+              </a:spcBef>
+              <a:buFont typeface="Arial" panose="020B0604020202020204" pitchFamily="34" charset="0"/>
+              <a:buChar char="•"/>
+              <a:defRPr sz="1800" kern="1200">
+                <a:solidFill>
+                  <a:schemeClr val="tx1"/>
+                </a:solidFill>
+                <a:latin typeface="+mn-lt"/>
+                <a:ea typeface="+mn-ea"/>
+                <a:cs typeface="+mn-cs"/>
+              </a:defRPr>
+            </a:lvl6pPr>
+            <a:lvl7pPr marL="2971800" indent="-228600" algn="l" defTabSz="914400" rtl="0" eaLnBrk="1" latinLnBrk="0" hangingPunct="1">
+              <a:lnSpc>
+                <a:spcPct val="90000"/>
+              </a:lnSpc>
+              <a:spcBef>
+                <a:spcPts val="500"/>
+              </a:spcBef>
+              <a:buFont typeface="Arial" panose="020B0604020202020204" pitchFamily="34" charset="0"/>
+              <a:buChar char="•"/>
+              <a:defRPr sz="1800" kern="1200">
+                <a:solidFill>
+                  <a:schemeClr val="tx1"/>
+                </a:solidFill>
+                <a:latin typeface="+mn-lt"/>
+                <a:ea typeface="+mn-ea"/>
+                <a:cs typeface="+mn-cs"/>
+              </a:defRPr>
+            </a:lvl7pPr>
+            <a:lvl8pPr marL="3429000" indent="-228600" algn="l" defTabSz="914400" rtl="0" eaLnBrk="1" latinLnBrk="0" hangingPunct="1">
+              <a:lnSpc>
+                <a:spcPct val="90000"/>
+              </a:lnSpc>
+              <a:spcBef>
+                <a:spcPts val="500"/>
+              </a:spcBef>
+              <a:buFont typeface="Arial" panose="020B0604020202020204" pitchFamily="34" charset="0"/>
+              <a:buChar char="•"/>
+              <a:defRPr sz="1800" kern="1200">
+                <a:solidFill>
+                  <a:schemeClr val="tx1"/>
+                </a:solidFill>
+                <a:latin typeface="+mn-lt"/>
+                <a:ea typeface="+mn-ea"/>
+                <a:cs typeface="+mn-cs"/>
+              </a:defRPr>
+            </a:lvl8pPr>
+            <a:lvl9pPr marL="3886200" indent="-228600" algn="l" defTabSz="914400" rtl="0" eaLnBrk="1" latinLnBrk="0" hangingPunct="1">
+              <a:lnSpc>
+                <a:spcPct val="90000"/>
+              </a:lnSpc>
+              <a:spcBef>
+                <a:spcPts val="500"/>
+              </a:spcBef>
+              <a:buFont typeface="Arial" panose="020B0604020202020204" pitchFamily="34" charset="0"/>
+              <a:buChar char="•"/>
+              <a:defRPr sz="1800" kern="1200">
+                <a:solidFill>
+                  <a:schemeClr val="tx1"/>
+                </a:solidFill>
+                <a:latin typeface="+mn-lt"/>
+                <a:ea typeface="+mn-ea"/>
+                <a:cs typeface="+mn-cs"/>
+              </a:defRPr>
+            </a:lvl9pPr>
+          </a:lstStyle>
+          <a:p>
+            <a:endParaRPr lang="de-DE" dirty="0"/>
+          </a:p>
+        </p:txBody>
+      </p:sp>
+      <p:sp>
+        <p:nvSpPr>
+          <p:cNvPr id="6" name="Inhaltsplatzhalter 3">
+            <a:extLst>
+              <a:ext uri="{FF2B5EF4-FFF2-40B4-BE49-F238E27FC236}">
+                <a16:creationId xmlns:a16="http://schemas.microsoft.com/office/drawing/2014/main" id="{8725DCAC-290B-6FD3-024D-1E4618E61636}"/>
+              </a:ext>
+            </a:extLst>
+          </p:cNvPr>
+          <p:cNvSpPr txBox="1">
+            <a:spLocks/>
+          </p:cNvSpPr>
+          <p:nvPr/>
+        </p:nvSpPr>
+        <p:spPr>
+          <a:xfrm>
+            <a:off x="838200" y="4017840"/>
+            <a:ext cx="10515600" cy="4351338"/>
+          </a:xfrm>
+          <a:prstGeom prst="rect">
+            <a:avLst/>
+          </a:prstGeom>
+        </p:spPr>
+        <p:txBody>
+          <a:bodyPr vert="horz" lIns="91440" tIns="45720" rIns="91440" bIns="45720" rtlCol="0">
+            <a:normAutofit/>
+          </a:bodyPr>
+          <a:lstStyle>
+            <a:lvl1pPr marL="228600" indent="-228600" algn="l" defTabSz="914400" rtl="0" eaLnBrk="1" latinLnBrk="0" hangingPunct="1">
+              <a:lnSpc>
+                <a:spcPct val="90000"/>
+              </a:lnSpc>
+              <a:spcBef>
+                <a:spcPts val="1000"/>
+              </a:spcBef>
+              <a:buFont typeface="Arial" panose="020B0604020202020204" pitchFamily="34" charset="0"/>
+              <a:buChar char="•"/>
+              <a:defRPr sz="2800" kern="1200">
+                <a:solidFill>
+                  <a:schemeClr val="tx1"/>
+                </a:solidFill>
+                <a:latin typeface="+mn-lt"/>
+                <a:ea typeface="+mn-ea"/>
+                <a:cs typeface="+mn-cs"/>
+              </a:defRPr>
+            </a:lvl1pPr>
+            <a:lvl2pPr marL="685800" indent="-228600" algn="l" defTabSz="914400" rtl="0" eaLnBrk="1" latinLnBrk="0" hangingPunct="1">
+              <a:lnSpc>
+                <a:spcPct val="90000"/>
+              </a:lnSpc>
+              <a:spcBef>
+                <a:spcPts val="500"/>
+              </a:spcBef>
+              <a:buFont typeface="Arial" panose="020B0604020202020204" pitchFamily="34" charset="0"/>
+              <a:buChar char="•"/>
+              <a:defRPr sz="2400" kern="1200">
+                <a:solidFill>
+                  <a:schemeClr val="tx1"/>
+                </a:solidFill>
+                <a:latin typeface="+mn-lt"/>
+                <a:ea typeface="+mn-ea"/>
+                <a:cs typeface="+mn-cs"/>
+              </a:defRPr>
+            </a:lvl2pPr>
+            <a:lvl3pPr marL="1143000" indent="-228600" algn="l" defTabSz="914400" rtl="0" eaLnBrk="1" latinLnBrk="0" hangingPunct="1">
+              <a:lnSpc>
+                <a:spcPct val="90000"/>
+              </a:lnSpc>
+              <a:spcBef>
+                <a:spcPts val="500"/>
+              </a:spcBef>
+              <a:buFont typeface="Arial" panose="020B0604020202020204" pitchFamily="34" charset="0"/>
+              <a:buChar char="•"/>
+              <a:defRPr sz="2000" kern="1200">
+                <a:solidFill>
+                  <a:schemeClr val="tx1"/>
+                </a:solidFill>
+                <a:latin typeface="+mn-lt"/>
+                <a:ea typeface="+mn-ea"/>
+                <a:cs typeface="+mn-cs"/>
+              </a:defRPr>
+            </a:lvl3pPr>
+            <a:lvl4pPr marL="1600200" indent="-228600" algn="l" defTabSz="914400" rtl="0" eaLnBrk="1" latinLnBrk="0" hangingPunct="1">
+              <a:lnSpc>
+                <a:spcPct val="90000"/>
+              </a:lnSpc>
+              <a:spcBef>
+                <a:spcPts val="500"/>
+              </a:spcBef>
+              <a:buFont typeface="Arial" panose="020B0604020202020204" pitchFamily="34" charset="0"/>
+              <a:buChar char="•"/>
+              <a:defRPr sz="1800" kern="1200">
+                <a:solidFill>
+                  <a:schemeClr val="tx1"/>
+                </a:solidFill>
+                <a:latin typeface="+mn-lt"/>
+                <a:ea typeface="+mn-ea"/>
+                <a:cs typeface="+mn-cs"/>
+              </a:defRPr>
+            </a:lvl4pPr>
+            <a:lvl5pPr marL="2057400" indent="-228600" algn="l" defTabSz="914400" rtl="0" eaLnBrk="1" latinLnBrk="0" hangingPunct="1">
+              <a:lnSpc>
+                <a:spcPct val="90000"/>
+              </a:lnSpc>
+              <a:spcBef>
+                <a:spcPts val="500"/>
+              </a:spcBef>
+              <a:buFont typeface="Arial" panose="020B0604020202020204" pitchFamily="34" charset="0"/>
+              <a:buChar char="•"/>
+              <a:defRPr sz="1800" kern="1200">
+                <a:solidFill>
+                  <a:schemeClr val="tx1"/>
+                </a:solidFill>
+                <a:latin typeface="+mn-lt"/>
+                <a:ea typeface="+mn-ea"/>
+                <a:cs typeface="+mn-cs"/>
+              </a:defRPr>
+            </a:lvl5pPr>
+            <a:lvl6pPr marL="2514600" indent="-228600" algn="l" defTabSz="914400" rtl="0" eaLnBrk="1" latinLnBrk="0" hangingPunct="1">
+              <a:lnSpc>
+                <a:spcPct val="90000"/>
+              </a:lnSpc>
+              <a:spcBef>
+                <a:spcPts val="500"/>
+              </a:spcBef>
+              <a:buFont typeface="Arial" panose="020B0604020202020204" pitchFamily="34" charset="0"/>
+              <a:buChar char="•"/>
+              <a:defRPr sz="1800" kern="1200">
+                <a:solidFill>
+                  <a:schemeClr val="tx1"/>
+                </a:solidFill>
+                <a:latin typeface="+mn-lt"/>
+                <a:ea typeface="+mn-ea"/>
+                <a:cs typeface="+mn-cs"/>
+              </a:defRPr>
+            </a:lvl6pPr>
+            <a:lvl7pPr marL="2971800" indent="-228600" algn="l" defTabSz="914400" rtl="0" eaLnBrk="1" latinLnBrk="0" hangingPunct="1">
+              <a:lnSpc>
+                <a:spcPct val="90000"/>
+              </a:lnSpc>
+              <a:spcBef>
+                <a:spcPts val="500"/>
+              </a:spcBef>
+              <a:buFont typeface="Arial" panose="020B0604020202020204" pitchFamily="34" charset="0"/>
+              <a:buChar char="•"/>
+              <a:defRPr sz="1800" kern="1200">
+                <a:solidFill>
+                  <a:schemeClr val="tx1"/>
+                </a:solidFill>
+                <a:latin typeface="+mn-lt"/>
+                <a:ea typeface="+mn-ea"/>
+                <a:cs typeface="+mn-cs"/>
+              </a:defRPr>
+            </a:lvl7pPr>
+            <a:lvl8pPr marL="3429000" indent="-228600" algn="l" defTabSz="914400" rtl="0" eaLnBrk="1" latinLnBrk="0" hangingPunct="1">
+              <a:lnSpc>
+                <a:spcPct val="90000"/>
+              </a:lnSpc>
+              <a:spcBef>
+                <a:spcPts val="500"/>
+              </a:spcBef>
+              <a:buFont typeface="Arial" panose="020B0604020202020204" pitchFamily="34" charset="0"/>
+              <a:buChar char="•"/>
+              <a:defRPr sz="1800" kern="1200">
+                <a:solidFill>
+                  <a:schemeClr val="tx1"/>
+                </a:solidFill>
+                <a:latin typeface="+mn-lt"/>
+                <a:ea typeface="+mn-ea"/>
+                <a:cs typeface="+mn-cs"/>
+              </a:defRPr>
+            </a:lvl8pPr>
+            <a:lvl9pPr marL="3886200" indent="-228600" algn="l" defTabSz="914400" rtl="0" eaLnBrk="1" latinLnBrk="0" hangingPunct="1">
+              <a:lnSpc>
+                <a:spcPct val="90000"/>
+              </a:lnSpc>
+              <a:spcBef>
+                <a:spcPts val="500"/>
+              </a:spcBef>
+              <a:buFont typeface="Arial" panose="020B0604020202020204" pitchFamily="34" charset="0"/>
+              <a:buChar char="•"/>
+              <a:defRPr sz="1800" kern="1200">
+                <a:solidFill>
+                  <a:schemeClr val="tx1"/>
+                </a:solidFill>
+                <a:latin typeface="+mn-lt"/>
+                <a:ea typeface="+mn-ea"/>
+                <a:cs typeface="+mn-cs"/>
+              </a:defRPr>
+            </a:lvl9pPr>
+          </a:lstStyle>
+          <a:p>
+            <a:endParaRPr lang="de-DE" dirty="0"/>
+          </a:p>
+        </p:txBody>
+      </p:sp>
+    </p:spTree>
+    <p:extLst>
+      <p:ext uri="{BB962C8B-B14F-4D97-AF65-F5344CB8AC3E}">
+        <p14:creationId xmlns:p14="http://schemas.microsoft.com/office/powerpoint/2010/main" val="1200640980"/>
+      </p:ext>
+    </p:extLst>
+  </p:cSld>
+  <p:clrMapOvr>
+    <a:masterClrMapping/>
+  </p:clrMapOvr>
+</p:sld>
+</file>
+
+<file path=ppt/slides/slide7.xml><?xml version="1.0" encoding="utf-8"?>
+<p:sld xmlns:a="http://schemas.openxmlformats.org/drawingml/2006/main" xmlns:r="http://schemas.openxmlformats.org/officeDocument/2006/relationships" xmlns:p="http://schemas.openxmlformats.org/presentationml/2006/main">
+  <p:cSld>
+    <p:spTree>
+      <p:nvGrpSpPr>
+        <p:cNvPr id="1" name=""/>
+        <p:cNvGrpSpPr/>
+        <p:nvPr/>
+      </p:nvGrpSpPr>
+      <p:grpSpPr>
+        <a:xfrm>
+          <a:off x="0" y="0"/>
+          <a:ext cx="0" cy="0"/>
+          <a:chOff x="0" y="0"/>
+          <a:chExt cx="0" cy="0"/>
+        </a:xfrm>
+      </p:grpSpPr>
+      <p:sp>
+        <p:nvSpPr>
+          <p:cNvPr id="2" name="Titel 1">
+            <a:extLst>
+              <a:ext uri="{FF2B5EF4-FFF2-40B4-BE49-F238E27FC236}">
+                <a16:creationId xmlns:a16="http://schemas.microsoft.com/office/drawing/2014/main" id="{6319E4CE-9F66-349E-8AC4-EB8EE158BA91}"/>
+              </a:ext>
+            </a:extLst>
+          </p:cNvPr>
+          <p:cNvSpPr>
+            <a:spLocks noGrp="1"/>
+          </p:cNvSpPr>
+          <p:nvPr>
+            <p:ph type="title"/>
+          </p:nvPr>
+        </p:nvSpPr>
+        <p:spPr/>
+        <p:txBody>
+          <a:bodyPr/>
+          <a:lstStyle/>
+          <a:p>
+            <a:r>
+              <a:rPr lang="de-DE" dirty="0"/>
+              <a:t>Allgemeine Architektur</a:t>
+            </a:r>
+          </a:p>
+        </p:txBody>
+      </p:sp>
+      <p:pic>
+        <p:nvPicPr>
+          <p:cNvPr id="5" name="Inhaltsplatzhalter 4">
+            <a:extLst>
+              <a:ext uri="{FF2B5EF4-FFF2-40B4-BE49-F238E27FC236}">
+                <a16:creationId xmlns:a16="http://schemas.microsoft.com/office/drawing/2014/main" id="{3987BECF-BF7B-F6FB-57B5-DA00AE8F57FE}"/>
+              </a:ext>
+            </a:extLst>
+          </p:cNvPr>
+          <p:cNvPicPr>
+            <a:picLocks noGrp="1" noChangeAspect="1"/>
+          </p:cNvPicPr>
+          <p:nvPr>
+            <p:ph idx="1"/>
+          </p:nvPr>
+        </p:nvPicPr>
+        <p:blipFill>
+          <a:blip r:embed="rId3">
+            <a:extLst>
+              <a:ext uri="{28A0092B-C50C-407E-A947-70E740481C1C}">
+                <a14:useLocalDpi xmlns:a14="http://schemas.microsoft.com/office/drawing/2010/main" val="0"/>
+              </a:ext>
+            </a:extLst>
+          </a:blip>
+          <a:stretch>
+            <a:fillRect/>
+          </a:stretch>
+        </p:blipFill>
+        <p:spPr>
+          <a:xfrm>
+            <a:off x="6096000" y="565219"/>
+            <a:ext cx="5740835" cy="5727562"/>
+          </a:xfrm>
+        </p:spPr>
+      </p:pic>
+      <p:sp>
+        <p:nvSpPr>
+          <p:cNvPr id="6" name="Textfeld 5">
+            <a:extLst>
+              <a:ext uri="{FF2B5EF4-FFF2-40B4-BE49-F238E27FC236}">
+                <a16:creationId xmlns:a16="http://schemas.microsoft.com/office/drawing/2014/main" id="{E38CCCA8-CE1A-CF07-EAF3-40B303A17F95}"/>
+              </a:ext>
+            </a:extLst>
+          </p:cNvPr>
+          <p:cNvSpPr txBox="1"/>
+          <p:nvPr/>
+        </p:nvSpPr>
+        <p:spPr>
+          <a:xfrm>
+            <a:off x="838200" y="1257638"/>
+            <a:ext cx="3236843" cy="3139321"/>
+          </a:xfrm>
+          <a:prstGeom prst="rect">
+            <a:avLst/>
+          </a:prstGeom>
+          <a:noFill/>
+        </p:spPr>
+        <p:txBody>
+          <a:bodyPr wrap="square" rtlCol="0">
+            <a:spAutoFit/>
+          </a:bodyPr>
+          <a:lstStyle/>
+          <a:p>
+            <a:pPr marL="285750" indent="-285750">
+              <a:buFont typeface="Arial" panose="020B0604020202020204" pitchFamily="34" charset="0"/>
+              <a:buChar char="•"/>
+            </a:pPr>
+            <a:endParaRPr lang="de-DE" dirty="0"/>
+          </a:p>
+          <a:p>
+            <a:r>
+              <a:rPr lang="de-DE" dirty="0"/>
+              <a:t>Besteht aus:</a:t>
+            </a:r>
+          </a:p>
+          <a:p>
+            <a:pPr marL="285750" indent="-285750">
+              <a:buFont typeface="Arial" panose="020B0604020202020204" pitchFamily="34" charset="0"/>
+              <a:buChar char="•"/>
+            </a:pPr>
+            <a:r>
+              <a:rPr lang="de-DE" dirty="0"/>
+              <a:t>Inneren Ring:</a:t>
+            </a:r>
+          </a:p>
+          <a:p>
+            <a:pPr marL="742950" lvl="1" indent="-285750">
+              <a:buFont typeface="Wingdings" panose="05000000000000000000" pitchFamily="2" charset="2"/>
+              <a:buChar char="Ø"/>
+            </a:pPr>
+            <a:r>
+              <a:rPr lang="de-DE" dirty="0"/>
+              <a:t>Controllers</a:t>
+            </a:r>
+          </a:p>
+          <a:p>
+            <a:pPr marL="742950" lvl="1" indent="-285750">
+              <a:buFont typeface="Wingdings" panose="05000000000000000000" pitchFamily="2" charset="2"/>
+              <a:buChar char="Ø"/>
+            </a:pPr>
+            <a:r>
+              <a:rPr lang="de-DE" dirty="0"/>
+              <a:t>Dispatcher</a:t>
+            </a:r>
+          </a:p>
+          <a:p>
+            <a:pPr marL="742950" lvl="1" indent="-285750">
+              <a:buFont typeface="Wingdings" panose="05000000000000000000" pitchFamily="2" charset="2"/>
+              <a:buChar char="Ø"/>
+            </a:pPr>
+            <a:r>
+              <a:rPr lang="de-DE" dirty="0" err="1"/>
+              <a:t>UseCases</a:t>
+            </a:r>
+            <a:endParaRPr lang="de-DE" dirty="0"/>
+          </a:p>
+          <a:p>
+            <a:pPr marL="742950" lvl="1" indent="-285750">
+              <a:buFont typeface="Wingdings" panose="05000000000000000000" pitchFamily="2" charset="2"/>
+              <a:buChar char="Ø"/>
+            </a:pPr>
+            <a:r>
+              <a:rPr lang="de-DE" dirty="0" err="1"/>
+              <a:t>Interactors</a:t>
+            </a:r>
+            <a:endParaRPr lang="de-DE" dirty="0"/>
+          </a:p>
+          <a:p>
+            <a:pPr marL="285750" indent="-285750">
+              <a:buFont typeface="Arial" panose="020B0604020202020204" pitchFamily="34" charset="0"/>
+              <a:buChar char="•"/>
+            </a:pPr>
+            <a:r>
+              <a:rPr lang="de-DE" dirty="0"/>
+              <a:t>Äußeren Ring:</a:t>
+            </a:r>
+          </a:p>
+          <a:p>
+            <a:pPr marL="742950" lvl="1" indent="-285750">
+              <a:buFont typeface="Wingdings" panose="05000000000000000000" pitchFamily="2" charset="2"/>
+              <a:buChar char="Ø"/>
+            </a:pPr>
+            <a:r>
+              <a:rPr lang="de-DE" dirty="0"/>
+              <a:t>Ports</a:t>
+            </a:r>
+          </a:p>
+          <a:p>
+            <a:pPr marL="742950" lvl="1" indent="-285750">
+              <a:buFont typeface="Wingdings" panose="05000000000000000000" pitchFamily="2" charset="2"/>
+              <a:buChar char="Ø"/>
+            </a:pPr>
+            <a:r>
+              <a:rPr lang="de-DE" dirty="0"/>
+              <a:t>Adapters</a:t>
+            </a:r>
+          </a:p>
+          <a:p>
+            <a:pPr marL="742950" lvl="1" indent="-285750">
+              <a:buFont typeface="Wingdings" panose="05000000000000000000" pitchFamily="2" charset="2"/>
+              <a:buChar char="Ø"/>
+            </a:pPr>
+            <a:r>
+              <a:rPr lang="de-DE" dirty="0"/>
+              <a:t>Controllers</a:t>
+            </a:r>
+          </a:p>
+        </p:txBody>
+      </p:sp>
+    </p:spTree>
+    <p:extLst>
+      <p:ext uri="{BB962C8B-B14F-4D97-AF65-F5344CB8AC3E}">
+        <p14:creationId xmlns:p14="http://schemas.microsoft.com/office/powerpoint/2010/main" val="1752522257"/>
+      </p:ext>
+    </p:extLst>
+  </p:cSld>
+  <p:clrMapOvr>
+    <a:masterClrMapping/>
+  </p:clrMapOvr>
+</p:sld>
+</file>
+
+<file path=ppt/slides/slide8.xml><?xml version="1.0" encoding="utf-8"?>
+<p:sld xmlns:a="http://schemas.openxmlformats.org/drawingml/2006/main" xmlns:r="http://schemas.openxmlformats.org/officeDocument/2006/relationships" xmlns:p="http://schemas.openxmlformats.org/presentationml/2006/main">
+  <p:cSld>
+    <p:spTree>
+      <p:nvGrpSpPr>
+        <p:cNvPr id="1" name=""/>
+        <p:cNvGrpSpPr/>
+        <p:nvPr/>
+      </p:nvGrpSpPr>
+      <p:grpSpPr>
+        <a:xfrm>
+          <a:off x="0" y="0"/>
+          <a:ext cx="0" cy="0"/>
+          <a:chOff x="0" y="0"/>
+          <a:chExt cx="0" cy="0"/>
+        </a:xfrm>
+      </p:grpSpPr>
+      <p:sp>
+        <p:nvSpPr>
+          <p:cNvPr id="2" name="Titel 1">
+            <a:extLst>
+              <a:ext uri="{FF2B5EF4-FFF2-40B4-BE49-F238E27FC236}">
                 <a16:creationId xmlns:a16="http://schemas.microsoft.com/office/drawing/2014/main" id="{8688B203-805A-A025-F3A4-0730CC260033}"/>
               </a:ext>
             </a:extLst>
@@ -3979,7 +7088,12 @@
             <p:ph type="title"/>
           </p:nvPr>
         </p:nvSpPr>
-        <p:spPr/>
+        <p:spPr>
+          <a:xfrm>
+            <a:off x="1182756" y="18255"/>
+            <a:ext cx="10515600" cy="1325563"/>
+          </a:xfrm>
+        </p:spPr>
         <p:txBody>
           <a:bodyPr/>
           <a:lstStyle/>
@@ -3991,28 +7105,165 @@
           </a:p>
         </p:txBody>
       </p:sp>
-      <p:sp>
-        <p:nvSpPr>
-          <p:cNvPr id="3" name="Inhaltsplatzhalter 2">
-            <a:extLst>
-              <a:ext uri="{FF2B5EF4-FFF2-40B4-BE49-F238E27FC236}">
-                <a16:creationId xmlns:a16="http://schemas.microsoft.com/office/drawing/2014/main" id="{396589E0-8F86-511D-F317-35FA73109FC9}"/>
-              </a:ext>
-            </a:extLst>
-          </p:cNvPr>
-          <p:cNvSpPr>
-            <a:spLocks noGrp="1"/>
-          </p:cNvSpPr>
-          <p:nvPr>
-            <p:ph idx="1"/>
-          </p:nvPr>
-        </p:nvSpPr>
-        <p:spPr/>
-        <p:txBody>
-          <a:bodyPr/>
-          <a:lstStyle/>
-          <a:p>
-            <a:endParaRPr lang="de-DE"/>
+      <p:pic>
+        <p:nvPicPr>
+          <p:cNvPr id="5" name="Grafik 4" descr="Ein Bild, das Text, Gerät, Barometer enthält.&#10;&#10;Automatisch generierte Beschreibung">
+            <a:extLst>
+              <a:ext uri="{FF2B5EF4-FFF2-40B4-BE49-F238E27FC236}">
+                <a16:creationId xmlns:a16="http://schemas.microsoft.com/office/drawing/2014/main" id="{9848EB54-F594-437F-12AB-E843C9F18D99}"/>
+              </a:ext>
+            </a:extLst>
+          </p:cNvPr>
+          <p:cNvPicPr>
+            <a:picLocks noChangeAspect="1"/>
+          </p:cNvPicPr>
+          <p:nvPr/>
+        </p:nvPicPr>
+        <p:blipFill>
+          <a:blip r:embed="rId2">
+            <a:extLst>
+              <a:ext uri="{28A0092B-C50C-407E-A947-70E740481C1C}">
+                <a14:useLocalDpi xmlns:a14="http://schemas.microsoft.com/office/drawing/2010/main" val="0"/>
+              </a:ext>
+            </a:extLst>
+          </a:blip>
+          <a:stretch>
+            <a:fillRect/>
+          </a:stretch>
+        </p:blipFill>
+        <p:spPr>
+          <a:xfrm>
+            <a:off x="1182756" y="1087472"/>
+            <a:ext cx="5725611" cy="5752273"/>
+          </a:xfrm>
+          <a:prstGeom prst="rect">
+            <a:avLst/>
+          </a:prstGeom>
+        </p:spPr>
+      </p:pic>
+      <p:sp>
+        <p:nvSpPr>
+          <p:cNvPr id="6" name="Textfeld 5">
+            <a:extLst>
+              <a:ext uri="{FF2B5EF4-FFF2-40B4-BE49-F238E27FC236}">
+                <a16:creationId xmlns:a16="http://schemas.microsoft.com/office/drawing/2014/main" id="{EFD74534-891E-7EA7-E02D-2F5B6954BD19}"/>
+              </a:ext>
+            </a:extLst>
+          </p:cNvPr>
+          <p:cNvSpPr txBox="1"/>
+          <p:nvPr/>
+        </p:nvSpPr>
+        <p:spPr>
+          <a:xfrm>
+            <a:off x="7623312" y="1343818"/>
+            <a:ext cx="1600118" cy="2862322"/>
+          </a:xfrm>
+          <a:prstGeom prst="rect">
+            <a:avLst/>
+          </a:prstGeom>
+          <a:noFill/>
+        </p:spPr>
+        <p:txBody>
+          <a:bodyPr wrap="none" rtlCol="0">
+            <a:spAutoFit/>
+          </a:bodyPr>
+          <a:lstStyle/>
+          <a:p>
+            <a:r>
+              <a:rPr lang="de-DE" dirty="0"/>
+              <a:t>Controllers:</a:t>
+            </a:r>
+          </a:p>
+          <a:p>
+            <a:pPr marL="285750" indent="-285750">
+              <a:buFont typeface="Arial" panose="020B0604020202020204" pitchFamily="34" charset="0"/>
+              <a:buChar char="•"/>
+            </a:pPr>
+            <a:r>
+              <a:rPr lang="de-DE" dirty="0" err="1"/>
+              <a:t>OCPPComm</a:t>
+            </a:r>
+            <a:endParaRPr lang="de-DE" dirty="0"/>
+          </a:p>
+          <a:p>
+            <a:pPr marL="285750" indent="-285750">
+              <a:buFont typeface="Arial" panose="020B0604020202020204" pitchFamily="34" charset="0"/>
+              <a:buChar char="•"/>
+            </a:pPr>
+            <a:r>
+              <a:rPr lang="de-DE" dirty="0"/>
+              <a:t>Logger</a:t>
+            </a:r>
+          </a:p>
+          <a:p>
+            <a:pPr marL="285750" indent="-285750">
+              <a:buFont typeface="Arial" panose="020B0604020202020204" pitchFamily="34" charset="0"/>
+              <a:buChar char="•"/>
+            </a:pPr>
+            <a:r>
+              <a:rPr lang="de-DE" dirty="0"/>
+              <a:t>Super</a:t>
+            </a:r>
+          </a:p>
+          <a:p>
+            <a:pPr marL="285750" indent="-285750">
+              <a:buFont typeface="Arial" panose="020B0604020202020204" pitchFamily="34" charset="0"/>
+              <a:buChar char="•"/>
+            </a:pPr>
+            <a:r>
+              <a:rPr lang="de-DE" dirty="0"/>
+              <a:t>UI</a:t>
+            </a:r>
+          </a:p>
+          <a:p>
+            <a:pPr marL="285750" indent="-285750">
+              <a:buFont typeface="Arial" panose="020B0604020202020204" pitchFamily="34" charset="0"/>
+              <a:buChar char="•"/>
+            </a:pPr>
+            <a:r>
+              <a:rPr lang="de-DE" dirty="0"/>
+              <a:t>Charger</a:t>
+            </a:r>
+          </a:p>
+          <a:p>
+            <a:pPr marL="285750" indent="-285750">
+              <a:buFont typeface="Arial" panose="020B0604020202020204" pitchFamily="34" charset="0"/>
+              <a:buChar char="•"/>
+            </a:pPr>
+            <a:r>
+              <a:rPr lang="de-DE" dirty="0"/>
+              <a:t>User</a:t>
+            </a:r>
+          </a:p>
+          <a:p>
+            <a:pPr marL="285750" indent="-285750">
+              <a:buFont typeface="Arial" panose="020B0604020202020204" pitchFamily="34" charset="0"/>
+              <a:buChar char="•"/>
+            </a:pPr>
+            <a:r>
+              <a:rPr lang="de-DE" dirty="0"/>
+              <a:t>Transaction</a:t>
+            </a:r>
+          </a:p>
+          <a:p>
+            <a:pPr marL="285750" indent="-285750">
+              <a:buFont typeface="Arial" panose="020B0604020202020204" pitchFamily="34" charset="0"/>
+              <a:buChar char="•"/>
+            </a:pPr>
+            <a:r>
+              <a:rPr lang="de-DE" dirty="0"/>
+              <a:t>Price</a:t>
+            </a:r>
+          </a:p>
+          <a:p>
+            <a:pPr marL="285750" indent="-285750">
+              <a:buFont typeface="Arial" panose="020B0604020202020204" pitchFamily="34" charset="0"/>
+              <a:buChar char="•"/>
+            </a:pPr>
+            <a:r>
+              <a:rPr lang="de-DE" dirty="0"/>
+              <a:t>DB</a:t>
+            </a:r>
           </a:p>
         </p:txBody>
       </p:sp>
@@ -4020,6 +7271,100 @@
     <p:extLst>
       <p:ext uri="{BB962C8B-B14F-4D97-AF65-F5344CB8AC3E}">
         <p14:creationId xmlns:p14="http://schemas.microsoft.com/office/powerpoint/2010/main" val="2059934761"/>
+      </p:ext>
+    </p:extLst>
+  </p:cSld>
+  <p:clrMapOvr>
+    <a:masterClrMapping/>
+  </p:clrMapOvr>
+</p:sld>
+</file>
+
+<file path=ppt/slides/slide9.xml><?xml version="1.0" encoding="utf-8"?>
+<p:sld xmlns:a="http://schemas.openxmlformats.org/drawingml/2006/main" xmlns:r="http://schemas.openxmlformats.org/officeDocument/2006/relationships" xmlns:p="http://schemas.openxmlformats.org/presentationml/2006/main">
+  <p:cSld>
+    <p:spTree>
+      <p:nvGrpSpPr>
+        <p:cNvPr id="1" name=""/>
+        <p:cNvGrpSpPr/>
+        <p:nvPr/>
+      </p:nvGrpSpPr>
+      <p:grpSpPr>
+        <a:xfrm>
+          <a:off x="0" y="0"/>
+          <a:ext cx="0" cy="0"/>
+          <a:chOff x="0" y="0"/>
+          <a:chExt cx="0" cy="0"/>
+        </a:xfrm>
+      </p:grpSpPr>
+      <p:sp>
+        <p:nvSpPr>
+          <p:cNvPr id="2" name="Titel 1">
+            <a:extLst>
+              <a:ext uri="{FF2B5EF4-FFF2-40B4-BE49-F238E27FC236}">
+                <a16:creationId xmlns:a16="http://schemas.microsoft.com/office/drawing/2014/main" id="{5BB69036-77D6-530B-E836-EB351419F423}"/>
+              </a:ext>
+            </a:extLst>
+          </p:cNvPr>
+          <p:cNvSpPr>
+            <a:spLocks noGrp="1"/>
+          </p:cNvSpPr>
+          <p:nvPr>
+            <p:ph type="title"/>
+          </p:nvPr>
+        </p:nvSpPr>
+        <p:spPr/>
+        <p:txBody>
+          <a:bodyPr/>
+          <a:lstStyle/>
+          <a:p>
+            <a:r>
+              <a:rPr lang="de-DE" dirty="0"/>
+              <a:t>Gleiche Lösung</a:t>
+            </a:r>
+          </a:p>
+        </p:txBody>
+      </p:sp>
+      <p:pic>
+        <p:nvPicPr>
+          <p:cNvPr id="5" name="Grafik 4" descr="Ein Bild, das Text, Gerät enthält.&#10;&#10;Automatisch generierte Beschreibung">
+            <a:extLst>
+              <a:ext uri="{FF2B5EF4-FFF2-40B4-BE49-F238E27FC236}">
+                <a16:creationId xmlns:a16="http://schemas.microsoft.com/office/drawing/2014/main" id="{D3D0FCB3-2978-ADA3-1536-18C1DC6E7619}"/>
+              </a:ext>
+            </a:extLst>
+          </p:cNvPr>
+          <p:cNvPicPr>
+            <a:picLocks noChangeAspect="1"/>
+          </p:cNvPicPr>
+          <p:nvPr/>
+        </p:nvPicPr>
+        <p:blipFill>
+          <a:blip r:embed="rId3">
+            <a:extLst>
+              <a:ext uri="{28A0092B-C50C-407E-A947-70E740481C1C}">
+                <a14:useLocalDpi xmlns:a14="http://schemas.microsoft.com/office/drawing/2010/main" val="0"/>
+              </a:ext>
+            </a:extLst>
+          </a:blip>
+          <a:stretch>
+            <a:fillRect/>
+          </a:stretch>
+        </p:blipFill>
+        <p:spPr>
+          <a:xfrm>
+            <a:off x="5352545" y="293204"/>
+            <a:ext cx="6249789" cy="6271591"/>
+          </a:xfrm>
+          <a:prstGeom prst="rect">
+            <a:avLst/>
+          </a:prstGeom>
+        </p:spPr>
+      </p:pic>
+    </p:spTree>
+    <p:extLst>
+      <p:ext uri="{BB962C8B-B14F-4D97-AF65-F5344CB8AC3E}">
+        <p14:creationId xmlns:p14="http://schemas.microsoft.com/office/powerpoint/2010/main" val="3619845220"/>
       </p:ext>
     </p:extLst>
   </p:cSld>
@@ -4322,4 +7667,299 @@
     </a:ext>
   </a:extLst>
 </a:theme>
+</file>
+
+<file path=ppt/theme/theme2.xml><?xml version="1.0" encoding="utf-8"?>
+<a:theme xmlns:a="http://schemas.openxmlformats.org/drawingml/2006/main" name="Office">
+  <a:themeElements>
+    <a:clrScheme name="Office">
+      <a:dk1>
+        <a:sysClr val="windowText" lastClr="000000"/>
+      </a:dk1>
+      <a:lt1>
+        <a:sysClr val="window" lastClr="FFFFFF"/>
+      </a:lt1>
+      <a:dk2>
+        <a:srgbClr val="44546A"/>
+      </a:dk2>
+      <a:lt2>
+        <a:srgbClr val="E7E6E6"/>
+      </a:lt2>
+      <a:accent1>
+        <a:srgbClr val="4472C4"/>
+      </a:accent1>
+      <a:accent2>
+        <a:srgbClr val="ED7D31"/>
+      </a:accent2>
+      <a:accent3>
+        <a:srgbClr val="A5A5A5"/>
+      </a:accent3>
+      <a:accent4>
+        <a:srgbClr val="FFC000"/>
+      </a:accent4>
+      <a:accent5>
+        <a:srgbClr val="5B9BD5"/>
+      </a:accent5>
+      <a:accent6>
+        <a:srgbClr val="70AD47"/>
+      </a:accent6>
+      <a:hlink>
+        <a:srgbClr val="0563C1"/>
+      </a:hlink>
+      <a:folHlink>
+        <a:srgbClr val="954F72"/>
+      </a:folHlink>
+    </a:clrScheme>
+    <a:fontScheme name="Office">
+      <a:majorFont>
+        <a:latin typeface="Calibri Light" panose="020F0302020204030204"/>
+        <a:ea typeface=""/>
+        <a:cs typeface=""/>
+        <a:font script="Jpan" typeface="游ゴシック Light"/>
+        <a:font script="Hang" typeface="맑은 고딕"/>
+        <a:font script="Hans" typeface="等线 Light"/>
+        <a:font script="Hant" typeface="新細明體"/>
+        <a:font script="Arab" typeface="Times New Roman"/>
+        <a:font script="Hebr" typeface="Times New Roman"/>
+        <a:font script="Thai" typeface="Angsana New"/>
+        <a:font script="Ethi" typeface="Nyala"/>
+        <a:font script="Beng" typeface="Vrinda"/>
+        <a:font script="Gujr" typeface="Shruti"/>
+        <a:font script="Khmr" typeface="MoolBoran"/>
+        <a:font script="Knda" typeface="Tunga"/>
+        <a:font script="Guru" typeface="Raavi"/>
+        <a:font script="Cans" typeface="Euphemia"/>
+        <a:font script="Cher" typeface="Plantagenet Cherokee"/>
+        <a:font script="Yiii" typeface="Microsoft Yi Baiti"/>
+        <a:font script="Tibt" typeface="Microsoft Himalaya"/>
+        <a:font script="Thaa" typeface="MV Boli"/>
+        <a:font script="Deva" typeface="Mangal"/>
+        <a:font script="Telu" typeface="Gautami"/>
+        <a:font script="Taml" typeface="Latha"/>
+        <a:font script="Syrc" typeface="Estrangelo Edessa"/>
+        <a:font script="Orya" typeface="Kalinga"/>
+        <a:font script="Mlym" typeface="Kartika"/>
+        <a:font script="Laoo" typeface="DokChampa"/>
+        <a:font script="Sinh" typeface="Iskoola Pota"/>
+        <a:font script="Mong" typeface="Mongolian Baiti"/>
+        <a:font script="Viet" typeface="Times New Roman"/>
+        <a:font script="Uigh" typeface="Microsoft Uighur"/>
+        <a:font script="Geor" typeface="Sylfaen"/>
+        <a:font script="Armn" typeface="Arial"/>
+        <a:font script="Bugi" typeface="Leelawadee UI"/>
+        <a:font script="Bopo" typeface="Microsoft JhengHei"/>
+        <a:font script="Java" typeface="Javanese Text"/>
+        <a:font script="Lisu" typeface="Segoe UI"/>
+        <a:font script="Mymr" typeface="Myanmar Text"/>
+        <a:font script="Nkoo" typeface="Ebrima"/>
+        <a:font script="Olck" typeface="Nirmala UI"/>
+        <a:font script="Osma" typeface="Ebrima"/>
+        <a:font script="Phag" typeface="Phagspa"/>
+        <a:font script="Syrn" typeface="Estrangelo Edessa"/>
+        <a:font script="Syrj" typeface="Estrangelo Edessa"/>
+        <a:font script="Syre" typeface="Estrangelo Edessa"/>
+        <a:font script="Sora" typeface="Nirmala UI"/>
+        <a:font script="Tale" typeface="Microsoft Tai Le"/>
+        <a:font script="Talu" typeface="Microsoft New Tai Lue"/>
+        <a:font script="Tfng" typeface="Ebrima"/>
+      </a:majorFont>
+      <a:minorFont>
+        <a:latin typeface="Calibri" panose="020F0502020204030204"/>
+        <a:ea typeface=""/>
+        <a:cs typeface=""/>
+        <a:font script="Jpan" typeface="游ゴシック"/>
+        <a:font script="Hang" typeface="맑은 고딕"/>
+        <a:font script="Hans" typeface="等线"/>
+        <a:font script="Hant" typeface="新細明體"/>
+        <a:font script="Arab" typeface="Arial"/>
+        <a:font script="Hebr" typeface="Arial"/>
+        <a:font script="Thai" typeface="Cordia New"/>
+        <a:font script="Ethi" typeface="Nyala"/>
+        <a:font script="Beng" typeface="Vrinda"/>
+        <a:font script="Gujr" typeface="Shruti"/>
+        <a:font script="Khmr" typeface="DaunPenh"/>
+        <a:font script="Knda" typeface="Tunga"/>
+        <a:font script="Guru" typeface="Raavi"/>
+        <a:font script="Cans" typeface="Euphemia"/>
+        <a:font script="Cher" typeface="Plantagenet Cherokee"/>
+        <a:font script="Yiii" typeface="Microsoft Yi Baiti"/>
+        <a:font script="Tibt" typeface="Microsoft Himalaya"/>
+        <a:font script="Thaa" typeface="MV Boli"/>
+        <a:font script="Deva" typeface="Mangal"/>
+        <a:font script="Telu" typeface="Gautami"/>
+        <a:font script="Taml" typeface="Latha"/>
+        <a:font script="Syrc" typeface="Estrangelo Edessa"/>
+        <a:font script="Orya" typeface="Kalinga"/>
+        <a:font script="Mlym" typeface="Kartika"/>
+        <a:font script="Laoo" typeface="DokChampa"/>
+        <a:font script="Sinh" typeface="Iskoola Pota"/>
+        <a:font script="Mong" typeface="Mongolian Baiti"/>
+        <a:font script="Viet" typeface="Arial"/>
+        <a:font script="Uigh" typeface="Microsoft Uighur"/>
+        <a:font script="Geor" typeface="Sylfaen"/>
+        <a:font script="Armn" typeface="Arial"/>
+        <a:font script="Bugi" typeface="Leelawadee UI"/>
+        <a:font script="Bopo" typeface="Microsoft JhengHei"/>
+        <a:font script="Java" typeface="Javanese Text"/>
+        <a:font script="Lisu" typeface="Segoe UI"/>
+        <a:font script="Mymr" typeface="Myanmar Text"/>
+        <a:font script="Nkoo" typeface="Ebrima"/>
+        <a:font script="Olck" typeface="Nirmala UI"/>
+        <a:font script="Osma" typeface="Ebrima"/>
+        <a:font script="Phag" typeface="Phagspa"/>
+        <a:font script="Syrn" typeface="Estrangelo Edessa"/>
+        <a:font script="Syrj" typeface="Estrangelo Edessa"/>
+        <a:font script="Syre" typeface="Estrangelo Edessa"/>
+        <a:font script="Sora" typeface="Nirmala UI"/>
+        <a:font script="Tale" typeface="Microsoft Tai Le"/>
+        <a:font script="Talu" typeface="Microsoft New Tai Lue"/>
+        <a:font script="Tfng" typeface="Ebrima"/>
+      </a:minorFont>
+    </a:fontScheme>
+    <a:fmtScheme name="Office">
+      <a:fillStyleLst>
+        <a:solidFill>
+          <a:schemeClr val="phClr"/>
+        </a:solidFill>
+        <a:gradFill rotWithShape="1">
+          <a:gsLst>
+            <a:gs pos="0">
+              <a:schemeClr val="phClr">
+                <a:lumMod val="110000"/>
+                <a:satMod val="105000"/>
+                <a:tint val="67000"/>
+              </a:schemeClr>
+            </a:gs>
+            <a:gs pos="50000">
+              <a:schemeClr val="phClr">
+                <a:lumMod val="105000"/>
+                <a:satMod val="103000"/>
+                <a:tint val="73000"/>
+              </a:schemeClr>
+            </a:gs>
+            <a:gs pos="100000">
+              <a:schemeClr val="phClr">
+                <a:lumMod val="105000"/>
+                <a:satMod val="109000"/>
+                <a:tint val="81000"/>
+              </a:schemeClr>
+            </a:gs>
+          </a:gsLst>
+          <a:lin ang="5400000" scaled="0"/>
+        </a:gradFill>
+        <a:gradFill rotWithShape="1">
+          <a:gsLst>
+            <a:gs pos="0">
+              <a:schemeClr val="phClr">
+                <a:satMod val="103000"/>
+                <a:lumMod val="102000"/>
+                <a:tint val="94000"/>
+              </a:schemeClr>
+            </a:gs>
+            <a:gs pos="50000">
+              <a:schemeClr val="phClr">
+                <a:satMod val="110000"/>
+                <a:lumMod val="100000"/>
+                <a:shade val="100000"/>
+              </a:schemeClr>
+            </a:gs>
+            <a:gs pos="100000">
+              <a:schemeClr val="phClr">
+                <a:lumMod val="99000"/>
+                <a:satMod val="120000"/>
+                <a:shade val="78000"/>
+              </a:schemeClr>
+            </a:gs>
+          </a:gsLst>
+          <a:lin ang="5400000" scaled="0"/>
+        </a:gradFill>
+      </a:fillStyleLst>
+      <a:lnStyleLst>
+        <a:ln w="6350" cap="flat" cmpd="sng" algn="ctr">
+          <a:solidFill>
+            <a:schemeClr val="phClr"/>
+          </a:solidFill>
+          <a:prstDash val="solid"/>
+          <a:miter lim="800000"/>
+        </a:ln>
+        <a:ln w="12700" cap="flat" cmpd="sng" algn="ctr">
+          <a:solidFill>
+            <a:schemeClr val="phClr"/>
+          </a:solidFill>
+          <a:prstDash val="solid"/>
+          <a:miter lim="800000"/>
+        </a:ln>
+        <a:ln w="19050" cap="flat" cmpd="sng" algn="ctr">
+          <a:solidFill>
+            <a:schemeClr val="phClr"/>
+          </a:solidFill>
+          <a:prstDash val="solid"/>
+          <a:miter lim="800000"/>
+        </a:ln>
+      </a:lnStyleLst>
+      <a:effectStyleLst>
+        <a:effectStyle>
+          <a:effectLst/>
+        </a:effectStyle>
+        <a:effectStyle>
+          <a:effectLst/>
+        </a:effectStyle>
+        <a:effectStyle>
+          <a:effectLst>
+            <a:outerShdw blurRad="57150" dist="19050" dir="5400000" algn="ctr" rotWithShape="0">
+              <a:srgbClr val="000000">
+                <a:alpha val="63000"/>
+              </a:srgbClr>
+            </a:outerShdw>
+          </a:effectLst>
+        </a:effectStyle>
+      </a:effectStyleLst>
+      <a:bgFillStyleLst>
+        <a:solidFill>
+          <a:schemeClr val="phClr"/>
+        </a:solidFill>
+        <a:solidFill>
+          <a:schemeClr val="phClr">
+            <a:tint val="95000"/>
+            <a:satMod val="170000"/>
+          </a:schemeClr>
+        </a:solidFill>
+        <a:gradFill rotWithShape="1">
+          <a:gsLst>
+            <a:gs pos="0">
+              <a:schemeClr val="phClr">
+                <a:tint val="93000"/>
+                <a:satMod val="150000"/>
+                <a:shade val="98000"/>
+                <a:lumMod val="102000"/>
+              </a:schemeClr>
+            </a:gs>
+            <a:gs pos="50000">
+              <a:schemeClr val="phClr">
+                <a:tint val="98000"/>
+                <a:satMod val="130000"/>
+                <a:shade val="90000"/>
+                <a:lumMod val="103000"/>
+              </a:schemeClr>
+            </a:gs>
+            <a:gs pos="100000">
+              <a:schemeClr val="phClr">
+                <a:shade val="63000"/>
+                <a:satMod val="120000"/>
+              </a:schemeClr>
+            </a:gs>
+          </a:gsLst>
+          <a:lin ang="5400000" scaled="0"/>
+        </a:gradFill>
+      </a:bgFillStyleLst>
+    </a:fmtScheme>
+  </a:themeElements>
+  <a:objectDefaults/>
+  <a:extraClrSchemeLst/>
+  <a:extLst>
+    <a:ext uri="{05A4C25C-085E-4340-85A3-A5531E510DB2}">
+      <thm15:themeFamily xmlns:thm15="http://schemas.microsoft.com/office/thememl/2012/main" name="Office Theme" id="{62F939B6-93AF-4DB8-9C6B-D6C7DFDC589F}" vid="{4A3C46E8-61CC-4603-A589-7422A47A8E4A}"/>
+    </a:ext>
+  </a:extLst>
+</a:theme>
 </file>
--- a/präsentation.pptx
+++ b/präsentation.pptx
@@ -5,23 +5,31 @@
     <p:sldMasterId id="2147483648" r:id="rId1"/>
   </p:sldMasterIdLst>
   <p:notesMasterIdLst>
-    <p:notesMasterId r:id="rId16"/>
+    <p:notesMasterId r:id="rId24"/>
   </p:notesMasterIdLst>
   <p:sldIdLst>
     <p:sldId id="256" r:id="rId2"/>
     <p:sldId id="257" r:id="rId3"/>
-    <p:sldId id="258" r:id="rId4"/>
-    <p:sldId id="259" r:id="rId5"/>
-    <p:sldId id="262" r:id="rId6"/>
-    <p:sldId id="264" r:id="rId7"/>
-    <p:sldId id="260" r:id="rId8"/>
-    <p:sldId id="261" r:id="rId9"/>
-    <p:sldId id="265" r:id="rId10"/>
-    <p:sldId id="266" r:id="rId11"/>
-    <p:sldId id="267" r:id="rId12"/>
-    <p:sldId id="268" r:id="rId13"/>
-    <p:sldId id="269" r:id="rId14"/>
-    <p:sldId id="270" r:id="rId15"/>
+    <p:sldId id="271" r:id="rId4"/>
+    <p:sldId id="258" r:id="rId5"/>
+    <p:sldId id="259" r:id="rId6"/>
+    <p:sldId id="262" r:id="rId7"/>
+    <p:sldId id="264" r:id="rId8"/>
+    <p:sldId id="273" r:id="rId9"/>
+    <p:sldId id="260" r:id="rId10"/>
+    <p:sldId id="274" r:id="rId11"/>
+    <p:sldId id="275" r:id="rId12"/>
+    <p:sldId id="277" r:id="rId13"/>
+    <p:sldId id="278" r:id="rId14"/>
+    <p:sldId id="261" r:id="rId15"/>
+    <p:sldId id="265" r:id="rId16"/>
+    <p:sldId id="266" r:id="rId17"/>
+    <p:sldId id="267" r:id="rId18"/>
+    <p:sldId id="268" r:id="rId19"/>
+    <p:sldId id="269" r:id="rId20"/>
+    <p:sldId id="270" r:id="rId21"/>
+    <p:sldId id="279" r:id="rId22"/>
+    <p:sldId id="272" r:id="rId23"/>
   </p:sldIdLst>
   <p:sldSz cx="12192000" cy="6858000"/>
   <p:notesSz cx="6858000" cy="9144000"/>
@@ -210,7 +218,7 @@
           <a:p>
             <a:fld id="{2A75DE6F-D468-475D-BAB6-E98A1C07F7D4}" type="datetimeFigureOut">
               <a:rPr lang="de-DE" smtClean="0"/>
-              <a:t>26.09.2022</a:t>
+              <a:t>10.10.2022</a:t>
             </a:fld>
             <a:endParaRPr lang="de-DE"/>
           </a:p>
@@ -561,6 +569,594 @@
 </p:notes>
 </file>
 
+<file path=ppt/notesSlides/notesSlide10.xml><?xml version="1.0" encoding="utf-8"?>
+<p:notes xmlns:a="http://schemas.openxmlformats.org/drawingml/2006/main" xmlns:r="http://schemas.openxmlformats.org/officeDocument/2006/relationships" xmlns:p="http://schemas.openxmlformats.org/presentationml/2006/main">
+  <p:cSld>
+    <p:spTree>
+      <p:nvGrpSpPr>
+        <p:cNvPr id="1" name=""/>
+        <p:cNvGrpSpPr/>
+        <p:nvPr/>
+      </p:nvGrpSpPr>
+      <p:grpSpPr>
+        <a:xfrm>
+          <a:off x="0" y="0"/>
+          <a:ext cx="0" cy="0"/>
+          <a:chOff x="0" y="0"/>
+          <a:chExt cx="0" cy="0"/>
+        </a:xfrm>
+      </p:grpSpPr>
+      <p:sp>
+        <p:nvSpPr>
+          <p:cNvPr id="2" name="Folienbildplatzhalter 1"/>
+          <p:cNvSpPr>
+            <a:spLocks noGrp="1" noRot="1" noChangeAspect="1"/>
+          </p:cNvSpPr>
+          <p:nvPr>
+            <p:ph type="sldImg"/>
+          </p:nvPr>
+        </p:nvSpPr>
+        <p:spPr/>
+      </p:sp>
+      <p:sp>
+        <p:nvSpPr>
+          <p:cNvPr id="3" name="Notizenplatzhalter 2"/>
+          <p:cNvSpPr>
+            <a:spLocks noGrp="1"/>
+          </p:cNvSpPr>
+          <p:nvPr>
+            <p:ph type="body" idx="1"/>
+          </p:nvPr>
+        </p:nvSpPr>
+        <p:spPr/>
+        <p:txBody>
+          <a:bodyPr/>
+          <a:lstStyle/>
+          <a:p>
+            <a:endParaRPr lang="de-DE" dirty="0"/>
+          </a:p>
+        </p:txBody>
+      </p:sp>
+      <p:sp>
+        <p:nvSpPr>
+          <p:cNvPr id="4" name="Foliennummernplatzhalter 3"/>
+          <p:cNvSpPr>
+            <a:spLocks noGrp="1"/>
+          </p:cNvSpPr>
+          <p:nvPr>
+            <p:ph type="sldNum" sz="quarter" idx="5"/>
+          </p:nvPr>
+        </p:nvSpPr>
+        <p:spPr/>
+        <p:txBody>
+          <a:bodyPr/>
+          <a:lstStyle/>
+          <a:p>
+            <a:fld id="{A9052FC1-7588-485B-8F09-A1505B470EAD}" type="slidenum">
+              <a:rPr lang="de-DE" smtClean="0"/>
+              <a:t>13</a:t>
+            </a:fld>
+            <a:endParaRPr lang="de-DE"/>
+          </a:p>
+        </p:txBody>
+      </p:sp>
+    </p:spTree>
+    <p:extLst>
+      <p:ext uri="{BB962C8B-B14F-4D97-AF65-F5344CB8AC3E}">
+        <p14:creationId xmlns:p14="http://schemas.microsoft.com/office/powerpoint/2010/main" val="242455844"/>
+      </p:ext>
+    </p:extLst>
+  </p:cSld>
+  <p:clrMapOvr>
+    <a:masterClrMapping/>
+  </p:clrMapOvr>
+</p:notes>
+</file>
+
+<file path=ppt/notesSlides/notesSlide11.xml><?xml version="1.0" encoding="utf-8"?>
+<p:notes xmlns:a="http://schemas.openxmlformats.org/drawingml/2006/main" xmlns:r="http://schemas.openxmlformats.org/officeDocument/2006/relationships" xmlns:p="http://schemas.openxmlformats.org/presentationml/2006/main">
+  <p:cSld>
+    <p:spTree>
+      <p:nvGrpSpPr>
+        <p:cNvPr id="1" name=""/>
+        <p:cNvGrpSpPr/>
+        <p:nvPr/>
+      </p:nvGrpSpPr>
+      <p:grpSpPr>
+        <a:xfrm>
+          <a:off x="0" y="0"/>
+          <a:ext cx="0" cy="0"/>
+          <a:chOff x="0" y="0"/>
+          <a:chExt cx="0" cy="0"/>
+        </a:xfrm>
+      </p:grpSpPr>
+      <p:sp>
+        <p:nvSpPr>
+          <p:cNvPr id="2" name="Folienbildplatzhalter 1"/>
+          <p:cNvSpPr>
+            <a:spLocks noGrp="1" noRot="1" noChangeAspect="1"/>
+          </p:cNvSpPr>
+          <p:nvPr>
+            <p:ph type="sldImg"/>
+          </p:nvPr>
+        </p:nvSpPr>
+        <p:spPr/>
+      </p:sp>
+      <p:sp>
+        <p:nvSpPr>
+          <p:cNvPr id="3" name="Notizenplatzhalter 2"/>
+          <p:cNvSpPr>
+            <a:spLocks noGrp="1"/>
+          </p:cNvSpPr>
+          <p:nvPr>
+            <p:ph type="body" idx="1"/>
+          </p:nvPr>
+        </p:nvSpPr>
+        <p:spPr/>
+        <p:txBody>
+          <a:bodyPr/>
+          <a:lstStyle/>
+          <a:p>
+            <a:endParaRPr lang="de-DE" dirty="0"/>
+          </a:p>
+        </p:txBody>
+      </p:sp>
+      <p:sp>
+        <p:nvSpPr>
+          <p:cNvPr id="4" name="Foliennummernplatzhalter 3"/>
+          <p:cNvSpPr>
+            <a:spLocks noGrp="1"/>
+          </p:cNvSpPr>
+          <p:nvPr>
+            <p:ph type="sldNum" sz="quarter" idx="5"/>
+          </p:nvPr>
+        </p:nvSpPr>
+        <p:spPr/>
+        <p:txBody>
+          <a:bodyPr/>
+          <a:lstStyle/>
+          <a:p>
+            <a:fld id="{A9052FC1-7588-485B-8F09-A1505B470EAD}" type="slidenum">
+              <a:rPr lang="de-DE" smtClean="0"/>
+              <a:t>15</a:t>
+            </a:fld>
+            <a:endParaRPr lang="de-DE"/>
+          </a:p>
+        </p:txBody>
+      </p:sp>
+    </p:spTree>
+    <p:extLst>
+      <p:ext uri="{BB962C8B-B14F-4D97-AF65-F5344CB8AC3E}">
+        <p14:creationId xmlns:p14="http://schemas.microsoft.com/office/powerpoint/2010/main" val="3775015821"/>
+      </p:ext>
+    </p:extLst>
+  </p:cSld>
+  <p:clrMapOvr>
+    <a:masterClrMapping/>
+  </p:clrMapOvr>
+</p:notes>
+</file>
+
+<file path=ppt/notesSlides/notesSlide12.xml><?xml version="1.0" encoding="utf-8"?>
+<p:notes xmlns:a="http://schemas.openxmlformats.org/drawingml/2006/main" xmlns:r="http://schemas.openxmlformats.org/officeDocument/2006/relationships" xmlns:p="http://schemas.openxmlformats.org/presentationml/2006/main">
+  <p:cSld>
+    <p:spTree>
+      <p:nvGrpSpPr>
+        <p:cNvPr id="1" name=""/>
+        <p:cNvGrpSpPr/>
+        <p:nvPr/>
+      </p:nvGrpSpPr>
+      <p:grpSpPr>
+        <a:xfrm>
+          <a:off x="0" y="0"/>
+          <a:ext cx="0" cy="0"/>
+          <a:chOff x="0" y="0"/>
+          <a:chExt cx="0" cy="0"/>
+        </a:xfrm>
+      </p:grpSpPr>
+      <p:sp>
+        <p:nvSpPr>
+          <p:cNvPr id="2" name="Folienbildplatzhalter 1"/>
+          <p:cNvSpPr>
+            <a:spLocks noGrp="1" noRot="1" noChangeAspect="1"/>
+          </p:cNvSpPr>
+          <p:nvPr>
+            <p:ph type="sldImg"/>
+          </p:nvPr>
+        </p:nvSpPr>
+        <p:spPr/>
+      </p:sp>
+      <p:sp>
+        <p:nvSpPr>
+          <p:cNvPr id="3" name="Notizenplatzhalter 2"/>
+          <p:cNvSpPr>
+            <a:spLocks noGrp="1"/>
+          </p:cNvSpPr>
+          <p:nvPr>
+            <p:ph type="body" idx="1"/>
+          </p:nvPr>
+        </p:nvSpPr>
+        <p:spPr/>
+        <p:txBody>
+          <a:bodyPr/>
+          <a:lstStyle/>
+          <a:p>
+            <a:endParaRPr lang="de-DE" dirty="0"/>
+          </a:p>
+        </p:txBody>
+      </p:sp>
+      <p:sp>
+        <p:nvSpPr>
+          <p:cNvPr id="4" name="Foliennummernplatzhalter 3"/>
+          <p:cNvSpPr>
+            <a:spLocks noGrp="1"/>
+          </p:cNvSpPr>
+          <p:nvPr>
+            <p:ph type="sldNum" sz="quarter" idx="5"/>
+          </p:nvPr>
+        </p:nvSpPr>
+        <p:spPr/>
+        <p:txBody>
+          <a:bodyPr/>
+          <a:lstStyle/>
+          <a:p>
+            <a:fld id="{A9052FC1-7588-485B-8F09-A1505B470EAD}" type="slidenum">
+              <a:rPr lang="de-DE" smtClean="0"/>
+              <a:t>17</a:t>
+            </a:fld>
+            <a:endParaRPr lang="de-DE"/>
+          </a:p>
+        </p:txBody>
+      </p:sp>
+    </p:spTree>
+    <p:extLst>
+      <p:ext uri="{BB962C8B-B14F-4D97-AF65-F5344CB8AC3E}">
+        <p14:creationId xmlns:p14="http://schemas.microsoft.com/office/powerpoint/2010/main" val="3655738173"/>
+      </p:ext>
+    </p:extLst>
+  </p:cSld>
+  <p:clrMapOvr>
+    <a:masterClrMapping/>
+  </p:clrMapOvr>
+</p:notes>
+</file>
+
+<file path=ppt/notesSlides/notesSlide13.xml><?xml version="1.0" encoding="utf-8"?>
+<p:notes xmlns:a="http://schemas.openxmlformats.org/drawingml/2006/main" xmlns:r="http://schemas.openxmlformats.org/officeDocument/2006/relationships" xmlns:p="http://schemas.openxmlformats.org/presentationml/2006/main">
+  <p:cSld>
+    <p:spTree>
+      <p:nvGrpSpPr>
+        <p:cNvPr id="1" name=""/>
+        <p:cNvGrpSpPr/>
+        <p:nvPr/>
+      </p:nvGrpSpPr>
+      <p:grpSpPr>
+        <a:xfrm>
+          <a:off x="0" y="0"/>
+          <a:ext cx="0" cy="0"/>
+          <a:chOff x="0" y="0"/>
+          <a:chExt cx="0" cy="0"/>
+        </a:xfrm>
+      </p:grpSpPr>
+      <p:sp>
+        <p:nvSpPr>
+          <p:cNvPr id="2" name="Folienbildplatzhalter 1"/>
+          <p:cNvSpPr>
+            <a:spLocks noGrp="1" noRot="1" noChangeAspect="1"/>
+          </p:cNvSpPr>
+          <p:nvPr>
+            <p:ph type="sldImg"/>
+          </p:nvPr>
+        </p:nvSpPr>
+        <p:spPr/>
+      </p:sp>
+      <p:sp>
+        <p:nvSpPr>
+          <p:cNvPr id="3" name="Notizenplatzhalter 2"/>
+          <p:cNvSpPr>
+            <a:spLocks noGrp="1"/>
+          </p:cNvSpPr>
+          <p:nvPr>
+            <p:ph type="body" idx="1"/>
+          </p:nvPr>
+        </p:nvSpPr>
+        <p:spPr/>
+        <p:txBody>
+          <a:bodyPr/>
+          <a:lstStyle/>
+          <a:p>
+            <a:endParaRPr lang="de-DE" dirty="0"/>
+          </a:p>
+        </p:txBody>
+      </p:sp>
+      <p:sp>
+        <p:nvSpPr>
+          <p:cNvPr id="4" name="Foliennummernplatzhalter 3"/>
+          <p:cNvSpPr>
+            <a:spLocks noGrp="1"/>
+          </p:cNvSpPr>
+          <p:nvPr>
+            <p:ph type="sldNum" sz="quarter" idx="5"/>
+          </p:nvPr>
+        </p:nvSpPr>
+        <p:spPr/>
+        <p:txBody>
+          <a:bodyPr/>
+          <a:lstStyle/>
+          <a:p>
+            <a:fld id="{A9052FC1-7588-485B-8F09-A1505B470EAD}" type="slidenum">
+              <a:rPr lang="de-DE" smtClean="0"/>
+              <a:t>18</a:t>
+            </a:fld>
+            <a:endParaRPr lang="de-DE"/>
+          </a:p>
+        </p:txBody>
+      </p:sp>
+    </p:spTree>
+    <p:extLst>
+      <p:ext uri="{BB962C8B-B14F-4D97-AF65-F5344CB8AC3E}">
+        <p14:creationId xmlns:p14="http://schemas.microsoft.com/office/powerpoint/2010/main" val="3529340511"/>
+      </p:ext>
+    </p:extLst>
+  </p:cSld>
+  <p:clrMapOvr>
+    <a:masterClrMapping/>
+  </p:clrMapOvr>
+</p:notes>
+</file>
+
+<file path=ppt/notesSlides/notesSlide14.xml><?xml version="1.0" encoding="utf-8"?>
+<p:notes xmlns:a="http://schemas.openxmlformats.org/drawingml/2006/main" xmlns:r="http://schemas.openxmlformats.org/officeDocument/2006/relationships" xmlns:p="http://schemas.openxmlformats.org/presentationml/2006/main">
+  <p:cSld>
+    <p:spTree>
+      <p:nvGrpSpPr>
+        <p:cNvPr id="1" name=""/>
+        <p:cNvGrpSpPr/>
+        <p:nvPr/>
+      </p:nvGrpSpPr>
+      <p:grpSpPr>
+        <a:xfrm>
+          <a:off x="0" y="0"/>
+          <a:ext cx="0" cy="0"/>
+          <a:chOff x="0" y="0"/>
+          <a:chExt cx="0" cy="0"/>
+        </a:xfrm>
+      </p:grpSpPr>
+      <p:sp>
+        <p:nvSpPr>
+          <p:cNvPr id="2" name="Folienbildplatzhalter 1"/>
+          <p:cNvSpPr>
+            <a:spLocks noGrp="1" noRot="1" noChangeAspect="1"/>
+          </p:cNvSpPr>
+          <p:nvPr>
+            <p:ph type="sldImg"/>
+          </p:nvPr>
+        </p:nvSpPr>
+        <p:spPr/>
+      </p:sp>
+      <p:sp>
+        <p:nvSpPr>
+          <p:cNvPr id="3" name="Notizenplatzhalter 2"/>
+          <p:cNvSpPr>
+            <a:spLocks noGrp="1"/>
+          </p:cNvSpPr>
+          <p:nvPr>
+            <p:ph type="body" idx="1"/>
+          </p:nvPr>
+        </p:nvSpPr>
+        <p:spPr/>
+        <p:txBody>
+          <a:bodyPr/>
+          <a:lstStyle/>
+          <a:p>
+            <a:endParaRPr lang="de-DE" dirty="0"/>
+          </a:p>
+        </p:txBody>
+      </p:sp>
+      <p:sp>
+        <p:nvSpPr>
+          <p:cNvPr id="4" name="Foliennummernplatzhalter 3"/>
+          <p:cNvSpPr>
+            <a:spLocks noGrp="1"/>
+          </p:cNvSpPr>
+          <p:nvPr>
+            <p:ph type="sldNum" sz="quarter" idx="5"/>
+          </p:nvPr>
+        </p:nvSpPr>
+        <p:spPr/>
+        <p:txBody>
+          <a:bodyPr/>
+          <a:lstStyle/>
+          <a:p>
+            <a:fld id="{A9052FC1-7588-485B-8F09-A1505B470EAD}" type="slidenum">
+              <a:rPr lang="de-DE" smtClean="0"/>
+              <a:t>20</a:t>
+            </a:fld>
+            <a:endParaRPr lang="de-DE"/>
+          </a:p>
+        </p:txBody>
+      </p:sp>
+    </p:spTree>
+    <p:extLst>
+      <p:ext uri="{BB962C8B-B14F-4D97-AF65-F5344CB8AC3E}">
+        <p14:creationId xmlns:p14="http://schemas.microsoft.com/office/powerpoint/2010/main" val="3598910326"/>
+      </p:ext>
+    </p:extLst>
+  </p:cSld>
+  <p:clrMapOvr>
+    <a:masterClrMapping/>
+  </p:clrMapOvr>
+</p:notes>
+</file>
+
+<file path=ppt/notesSlides/notesSlide15.xml><?xml version="1.0" encoding="utf-8"?>
+<p:notes xmlns:a="http://schemas.openxmlformats.org/drawingml/2006/main" xmlns:r="http://schemas.openxmlformats.org/officeDocument/2006/relationships" xmlns:p="http://schemas.openxmlformats.org/presentationml/2006/main">
+  <p:cSld>
+    <p:spTree>
+      <p:nvGrpSpPr>
+        <p:cNvPr id="1" name=""/>
+        <p:cNvGrpSpPr/>
+        <p:nvPr/>
+      </p:nvGrpSpPr>
+      <p:grpSpPr>
+        <a:xfrm>
+          <a:off x="0" y="0"/>
+          <a:ext cx="0" cy="0"/>
+          <a:chOff x="0" y="0"/>
+          <a:chExt cx="0" cy="0"/>
+        </a:xfrm>
+      </p:grpSpPr>
+      <p:sp>
+        <p:nvSpPr>
+          <p:cNvPr id="2" name="Folienbildplatzhalter 1"/>
+          <p:cNvSpPr>
+            <a:spLocks noGrp="1" noRot="1" noChangeAspect="1"/>
+          </p:cNvSpPr>
+          <p:nvPr>
+            <p:ph type="sldImg"/>
+          </p:nvPr>
+        </p:nvSpPr>
+        <p:spPr/>
+      </p:sp>
+      <p:sp>
+        <p:nvSpPr>
+          <p:cNvPr id="3" name="Notizenplatzhalter 2"/>
+          <p:cNvSpPr>
+            <a:spLocks noGrp="1"/>
+          </p:cNvSpPr>
+          <p:nvPr>
+            <p:ph type="body" idx="1"/>
+          </p:nvPr>
+        </p:nvSpPr>
+        <p:spPr/>
+        <p:txBody>
+          <a:bodyPr/>
+          <a:lstStyle/>
+          <a:p>
+            <a:endParaRPr lang="de-DE"/>
+          </a:p>
+        </p:txBody>
+      </p:sp>
+      <p:sp>
+        <p:nvSpPr>
+          <p:cNvPr id="4" name="Foliennummernplatzhalter 3"/>
+          <p:cNvSpPr>
+            <a:spLocks noGrp="1"/>
+          </p:cNvSpPr>
+          <p:nvPr>
+            <p:ph type="sldNum" sz="quarter" idx="5"/>
+          </p:nvPr>
+        </p:nvSpPr>
+        <p:spPr/>
+        <p:txBody>
+          <a:bodyPr/>
+          <a:lstStyle/>
+          <a:p>
+            <a:fld id="{A9052FC1-7588-485B-8F09-A1505B470EAD}" type="slidenum">
+              <a:rPr lang="de-DE" smtClean="0"/>
+              <a:t>21</a:t>
+            </a:fld>
+            <a:endParaRPr lang="de-DE"/>
+          </a:p>
+        </p:txBody>
+      </p:sp>
+    </p:spTree>
+    <p:extLst>
+      <p:ext uri="{BB962C8B-B14F-4D97-AF65-F5344CB8AC3E}">
+        <p14:creationId xmlns:p14="http://schemas.microsoft.com/office/powerpoint/2010/main" val="3645031619"/>
+      </p:ext>
+    </p:extLst>
+  </p:cSld>
+  <p:clrMapOvr>
+    <a:masterClrMapping/>
+  </p:clrMapOvr>
+</p:notes>
+</file>
+
+<file path=ppt/notesSlides/notesSlide16.xml><?xml version="1.0" encoding="utf-8"?>
+<p:notes xmlns:a="http://schemas.openxmlformats.org/drawingml/2006/main" xmlns:r="http://schemas.openxmlformats.org/officeDocument/2006/relationships" xmlns:p="http://schemas.openxmlformats.org/presentationml/2006/main">
+  <p:cSld>
+    <p:spTree>
+      <p:nvGrpSpPr>
+        <p:cNvPr id="1" name=""/>
+        <p:cNvGrpSpPr/>
+        <p:nvPr/>
+      </p:nvGrpSpPr>
+      <p:grpSpPr>
+        <a:xfrm>
+          <a:off x="0" y="0"/>
+          <a:ext cx="0" cy="0"/>
+          <a:chOff x="0" y="0"/>
+          <a:chExt cx="0" cy="0"/>
+        </a:xfrm>
+      </p:grpSpPr>
+      <p:sp>
+        <p:nvSpPr>
+          <p:cNvPr id="2" name="Folienbildplatzhalter 1"/>
+          <p:cNvSpPr>
+            <a:spLocks noGrp="1" noRot="1" noChangeAspect="1"/>
+          </p:cNvSpPr>
+          <p:nvPr>
+            <p:ph type="sldImg"/>
+          </p:nvPr>
+        </p:nvSpPr>
+        <p:spPr/>
+      </p:sp>
+      <p:sp>
+        <p:nvSpPr>
+          <p:cNvPr id="3" name="Notizenplatzhalter 2"/>
+          <p:cNvSpPr>
+            <a:spLocks noGrp="1"/>
+          </p:cNvSpPr>
+          <p:nvPr>
+            <p:ph type="body" idx="1"/>
+          </p:nvPr>
+        </p:nvSpPr>
+        <p:spPr/>
+        <p:txBody>
+          <a:bodyPr/>
+          <a:lstStyle/>
+          <a:p>
+            <a:endParaRPr lang="de-DE" dirty="0"/>
+          </a:p>
+        </p:txBody>
+      </p:sp>
+      <p:sp>
+        <p:nvSpPr>
+          <p:cNvPr id="4" name="Foliennummernplatzhalter 3"/>
+          <p:cNvSpPr>
+            <a:spLocks noGrp="1"/>
+          </p:cNvSpPr>
+          <p:nvPr>
+            <p:ph type="sldNum" sz="quarter" idx="5"/>
+          </p:nvPr>
+        </p:nvSpPr>
+        <p:spPr/>
+        <p:txBody>
+          <a:bodyPr/>
+          <a:lstStyle/>
+          <a:p>
+            <a:fld id="{A9052FC1-7588-485B-8F09-A1505B470EAD}" type="slidenum">
+              <a:rPr lang="de-DE" smtClean="0"/>
+              <a:t>22</a:t>
+            </a:fld>
+            <a:endParaRPr lang="de-DE"/>
+          </a:p>
+        </p:txBody>
+      </p:sp>
+    </p:spTree>
+    <p:extLst>
+      <p:ext uri="{BB962C8B-B14F-4D97-AF65-F5344CB8AC3E}">
+        <p14:creationId xmlns:p14="http://schemas.microsoft.com/office/powerpoint/2010/main" val="1111372006"/>
+      </p:ext>
+    </p:extLst>
+  </p:cSld>
+  <p:clrMapOvr>
+    <a:masterClrMapping/>
+  </p:clrMapOvr>
+</p:notes>
+</file>
+
 <file path=ppt/notesSlides/notesSlide2.xml><?xml version="1.0" encoding="utf-8"?>
 <p:notes xmlns:a="http://schemas.openxmlformats.org/drawingml/2006/main" xmlns:r="http://schemas.openxmlformats.org/officeDocument/2006/relationships" xmlns:p="http://schemas.openxmlformats.org/presentationml/2006/main">
   <p:cSld>
@@ -635,7 +1231,7 @@
     </p:spTree>
     <p:extLst>
       <p:ext uri="{BB962C8B-B14F-4D97-AF65-F5344CB8AC3E}">
-        <p14:creationId xmlns:p14="http://schemas.microsoft.com/office/powerpoint/2010/main" val="819880019"/>
+        <p14:creationId xmlns:p14="http://schemas.microsoft.com/office/powerpoint/2010/main" val="422255805"/>
       </p:ext>
     </p:extLst>
   </p:cSld>
@@ -719,7 +1315,7 @@
     </p:spTree>
     <p:extLst>
       <p:ext uri="{BB962C8B-B14F-4D97-AF65-F5344CB8AC3E}">
-        <p14:creationId xmlns:p14="http://schemas.microsoft.com/office/powerpoint/2010/main" val="2612161621"/>
+        <p14:creationId xmlns:p14="http://schemas.microsoft.com/office/powerpoint/2010/main" val="819880019"/>
       </p:ext>
     </p:extLst>
   </p:cSld>
@@ -773,14 +1369,6 @@
           <a:bodyPr/>
           <a:lstStyle/>
           <a:p>
-            <a:r>
-              <a:rPr lang="en-US" dirty="0" err="1"/>
-              <a:t>Beispiele</a:t>
-            </a:r>
-            <a:r>
-              <a:rPr lang="en-US" dirty="0"/>
-              <a:t> </a:t>
-            </a:r>
             <a:endParaRPr lang="de-DE" dirty="0"/>
           </a:p>
         </p:txBody>
@@ -811,7 +1399,7 @@
     </p:spTree>
     <p:extLst>
       <p:ext uri="{BB962C8B-B14F-4D97-AF65-F5344CB8AC3E}">
-        <p14:creationId xmlns:p14="http://schemas.microsoft.com/office/powerpoint/2010/main" val="1698494649"/>
+        <p14:creationId xmlns:p14="http://schemas.microsoft.com/office/powerpoint/2010/main" val="2612161621"/>
       </p:ext>
     </p:extLst>
   </p:cSld>
@@ -867,23 +1455,11 @@
           <a:p>
             <a:r>
               <a:rPr lang="en-US" dirty="0" err="1"/>
-              <a:t>Nicht</a:t>
+              <a:t>Beispiele</a:t>
             </a:r>
             <a:r>
               <a:rPr lang="en-US" dirty="0"/>
               <a:t> </a:t>
-            </a:r>
-            <a:r>
-              <a:rPr lang="en-US" dirty="0" err="1"/>
-              <a:t>gewinnbringende</a:t>
-            </a:r>
-            <a:r>
-              <a:rPr lang="en-US" dirty="0"/>
-              <a:t> T</a:t>
-            </a:r>
-            <a:r>
-              <a:rPr lang="de-DE" dirty="0" err="1"/>
-              <a:t>ätigkeiten</a:t>
             </a:r>
             <a:endParaRPr lang="de-DE" dirty="0"/>
           </a:p>
@@ -915,7 +1491,7 @@
     </p:spTree>
     <p:extLst>
       <p:ext uri="{BB962C8B-B14F-4D97-AF65-F5344CB8AC3E}">
-        <p14:creationId xmlns:p14="http://schemas.microsoft.com/office/powerpoint/2010/main" val="639681310"/>
+        <p14:creationId xmlns:p14="http://schemas.microsoft.com/office/powerpoint/2010/main" val="1698494649"/>
       </p:ext>
     </p:extLst>
   </p:cSld>
@@ -969,7 +1545,27 @@
           <a:bodyPr/>
           <a:lstStyle/>
           <a:p>
-            <a:endParaRPr lang="de-DE"/>
+            <a:r>
+              <a:rPr lang="en-US" dirty="0" err="1"/>
+              <a:t>Nicht</a:t>
+            </a:r>
+            <a:r>
+              <a:rPr lang="en-US" dirty="0"/>
+              <a:t> </a:t>
+            </a:r>
+            <a:r>
+              <a:rPr lang="en-US" dirty="0" err="1"/>
+              <a:t>gewinnbringende</a:t>
+            </a:r>
+            <a:r>
+              <a:rPr lang="en-US" dirty="0"/>
+              <a:t> T</a:t>
+            </a:r>
+            <a:r>
+              <a:rPr lang="de-DE" dirty="0" err="1"/>
+              <a:t>ätigkeiten</a:t>
+            </a:r>
+            <a:endParaRPr lang="de-DE" dirty="0"/>
           </a:p>
         </p:txBody>
       </p:sp>
@@ -999,7 +1595,7 @@
     </p:spTree>
     <p:extLst>
       <p:ext uri="{BB962C8B-B14F-4D97-AF65-F5344CB8AC3E}">
-        <p14:creationId xmlns:p14="http://schemas.microsoft.com/office/powerpoint/2010/main" val="194739015"/>
+        <p14:creationId xmlns:p14="http://schemas.microsoft.com/office/powerpoint/2010/main" val="639681310"/>
       </p:ext>
     </p:extLst>
   </p:cSld>
@@ -1053,7 +1649,7 @@
           <a:bodyPr/>
           <a:lstStyle/>
           <a:p>
-            <a:endParaRPr lang="de-DE" dirty="0"/>
+            <a:endParaRPr lang="de-DE"/>
           </a:p>
         </p:txBody>
       </p:sp>
@@ -1083,7 +1679,7 @@
     </p:spTree>
     <p:extLst>
       <p:ext uri="{BB962C8B-B14F-4D97-AF65-F5344CB8AC3E}">
-        <p14:creationId xmlns:p14="http://schemas.microsoft.com/office/powerpoint/2010/main" val="3775015821"/>
+        <p14:creationId xmlns:p14="http://schemas.microsoft.com/office/powerpoint/2010/main" val="194739015"/>
       </p:ext>
     </p:extLst>
   </p:cSld>
@@ -1158,7 +1754,7 @@
           <a:p>
             <a:fld id="{A9052FC1-7588-485B-8F09-A1505B470EAD}" type="slidenum">
               <a:rPr lang="de-DE" smtClean="0"/>
-              <a:t>12</a:t>
+              <a:t>11</a:t>
             </a:fld>
             <a:endParaRPr lang="de-DE"/>
           </a:p>
@@ -1167,7 +1763,7 @@
     </p:spTree>
     <p:extLst>
       <p:ext uri="{BB962C8B-B14F-4D97-AF65-F5344CB8AC3E}">
-        <p14:creationId xmlns:p14="http://schemas.microsoft.com/office/powerpoint/2010/main" val="3529340511"/>
+        <p14:creationId xmlns:p14="http://schemas.microsoft.com/office/powerpoint/2010/main" val="4205526458"/>
       </p:ext>
     </p:extLst>
   </p:cSld>
@@ -1242,7 +1838,7 @@
           <a:p>
             <a:fld id="{A9052FC1-7588-485B-8F09-A1505B470EAD}" type="slidenum">
               <a:rPr lang="de-DE" smtClean="0"/>
-              <a:t>14</a:t>
+              <a:t>12</a:t>
             </a:fld>
             <a:endParaRPr lang="de-DE"/>
           </a:p>
@@ -1251,7 +1847,7 @@
     </p:spTree>
     <p:extLst>
       <p:ext uri="{BB962C8B-B14F-4D97-AF65-F5344CB8AC3E}">
-        <p14:creationId xmlns:p14="http://schemas.microsoft.com/office/powerpoint/2010/main" val="3598910326"/>
+        <p14:creationId xmlns:p14="http://schemas.microsoft.com/office/powerpoint/2010/main" val="4232381801"/>
       </p:ext>
     </p:extLst>
   </p:cSld>
@@ -1408,7 +2004,7 @@
           <a:p>
             <a:fld id="{2CA4B678-0478-4458-BAC2-CB6DBEF2CFA8}" type="datetimeFigureOut">
               <a:rPr lang="de-DE" smtClean="0"/>
-              <a:t>26.09.2022</a:t>
+              <a:t>10.10.2022</a:t>
             </a:fld>
             <a:endParaRPr lang="de-DE"/>
           </a:p>
@@ -1606,7 +2202,7 @@
           <a:p>
             <a:fld id="{2CA4B678-0478-4458-BAC2-CB6DBEF2CFA8}" type="datetimeFigureOut">
               <a:rPr lang="de-DE" smtClean="0"/>
-              <a:t>26.09.2022</a:t>
+              <a:t>10.10.2022</a:t>
             </a:fld>
             <a:endParaRPr lang="de-DE"/>
           </a:p>
@@ -1814,7 +2410,7 @@
           <a:p>
             <a:fld id="{2CA4B678-0478-4458-BAC2-CB6DBEF2CFA8}" type="datetimeFigureOut">
               <a:rPr lang="de-DE" smtClean="0"/>
-              <a:t>26.09.2022</a:t>
+              <a:t>10.10.2022</a:t>
             </a:fld>
             <a:endParaRPr lang="de-DE"/>
           </a:p>
@@ -2012,7 +2608,7 @@
           <a:p>
             <a:fld id="{2CA4B678-0478-4458-BAC2-CB6DBEF2CFA8}" type="datetimeFigureOut">
               <a:rPr lang="de-DE" smtClean="0"/>
-              <a:t>26.09.2022</a:t>
+              <a:t>10.10.2022</a:t>
             </a:fld>
             <a:endParaRPr lang="de-DE"/>
           </a:p>
@@ -2287,7 +2883,7 @@
           <a:p>
             <a:fld id="{2CA4B678-0478-4458-BAC2-CB6DBEF2CFA8}" type="datetimeFigureOut">
               <a:rPr lang="de-DE" smtClean="0"/>
-              <a:t>26.09.2022</a:t>
+              <a:t>10.10.2022</a:t>
             </a:fld>
             <a:endParaRPr lang="de-DE"/>
           </a:p>
@@ -2552,7 +3148,7 @@
           <a:p>
             <a:fld id="{2CA4B678-0478-4458-BAC2-CB6DBEF2CFA8}" type="datetimeFigureOut">
               <a:rPr lang="de-DE" smtClean="0"/>
-              <a:t>26.09.2022</a:t>
+              <a:t>10.10.2022</a:t>
             </a:fld>
             <a:endParaRPr lang="de-DE"/>
           </a:p>
@@ -2964,7 +3560,7 @@
           <a:p>
             <a:fld id="{2CA4B678-0478-4458-BAC2-CB6DBEF2CFA8}" type="datetimeFigureOut">
               <a:rPr lang="de-DE" smtClean="0"/>
-              <a:t>26.09.2022</a:t>
+              <a:t>10.10.2022</a:t>
             </a:fld>
             <a:endParaRPr lang="de-DE"/>
           </a:p>
@@ -3105,7 +3701,7 @@
           <a:p>
             <a:fld id="{2CA4B678-0478-4458-BAC2-CB6DBEF2CFA8}" type="datetimeFigureOut">
               <a:rPr lang="de-DE" smtClean="0"/>
-              <a:t>26.09.2022</a:t>
+              <a:t>10.10.2022</a:t>
             </a:fld>
             <a:endParaRPr lang="de-DE"/>
           </a:p>
@@ -3218,7 +3814,7 @@
           <a:p>
             <a:fld id="{2CA4B678-0478-4458-BAC2-CB6DBEF2CFA8}" type="datetimeFigureOut">
               <a:rPr lang="de-DE" smtClean="0"/>
-              <a:t>26.09.2022</a:t>
+              <a:t>10.10.2022</a:t>
             </a:fld>
             <a:endParaRPr lang="de-DE"/>
           </a:p>
@@ -3529,7 +4125,7 @@
           <a:p>
             <a:fld id="{2CA4B678-0478-4458-BAC2-CB6DBEF2CFA8}" type="datetimeFigureOut">
               <a:rPr lang="de-DE" smtClean="0"/>
-              <a:t>26.09.2022</a:t>
+              <a:t>10.10.2022</a:t>
             </a:fld>
             <a:endParaRPr lang="de-DE"/>
           </a:p>
@@ -3817,7 +4413,7 @@
           <a:p>
             <a:fld id="{2CA4B678-0478-4458-BAC2-CB6DBEF2CFA8}" type="datetimeFigureOut">
               <a:rPr lang="de-DE" smtClean="0"/>
-              <a:t>26.09.2022</a:t>
+              <a:t>10.10.2022</a:t>
             </a:fld>
             <a:endParaRPr lang="de-DE"/>
           </a:p>
@@ -4058,7 +4654,7 @@
           <a:p>
             <a:fld id="{2CA4B678-0478-4458-BAC2-CB6DBEF2CFA8}" type="datetimeFigureOut">
               <a:rPr lang="de-DE" smtClean="0"/>
-              <a:t>26.09.2022</a:t>
+              <a:t>10.10.2022</a:t>
             </a:fld>
             <a:endParaRPr lang="de-DE"/>
           </a:p>
@@ -4619,7 +5215,7 @@
           <p:cNvPr id="2" name="Titel 1">
             <a:extLst>
               <a:ext uri="{FF2B5EF4-FFF2-40B4-BE49-F238E27FC236}">
-                <a16:creationId xmlns:a16="http://schemas.microsoft.com/office/drawing/2014/main" id="{28EFFAFE-DBB5-194A-D161-E5FEB2CE4DD1}"/>
+                <a16:creationId xmlns:a16="http://schemas.microsoft.com/office/drawing/2014/main" id="{55B3DACD-9825-6886-AB3D-7909AFD2EF0B}"/>
               </a:ext>
             </a:extLst>
           </p:cNvPr>
@@ -4628,12 +5224,40 @@
           </p:cNvSpPr>
           <p:nvPr>
             <p:ph type="title"/>
+          </p:nvPr>
+        </p:nvSpPr>
+        <p:spPr/>
+        <p:txBody>
+          <a:bodyPr/>
+          <a:lstStyle/>
+          <a:p>
+            <a:r>
+              <a:rPr lang="de-DE" dirty="0"/>
+              <a:t>Allgemeine Architektur</a:t>
+            </a:r>
+          </a:p>
+        </p:txBody>
+      </p:sp>
+      <p:sp>
+        <p:nvSpPr>
+          <p:cNvPr id="3" name="Inhaltsplatzhalter 2">
+            <a:extLst>
+              <a:ext uri="{FF2B5EF4-FFF2-40B4-BE49-F238E27FC236}">
+                <a16:creationId xmlns:a16="http://schemas.microsoft.com/office/drawing/2014/main" id="{EF4BC46F-6C66-6E98-75D8-3B5C27EB0FE9}"/>
+              </a:ext>
+            </a:extLst>
+          </p:cNvPr>
+          <p:cNvSpPr>
+            <a:spLocks noGrp="1"/>
+          </p:cNvSpPr>
+          <p:nvPr>
+            <p:ph idx="1"/>
           </p:nvPr>
         </p:nvSpPr>
         <p:spPr>
           <a:xfrm>
-            <a:off x="397565" y="349580"/>
-            <a:ext cx="10515600" cy="1325563"/>
+            <a:off x="838200" y="1690688"/>
+            <a:ext cx="4856922" cy="4351338"/>
           </a:xfrm>
         </p:spPr>
         <p:txBody>
@@ -4642,19 +5266,25 @@
           <a:p>
             <a:r>
               <a:rPr lang="de-DE" dirty="0" err="1"/>
-              <a:t>Standalone</a:t>
+              <a:t>Unittesting</a:t>
             </a:r>
             <a:r>
               <a:rPr lang="de-DE" dirty="0"/>
-              <a:t> mit </a:t>
-            </a:r>
-            <a:br>
+              <a:t> realisiert mittels </a:t>
+            </a:r>
+            <a:r>
+              <a:rPr lang="de-DE" dirty="0" err="1"/>
+              <a:t>Dependency</a:t>
+            </a:r>
+            <a:r>
               <a:rPr lang="de-DE" dirty="0"/>
-            </a:br>
-            <a:r>
-              <a:rPr lang="de-DE" dirty="0"/>
-              <a:t>Datenbank</a:t>
-            </a:r>
+              <a:t> </a:t>
+            </a:r>
+            <a:r>
+              <a:rPr lang="de-DE" dirty="0" err="1"/>
+              <a:t>Injection</a:t>
+            </a:r>
+            <a:endParaRPr lang="de-DE" dirty="0"/>
           </a:p>
         </p:txBody>
       </p:sp>
@@ -4663,7 +5293,7 @@
           <p:cNvPr id="5" name="Grafik 4">
             <a:extLst>
               <a:ext uri="{FF2B5EF4-FFF2-40B4-BE49-F238E27FC236}">
-                <a16:creationId xmlns:a16="http://schemas.microsoft.com/office/drawing/2014/main" id="{5066DC1B-69C0-43E1-E499-C964E3D7A0F4}"/>
+                <a16:creationId xmlns:a16="http://schemas.microsoft.com/office/drawing/2014/main" id="{FA24B885-2A46-9D66-4E1E-B3D03775637E}"/>
               </a:ext>
             </a:extLst>
           </p:cNvPr>
@@ -4686,8 +5316,8 @@
         </p:blipFill>
         <p:spPr>
           <a:xfrm>
-            <a:off x="5257800" y="349580"/>
-            <a:ext cx="6172200" cy="6158840"/>
+            <a:off x="3041374" y="1366915"/>
+            <a:ext cx="9582697" cy="4998883"/>
           </a:xfrm>
           <a:prstGeom prst="rect">
             <a:avLst/>
@@ -4697,7 +5327,7 @@
     </p:spTree>
     <p:extLst>
       <p:ext uri="{BB962C8B-B14F-4D97-AF65-F5344CB8AC3E}">
-        <p14:creationId xmlns:p14="http://schemas.microsoft.com/office/powerpoint/2010/main" val="1377147233"/>
+        <p14:creationId xmlns:p14="http://schemas.microsoft.com/office/powerpoint/2010/main" val="4029072605"/>
       </p:ext>
     </p:extLst>
   </p:cSld>
@@ -4726,6 +5356,1065 @@
       </p:grpSpPr>
       <p:sp>
         <p:nvSpPr>
+          <p:cNvPr id="2" name="Titel 1">
+            <a:extLst>
+              <a:ext uri="{FF2B5EF4-FFF2-40B4-BE49-F238E27FC236}">
+                <a16:creationId xmlns:a16="http://schemas.microsoft.com/office/drawing/2014/main" id="{40EC68BF-382A-A0E1-4430-87AEDC512EA0}"/>
+              </a:ext>
+            </a:extLst>
+          </p:cNvPr>
+          <p:cNvSpPr>
+            <a:spLocks noGrp="1"/>
+          </p:cNvSpPr>
+          <p:nvPr>
+            <p:ph type="title"/>
+          </p:nvPr>
+        </p:nvSpPr>
+        <p:spPr/>
+        <p:txBody>
+          <a:bodyPr/>
+          <a:lstStyle/>
+          <a:p>
+            <a:r>
+              <a:rPr lang="de-DE" dirty="0"/>
+              <a:t>Allgemeine Architektur</a:t>
+            </a:r>
+          </a:p>
+        </p:txBody>
+      </p:sp>
+      <p:sp>
+        <p:nvSpPr>
+          <p:cNvPr id="3" name="Inhaltsplatzhalter 2">
+            <a:extLst>
+              <a:ext uri="{FF2B5EF4-FFF2-40B4-BE49-F238E27FC236}">
+                <a16:creationId xmlns:a16="http://schemas.microsoft.com/office/drawing/2014/main" id="{8609B5E2-29F5-B744-AAC0-1454A9645743}"/>
+              </a:ext>
+            </a:extLst>
+          </p:cNvPr>
+          <p:cNvSpPr>
+            <a:spLocks noGrp="1"/>
+          </p:cNvSpPr>
+          <p:nvPr>
+            <p:ph idx="1"/>
+          </p:nvPr>
+        </p:nvSpPr>
+        <p:spPr>
+          <a:xfrm>
+            <a:off x="838200" y="1845503"/>
+            <a:ext cx="4966252" cy="4351338"/>
+          </a:xfrm>
+        </p:spPr>
+        <p:txBody>
+          <a:bodyPr/>
+          <a:lstStyle/>
+          <a:p>
+            <a:r>
+              <a:rPr lang="de-DE" dirty="0" err="1"/>
+              <a:t>Integrationstesting</a:t>
+            </a:r>
+            <a:r>
+              <a:rPr lang="en-US" dirty="0"/>
+              <a:t>:</a:t>
+            </a:r>
+          </a:p>
+          <a:p>
+            <a:pPr lvl="1"/>
+            <a:r>
+              <a:rPr lang="en-US" dirty="0"/>
+              <a:t>Port + Adapter + Controller</a:t>
+            </a:r>
+          </a:p>
+          <a:p>
+            <a:pPr lvl="1"/>
+            <a:r>
+              <a:rPr lang="en-US" dirty="0"/>
+              <a:t>Controller + Dispatcher + </a:t>
+            </a:r>
+            <a:r>
+              <a:rPr lang="en-US" dirty="0" err="1"/>
+              <a:t>UseCases</a:t>
+            </a:r>
+            <a:r>
+              <a:rPr lang="en-US" dirty="0"/>
+              <a:t> + Interactors</a:t>
+            </a:r>
+          </a:p>
+          <a:p>
+            <a:pPr lvl="1"/>
+            <a:r>
+              <a:rPr lang="en-US" dirty="0"/>
+              <a:t>Controllers + Dispatcher + </a:t>
+            </a:r>
+            <a:r>
+              <a:rPr lang="en-US" dirty="0" err="1"/>
+              <a:t>UseCases</a:t>
+            </a:r>
+            <a:r>
+              <a:rPr lang="en-US" dirty="0"/>
+              <a:t> + Interactors (</a:t>
+            </a:r>
+            <a:r>
+              <a:rPr lang="en-US" dirty="0" err="1"/>
+              <a:t>innere</a:t>
+            </a:r>
+            <a:r>
+              <a:rPr lang="en-US" dirty="0"/>
+              <a:t> </a:t>
+            </a:r>
+            <a:r>
+              <a:rPr lang="en-US" dirty="0" err="1"/>
+              <a:t>Logik</a:t>
+            </a:r>
+            <a:r>
+              <a:rPr lang="en-US" dirty="0"/>
+              <a:t>)</a:t>
+            </a:r>
+          </a:p>
+          <a:p>
+            <a:endParaRPr lang="de-DE" dirty="0"/>
+          </a:p>
+        </p:txBody>
+      </p:sp>
+      <p:pic>
+        <p:nvPicPr>
+          <p:cNvPr id="5" name="Grafik 4">
+            <a:extLst>
+              <a:ext uri="{FF2B5EF4-FFF2-40B4-BE49-F238E27FC236}">
+                <a16:creationId xmlns:a16="http://schemas.microsoft.com/office/drawing/2014/main" id="{7E79FB3B-31A9-8E76-D156-2D35F6D09271}"/>
+              </a:ext>
+            </a:extLst>
+          </p:cNvPr>
+          <p:cNvPicPr>
+            <a:picLocks noChangeAspect="1"/>
+          </p:cNvPicPr>
+          <p:nvPr/>
+        </p:nvPicPr>
+        <p:blipFill>
+          <a:blip r:embed="rId3">
+            <a:extLst>
+              <a:ext uri="{28A0092B-C50C-407E-A947-70E740481C1C}">
+                <a14:useLocalDpi xmlns:a14="http://schemas.microsoft.com/office/drawing/2010/main" val="0"/>
+              </a:ext>
+            </a:extLst>
+          </a:blip>
+          <a:stretch>
+            <a:fillRect/>
+          </a:stretch>
+        </p:blipFill>
+        <p:spPr>
+          <a:xfrm>
+            <a:off x="6387550" y="771154"/>
+            <a:ext cx="5334744" cy="5315692"/>
+          </a:xfrm>
+          <a:prstGeom prst="rect">
+            <a:avLst/>
+          </a:prstGeom>
+        </p:spPr>
+      </p:pic>
+    </p:spTree>
+    <p:extLst>
+      <p:ext uri="{BB962C8B-B14F-4D97-AF65-F5344CB8AC3E}">
+        <p14:creationId xmlns:p14="http://schemas.microsoft.com/office/powerpoint/2010/main" val="3958004573"/>
+      </p:ext>
+    </p:extLst>
+  </p:cSld>
+  <p:clrMapOvr>
+    <a:masterClrMapping/>
+  </p:clrMapOvr>
+</p:sld>
+</file>
+
+<file path=ppt/slides/slide12.xml><?xml version="1.0" encoding="utf-8"?>
+<p:sld xmlns:a="http://schemas.openxmlformats.org/drawingml/2006/main" xmlns:r="http://schemas.openxmlformats.org/officeDocument/2006/relationships" xmlns:p="http://schemas.openxmlformats.org/presentationml/2006/main">
+  <p:cSld>
+    <p:spTree>
+      <p:nvGrpSpPr>
+        <p:cNvPr id="1" name=""/>
+        <p:cNvGrpSpPr/>
+        <p:nvPr/>
+      </p:nvGrpSpPr>
+      <p:grpSpPr>
+        <a:xfrm>
+          <a:off x="0" y="0"/>
+          <a:ext cx="0" cy="0"/>
+          <a:chOff x="0" y="0"/>
+          <a:chExt cx="0" cy="0"/>
+        </a:xfrm>
+      </p:grpSpPr>
+      <p:sp>
+        <p:nvSpPr>
+          <p:cNvPr id="2" name="Titel 1">
+            <a:extLst>
+              <a:ext uri="{FF2B5EF4-FFF2-40B4-BE49-F238E27FC236}">
+                <a16:creationId xmlns:a16="http://schemas.microsoft.com/office/drawing/2014/main" id="{40EC68BF-382A-A0E1-4430-87AEDC512EA0}"/>
+              </a:ext>
+            </a:extLst>
+          </p:cNvPr>
+          <p:cNvSpPr>
+            <a:spLocks noGrp="1"/>
+          </p:cNvSpPr>
+          <p:nvPr>
+            <p:ph type="title"/>
+          </p:nvPr>
+        </p:nvSpPr>
+        <p:spPr/>
+        <p:txBody>
+          <a:bodyPr/>
+          <a:lstStyle/>
+          <a:p>
+            <a:r>
+              <a:rPr lang="de-DE" dirty="0"/>
+              <a:t>Allgemeine Architektur</a:t>
+            </a:r>
+          </a:p>
+        </p:txBody>
+      </p:sp>
+      <p:sp>
+        <p:nvSpPr>
+          <p:cNvPr id="3" name="Inhaltsplatzhalter 2">
+            <a:extLst>
+              <a:ext uri="{FF2B5EF4-FFF2-40B4-BE49-F238E27FC236}">
+                <a16:creationId xmlns:a16="http://schemas.microsoft.com/office/drawing/2014/main" id="{8609B5E2-29F5-B744-AAC0-1454A9645743}"/>
+              </a:ext>
+            </a:extLst>
+          </p:cNvPr>
+          <p:cNvSpPr>
+            <a:spLocks noGrp="1"/>
+          </p:cNvSpPr>
+          <p:nvPr>
+            <p:ph idx="1"/>
+          </p:nvPr>
+        </p:nvSpPr>
+        <p:spPr>
+          <a:xfrm>
+            <a:off x="838200" y="1845503"/>
+            <a:ext cx="4966252" cy="4351338"/>
+          </a:xfrm>
+        </p:spPr>
+        <p:txBody>
+          <a:bodyPr/>
+          <a:lstStyle/>
+          <a:p>
+            <a:r>
+              <a:rPr lang="de-DE" dirty="0" err="1"/>
+              <a:t>Integrationstesting</a:t>
+            </a:r>
+            <a:r>
+              <a:rPr lang="en-US" dirty="0"/>
+              <a:t>:</a:t>
+            </a:r>
+          </a:p>
+          <a:p>
+            <a:pPr lvl="1"/>
+            <a:r>
+              <a:rPr lang="en-US" dirty="0"/>
+              <a:t>Port + Adapter + Controller</a:t>
+            </a:r>
+          </a:p>
+          <a:p>
+            <a:pPr lvl="1"/>
+            <a:r>
+              <a:rPr lang="en-US" dirty="0"/>
+              <a:t>Controller + Dispatcher + </a:t>
+            </a:r>
+            <a:r>
+              <a:rPr lang="en-US" dirty="0" err="1"/>
+              <a:t>UseCases</a:t>
+            </a:r>
+            <a:r>
+              <a:rPr lang="en-US" dirty="0"/>
+              <a:t> + Interactors</a:t>
+            </a:r>
+          </a:p>
+          <a:p>
+            <a:pPr lvl="1"/>
+            <a:r>
+              <a:rPr lang="en-US" dirty="0"/>
+              <a:t>Controllers + Dispatcher + </a:t>
+            </a:r>
+            <a:r>
+              <a:rPr lang="en-US" dirty="0" err="1"/>
+              <a:t>UseCases</a:t>
+            </a:r>
+            <a:r>
+              <a:rPr lang="en-US" dirty="0"/>
+              <a:t> + Interactors (</a:t>
+            </a:r>
+            <a:r>
+              <a:rPr lang="en-US" dirty="0" err="1"/>
+              <a:t>innere</a:t>
+            </a:r>
+            <a:r>
+              <a:rPr lang="en-US" dirty="0"/>
+              <a:t> </a:t>
+            </a:r>
+            <a:r>
+              <a:rPr lang="en-US" dirty="0" err="1"/>
+              <a:t>Logik</a:t>
+            </a:r>
+            <a:r>
+              <a:rPr lang="en-US" dirty="0"/>
+              <a:t>)</a:t>
+            </a:r>
+          </a:p>
+          <a:p>
+            <a:endParaRPr lang="de-DE" dirty="0"/>
+          </a:p>
+        </p:txBody>
+      </p:sp>
+      <p:pic>
+        <p:nvPicPr>
+          <p:cNvPr id="6" name="Grafik 5">
+            <a:extLst>
+              <a:ext uri="{FF2B5EF4-FFF2-40B4-BE49-F238E27FC236}">
+                <a16:creationId xmlns:a16="http://schemas.microsoft.com/office/drawing/2014/main" id="{40FC691A-B9A4-0B3C-B5C1-8DD728F4ADD9}"/>
+              </a:ext>
+            </a:extLst>
+          </p:cNvPr>
+          <p:cNvPicPr>
+            <a:picLocks noChangeAspect="1"/>
+          </p:cNvPicPr>
+          <p:nvPr/>
+        </p:nvPicPr>
+        <p:blipFill>
+          <a:blip r:embed="rId3">
+            <a:extLst>
+              <a:ext uri="{28A0092B-C50C-407E-A947-70E740481C1C}">
+                <a14:useLocalDpi xmlns:a14="http://schemas.microsoft.com/office/drawing/2010/main" val="0"/>
+              </a:ext>
+            </a:extLst>
+          </a:blip>
+          <a:stretch>
+            <a:fillRect/>
+          </a:stretch>
+        </p:blipFill>
+        <p:spPr>
+          <a:xfrm>
+            <a:off x="6387550" y="1027906"/>
+            <a:ext cx="5306165" cy="5287113"/>
+          </a:xfrm>
+          <a:prstGeom prst="rect">
+            <a:avLst/>
+          </a:prstGeom>
+        </p:spPr>
+      </p:pic>
+    </p:spTree>
+    <p:extLst>
+      <p:ext uri="{BB962C8B-B14F-4D97-AF65-F5344CB8AC3E}">
+        <p14:creationId xmlns:p14="http://schemas.microsoft.com/office/powerpoint/2010/main" val="2263668492"/>
+      </p:ext>
+    </p:extLst>
+  </p:cSld>
+  <p:clrMapOvr>
+    <a:masterClrMapping/>
+  </p:clrMapOvr>
+</p:sld>
+</file>
+
+<file path=ppt/slides/slide13.xml><?xml version="1.0" encoding="utf-8"?>
+<p:sld xmlns:a="http://schemas.openxmlformats.org/drawingml/2006/main" xmlns:r="http://schemas.openxmlformats.org/officeDocument/2006/relationships" xmlns:p="http://schemas.openxmlformats.org/presentationml/2006/main">
+  <p:cSld>
+    <p:spTree>
+      <p:nvGrpSpPr>
+        <p:cNvPr id="1" name=""/>
+        <p:cNvGrpSpPr/>
+        <p:nvPr/>
+      </p:nvGrpSpPr>
+      <p:grpSpPr>
+        <a:xfrm>
+          <a:off x="0" y="0"/>
+          <a:ext cx="0" cy="0"/>
+          <a:chOff x="0" y="0"/>
+          <a:chExt cx="0" cy="0"/>
+        </a:xfrm>
+      </p:grpSpPr>
+      <p:sp>
+        <p:nvSpPr>
+          <p:cNvPr id="2" name="Titel 1">
+            <a:extLst>
+              <a:ext uri="{FF2B5EF4-FFF2-40B4-BE49-F238E27FC236}">
+                <a16:creationId xmlns:a16="http://schemas.microsoft.com/office/drawing/2014/main" id="{40EC68BF-382A-A0E1-4430-87AEDC512EA0}"/>
+              </a:ext>
+            </a:extLst>
+          </p:cNvPr>
+          <p:cNvSpPr>
+            <a:spLocks noGrp="1"/>
+          </p:cNvSpPr>
+          <p:nvPr>
+            <p:ph type="title"/>
+          </p:nvPr>
+        </p:nvSpPr>
+        <p:spPr/>
+        <p:txBody>
+          <a:bodyPr/>
+          <a:lstStyle/>
+          <a:p>
+            <a:r>
+              <a:rPr lang="de-DE" dirty="0"/>
+              <a:t>Allgemeine Architektur</a:t>
+            </a:r>
+          </a:p>
+        </p:txBody>
+      </p:sp>
+      <p:sp>
+        <p:nvSpPr>
+          <p:cNvPr id="3" name="Inhaltsplatzhalter 2">
+            <a:extLst>
+              <a:ext uri="{FF2B5EF4-FFF2-40B4-BE49-F238E27FC236}">
+                <a16:creationId xmlns:a16="http://schemas.microsoft.com/office/drawing/2014/main" id="{8609B5E2-29F5-B744-AAC0-1454A9645743}"/>
+              </a:ext>
+            </a:extLst>
+          </p:cNvPr>
+          <p:cNvSpPr>
+            <a:spLocks noGrp="1"/>
+          </p:cNvSpPr>
+          <p:nvPr>
+            <p:ph idx="1"/>
+          </p:nvPr>
+        </p:nvSpPr>
+        <p:spPr>
+          <a:xfrm>
+            <a:off x="838200" y="1845503"/>
+            <a:ext cx="4966252" cy="4351338"/>
+          </a:xfrm>
+        </p:spPr>
+        <p:txBody>
+          <a:bodyPr/>
+          <a:lstStyle/>
+          <a:p>
+            <a:r>
+              <a:rPr lang="de-DE" dirty="0" err="1"/>
+              <a:t>Integrationstesting</a:t>
+            </a:r>
+            <a:r>
+              <a:rPr lang="en-US" dirty="0"/>
+              <a:t>:</a:t>
+            </a:r>
+          </a:p>
+          <a:p>
+            <a:pPr lvl="1"/>
+            <a:r>
+              <a:rPr lang="en-US" dirty="0"/>
+              <a:t>Port + Adapter + Controller</a:t>
+            </a:r>
+          </a:p>
+          <a:p>
+            <a:pPr lvl="1"/>
+            <a:r>
+              <a:rPr lang="en-US" dirty="0"/>
+              <a:t>Controller + Dispatcher + </a:t>
+            </a:r>
+            <a:r>
+              <a:rPr lang="en-US" dirty="0" err="1"/>
+              <a:t>UseCases</a:t>
+            </a:r>
+            <a:r>
+              <a:rPr lang="en-US" dirty="0"/>
+              <a:t> + Interactors</a:t>
+            </a:r>
+          </a:p>
+          <a:p>
+            <a:pPr lvl="1"/>
+            <a:r>
+              <a:rPr lang="en-US" dirty="0"/>
+              <a:t>Controllers + Dispatcher + </a:t>
+            </a:r>
+            <a:r>
+              <a:rPr lang="en-US" dirty="0" err="1"/>
+              <a:t>UseCases</a:t>
+            </a:r>
+            <a:r>
+              <a:rPr lang="en-US" dirty="0"/>
+              <a:t> + Interactors (</a:t>
+            </a:r>
+            <a:r>
+              <a:rPr lang="en-US" dirty="0" err="1"/>
+              <a:t>innere</a:t>
+            </a:r>
+            <a:r>
+              <a:rPr lang="en-US" dirty="0"/>
+              <a:t> </a:t>
+            </a:r>
+            <a:r>
+              <a:rPr lang="en-US" dirty="0" err="1"/>
+              <a:t>Logik</a:t>
+            </a:r>
+            <a:r>
+              <a:rPr lang="en-US" dirty="0"/>
+              <a:t>)</a:t>
+            </a:r>
+          </a:p>
+          <a:p>
+            <a:endParaRPr lang="de-DE" dirty="0"/>
+          </a:p>
+        </p:txBody>
+      </p:sp>
+      <p:pic>
+        <p:nvPicPr>
+          <p:cNvPr id="6" name="Grafik 5">
+            <a:extLst>
+              <a:ext uri="{FF2B5EF4-FFF2-40B4-BE49-F238E27FC236}">
+                <a16:creationId xmlns:a16="http://schemas.microsoft.com/office/drawing/2014/main" id="{67BF3CE1-F22C-1877-B9F1-1F90EF545F52}"/>
+              </a:ext>
+            </a:extLst>
+          </p:cNvPr>
+          <p:cNvPicPr>
+            <a:picLocks noChangeAspect="1"/>
+          </p:cNvPicPr>
+          <p:nvPr/>
+        </p:nvPicPr>
+        <p:blipFill>
+          <a:blip r:embed="rId3">
+            <a:extLst>
+              <a:ext uri="{28A0092B-C50C-407E-A947-70E740481C1C}">
+                <a14:useLocalDpi xmlns:a14="http://schemas.microsoft.com/office/drawing/2010/main" val="0"/>
+              </a:ext>
+            </a:extLst>
+          </a:blip>
+          <a:stretch>
+            <a:fillRect/>
+          </a:stretch>
+        </p:blipFill>
+        <p:spPr>
+          <a:xfrm>
+            <a:off x="6387550" y="790206"/>
+            <a:ext cx="5296639" cy="5277587"/>
+          </a:xfrm>
+          <a:prstGeom prst="rect">
+            <a:avLst/>
+          </a:prstGeom>
+        </p:spPr>
+      </p:pic>
+    </p:spTree>
+    <p:extLst>
+      <p:ext uri="{BB962C8B-B14F-4D97-AF65-F5344CB8AC3E}">
+        <p14:creationId xmlns:p14="http://schemas.microsoft.com/office/powerpoint/2010/main" val="2135960356"/>
+      </p:ext>
+    </p:extLst>
+  </p:cSld>
+  <p:clrMapOvr>
+    <a:masterClrMapping/>
+  </p:clrMapOvr>
+</p:sld>
+</file>
+
+<file path=ppt/slides/slide14.xml><?xml version="1.0" encoding="utf-8"?>
+<p:sld xmlns:a="http://schemas.openxmlformats.org/drawingml/2006/main" xmlns:r="http://schemas.openxmlformats.org/officeDocument/2006/relationships" xmlns:p="http://schemas.openxmlformats.org/presentationml/2006/main">
+  <p:cSld>
+    <p:spTree>
+      <p:nvGrpSpPr>
+        <p:cNvPr id="1" name=""/>
+        <p:cNvGrpSpPr/>
+        <p:nvPr/>
+      </p:nvGrpSpPr>
+      <p:grpSpPr>
+        <a:xfrm>
+          <a:off x="0" y="0"/>
+          <a:ext cx="0" cy="0"/>
+          <a:chOff x="0" y="0"/>
+          <a:chExt cx="0" cy="0"/>
+        </a:xfrm>
+      </p:grpSpPr>
+      <p:sp>
+        <p:nvSpPr>
+          <p:cNvPr id="2" name="Titel 1">
+            <a:extLst>
+              <a:ext uri="{FF2B5EF4-FFF2-40B4-BE49-F238E27FC236}">
+                <a16:creationId xmlns:a16="http://schemas.microsoft.com/office/drawing/2014/main" id="{8688B203-805A-A025-F3A4-0730CC260033}"/>
+              </a:ext>
+            </a:extLst>
+          </p:cNvPr>
+          <p:cNvSpPr>
+            <a:spLocks noGrp="1"/>
+          </p:cNvSpPr>
+          <p:nvPr>
+            <p:ph type="title"/>
+          </p:nvPr>
+        </p:nvSpPr>
+        <p:spPr>
+          <a:xfrm>
+            <a:off x="1182756" y="18255"/>
+            <a:ext cx="10515600" cy="1325563"/>
+          </a:xfrm>
+        </p:spPr>
+        <p:txBody>
+          <a:bodyPr/>
+          <a:lstStyle/>
+          <a:p>
+            <a:r>
+              <a:rPr lang="de-DE" dirty="0"/>
+              <a:t>Anwendung der allgemeinen Architektur</a:t>
+            </a:r>
+          </a:p>
+        </p:txBody>
+      </p:sp>
+      <p:pic>
+        <p:nvPicPr>
+          <p:cNvPr id="5" name="Grafik 4" descr="Ein Bild, das Text, Gerät, Barometer enthält.&#10;&#10;Automatisch generierte Beschreibung">
+            <a:extLst>
+              <a:ext uri="{FF2B5EF4-FFF2-40B4-BE49-F238E27FC236}">
+                <a16:creationId xmlns:a16="http://schemas.microsoft.com/office/drawing/2014/main" id="{9848EB54-F594-437F-12AB-E843C9F18D99}"/>
+              </a:ext>
+            </a:extLst>
+          </p:cNvPr>
+          <p:cNvPicPr>
+            <a:picLocks noChangeAspect="1"/>
+          </p:cNvPicPr>
+          <p:nvPr/>
+        </p:nvPicPr>
+        <p:blipFill>
+          <a:blip r:embed="rId2">
+            <a:extLst>
+              <a:ext uri="{28A0092B-C50C-407E-A947-70E740481C1C}">
+                <a14:useLocalDpi xmlns:a14="http://schemas.microsoft.com/office/drawing/2010/main" val="0"/>
+              </a:ext>
+            </a:extLst>
+          </a:blip>
+          <a:stretch>
+            <a:fillRect/>
+          </a:stretch>
+        </p:blipFill>
+        <p:spPr>
+          <a:xfrm>
+            <a:off x="1182756" y="1087472"/>
+            <a:ext cx="5725611" cy="5752273"/>
+          </a:xfrm>
+          <a:prstGeom prst="rect">
+            <a:avLst/>
+          </a:prstGeom>
+        </p:spPr>
+      </p:pic>
+      <p:sp>
+        <p:nvSpPr>
+          <p:cNvPr id="6" name="Textfeld 5">
+            <a:extLst>
+              <a:ext uri="{FF2B5EF4-FFF2-40B4-BE49-F238E27FC236}">
+                <a16:creationId xmlns:a16="http://schemas.microsoft.com/office/drawing/2014/main" id="{EFD74534-891E-7EA7-E02D-2F5B6954BD19}"/>
+              </a:ext>
+            </a:extLst>
+          </p:cNvPr>
+          <p:cNvSpPr txBox="1"/>
+          <p:nvPr/>
+        </p:nvSpPr>
+        <p:spPr>
+          <a:xfrm>
+            <a:off x="7623312" y="1343818"/>
+            <a:ext cx="1600118" cy="2862322"/>
+          </a:xfrm>
+          <a:prstGeom prst="rect">
+            <a:avLst/>
+          </a:prstGeom>
+          <a:noFill/>
+        </p:spPr>
+        <p:txBody>
+          <a:bodyPr wrap="none" rtlCol="0">
+            <a:spAutoFit/>
+          </a:bodyPr>
+          <a:lstStyle/>
+          <a:p>
+            <a:r>
+              <a:rPr lang="de-DE" dirty="0"/>
+              <a:t>Controllers:</a:t>
+            </a:r>
+          </a:p>
+          <a:p>
+            <a:pPr marL="285750" indent="-285750">
+              <a:buFont typeface="Arial" panose="020B0604020202020204" pitchFamily="34" charset="0"/>
+              <a:buChar char="•"/>
+            </a:pPr>
+            <a:r>
+              <a:rPr lang="de-DE" dirty="0" err="1"/>
+              <a:t>OCPPComm</a:t>
+            </a:r>
+            <a:endParaRPr lang="de-DE" dirty="0"/>
+          </a:p>
+          <a:p>
+            <a:pPr marL="285750" indent="-285750">
+              <a:buFont typeface="Arial" panose="020B0604020202020204" pitchFamily="34" charset="0"/>
+              <a:buChar char="•"/>
+            </a:pPr>
+            <a:r>
+              <a:rPr lang="de-DE" dirty="0"/>
+              <a:t>Logger</a:t>
+            </a:r>
+          </a:p>
+          <a:p>
+            <a:pPr marL="285750" indent="-285750">
+              <a:buFont typeface="Arial" panose="020B0604020202020204" pitchFamily="34" charset="0"/>
+              <a:buChar char="•"/>
+            </a:pPr>
+            <a:r>
+              <a:rPr lang="de-DE" dirty="0"/>
+              <a:t>Super</a:t>
+            </a:r>
+          </a:p>
+          <a:p>
+            <a:pPr marL="285750" indent="-285750">
+              <a:buFont typeface="Arial" panose="020B0604020202020204" pitchFamily="34" charset="0"/>
+              <a:buChar char="•"/>
+            </a:pPr>
+            <a:r>
+              <a:rPr lang="de-DE" dirty="0"/>
+              <a:t>UI</a:t>
+            </a:r>
+          </a:p>
+          <a:p>
+            <a:pPr marL="285750" indent="-285750">
+              <a:buFont typeface="Arial" panose="020B0604020202020204" pitchFamily="34" charset="0"/>
+              <a:buChar char="•"/>
+            </a:pPr>
+            <a:r>
+              <a:rPr lang="de-DE" dirty="0"/>
+              <a:t>Charger</a:t>
+            </a:r>
+          </a:p>
+          <a:p>
+            <a:pPr marL="285750" indent="-285750">
+              <a:buFont typeface="Arial" panose="020B0604020202020204" pitchFamily="34" charset="0"/>
+              <a:buChar char="•"/>
+            </a:pPr>
+            <a:r>
+              <a:rPr lang="de-DE" dirty="0"/>
+              <a:t>User</a:t>
+            </a:r>
+          </a:p>
+          <a:p>
+            <a:pPr marL="285750" indent="-285750">
+              <a:buFont typeface="Arial" panose="020B0604020202020204" pitchFamily="34" charset="0"/>
+              <a:buChar char="•"/>
+            </a:pPr>
+            <a:r>
+              <a:rPr lang="de-DE" dirty="0"/>
+              <a:t>Transaction</a:t>
+            </a:r>
+          </a:p>
+          <a:p>
+            <a:pPr marL="285750" indent="-285750">
+              <a:buFont typeface="Arial" panose="020B0604020202020204" pitchFamily="34" charset="0"/>
+              <a:buChar char="•"/>
+            </a:pPr>
+            <a:r>
+              <a:rPr lang="de-DE" dirty="0"/>
+              <a:t>Price</a:t>
+            </a:r>
+          </a:p>
+          <a:p>
+            <a:pPr marL="285750" indent="-285750">
+              <a:buFont typeface="Arial" panose="020B0604020202020204" pitchFamily="34" charset="0"/>
+              <a:buChar char="•"/>
+            </a:pPr>
+            <a:r>
+              <a:rPr lang="de-DE" dirty="0"/>
+              <a:t>DB</a:t>
+            </a:r>
+          </a:p>
+        </p:txBody>
+      </p:sp>
+    </p:spTree>
+    <p:extLst>
+      <p:ext uri="{BB962C8B-B14F-4D97-AF65-F5344CB8AC3E}">
+        <p14:creationId xmlns:p14="http://schemas.microsoft.com/office/powerpoint/2010/main" val="2059934761"/>
+      </p:ext>
+    </p:extLst>
+  </p:cSld>
+  <p:clrMapOvr>
+    <a:masterClrMapping/>
+  </p:clrMapOvr>
+</p:sld>
+</file>
+
+<file path=ppt/slides/slide15.xml><?xml version="1.0" encoding="utf-8"?>
+<p:sld xmlns:a="http://schemas.openxmlformats.org/drawingml/2006/main" xmlns:r="http://schemas.openxmlformats.org/officeDocument/2006/relationships" xmlns:p="http://schemas.openxmlformats.org/presentationml/2006/main">
+  <p:cSld>
+    <p:spTree>
+      <p:nvGrpSpPr>
+        <p:cNvPr id="1" name=""/>
+        <p:cNvGrpSpPr/>
+        <p:nvPr/>
+      </p:nvGrpSpPr>
+      <p:grpSpPr>
+        <a:xfrm>
+          <a:off x="0" y="0"/>
+          <a:ext cx="0" cy="0"/>
+          <a:chOff x="0" y="0"/>
+          <a:chExt cx="0" cy="0"/>
+        </a:xfrm>
+      </p:grpSpPr>
+      <p:sp>
+        <p:nvSpPr>
+          <p:cNvPr id="2" name="Titel 1">
+            <a:extLst>
+              <a:ext uri="{FF2B5EF4-FFF2-40B4-BE49-F238E27FC236}">
+                <a16:creationId xmlns:a16="http://schemas.microsoft.com/office/drawing/2014/main" id="{5BB69036-77D6-530B-E836-EB351419F423}"/>
+              </a:ext>
+            </a:extLst>
+          </p:cNvPr>
+          <p:cNvSpPr>
+            <a:spLocks noGrp="1"/>
+          </p:cNvSpPr>
+          <p:nvPr>
+            <p:ph type="title"/>
+          </p:nvPr>
+        </p:nvSpPr>
+        <p:spPr/>
+        <p:txBody>
+          <a:bodyPr/>
+          <a:lstStyle/>
+          <a:p>
+            <a:r>
+              <a:rPr lang="en-US" dirty="0" err="1"/>
+              <a:t>Gemeinsames</a:t>
+            </a:r>
+            <a:r>
+              <a:rPr lang="en-US" dirty="0"/>
+              <a:t> Teil</a:t>
+            </a:r>
+            <a:endParaRPr lang="de-DE" dirty="0"/>
+          </a:p>
+        </p:txBody>
+      </p:sp>
+      <p:pic>
+        <p:nvPicPr>
+          <p:cNvPr id="5" name="Grafik 4" descr="Ein Bild, das Text, Gerät enthält.&#10;&#10;Automatisch generierte Beschreibung">
+            <a:extLst>
+              <a:ext uri="{FF2B5EF4-FFF2-40B4-BE49-F238E27FC236}">
+                <a16:creationId xmlns:a16="http://schemas.microsoft.com/office/drawing/2014/main" id="{D3D0FCB3-2978-ADA3-1536-18C1DC6E7619}"/>
+              </a:ext>
+            </a:extLst>
+          </p:cNvPr>
+          <p:cNvPicPr>
+            <a:picLocks noChangeAspect="1"/>
+          </p:cNvPicPr>
+          <p:nvPr/>
+        </p:nvPicPr>
+        <p:blipFill>
+          <a:blip r:embed="rId3">
+            <a:extLst>
+              <a:ext uri="{28A0092B-C50C-407E-A947-70E740481C1C}">
+                <a14:useLocalDpi xmlns:a14="http://schemas.microsoft.com/office/drawing/2010/main" val="0"/>
+              </a:ext>
+            </a:extLst>
+          </a:blip>
+          <a:stretch>
+            <a:fillRect/>
+          </a:stretch>
+        </p:blipFill>
+        <p:spPr>
+          <a:xfrm>
+            <a:off x="5352545" y="293204"/>
+            <a:ext cx="6249789" cy="6271591"/>
+          </a:xfrm>
+          <a:prstGeom prst="rect">
+            <a:avLst/>
+          </a:prstGeom>
+        </p:spPr>
+      </p:pic>
+    </p:spTree>
+    <p:extLst>
+      <p:ext uri="{BB962C8B-B14F-4D97-AF65-F5344CB8AC3E}">
+        <p14:creationId xmlns:p14="http://schemas.microsoft.com/office/powerpoint/2010/main" val="3619845220"/>
+      </p:ext>
+    </p:extLst>
+  </p:cSld>
+  <p:clrMapOvr>
+    <a:masterClrMapping/>
+  </p:clrMapOvr>
+</p:sld>
+</file>
+
+<file path=ppt/slides/slide16.xml><?xml version="1.0" encoding="utf-8"?>
+<p:sld xmlns:a="http://schemas.openxmlformats.org/drawingml/2006/main" xmlns:r="http://schemas.openxmlformats.org/officeDocument/2006/relationships" xmlns:p="http://schemas.openxmlformats.org/presentationml/2006/main">
+  <p:cSld>
+    <p:spTree>
+      <p:nvGrpSpPr>
+        <p:cNvPr id="1" name=""/>
+        <p:cNvGrpSpPr/>
+        <p:nvPr/>
+      </p:nvGrpSpPr>
+      <p:grpSpPr>
+        <a:xfrm>
+          <a:off x="0" y="0"/>
+          <a:ext cx="0" cy="0"/>
+          <a:chOff x="0" y="0"/>
+          <a:chExt cx="0" cy="0"/>
+        </a:xfrm>
+      </p:grpSpPr>
+      <p:sp>
+        <p:nvSpPr>
+          <p:cNvPr id="2" name="Titel 1">
+            <a:extLst>
+              <a:ext uri="{FF2B5EF4-FFF2-40B4-BE49-F238E27FC236}">
+                <a16:creationId xmlns:a16="http://schemas.microsoft.com/office/drawing/2014/main" id="{28EFFAFE-DBB5-194A-D161-E5FEB2CE4DD1}"/>
+              </a:ext>
+            </a:extLst>
+          </p:cNvPr>
+          <p:cNvSpPr>
+            <a:spLocks noGrp="1"/>
+          </p:cNvSpPr>
+          <p:nvPr>
+            <p:ph type="title"/>
+          </p:nvPr>
+        </p:nvSpPr>
+        <p:spPr>
+          <a:xfrm>
+            <a:off x="397565" y="349580"/>
+            <a:ext cx="10515600" cy="1325563"/>
+          </a:xfrm>
+        </p:spPr>
+        <p:txBody>
+          <a:bodyPr/>
+          <a:lstStyle/>
+          <a:p>
+            <a:r>
+              <a:rPr lang="de-DE" dirty="0" err="1"/>
+              <a:t>Standalone</a:t>
+            </a:r>
+            <a:r>
+              <a:rPr lang="de-DE" dirty="0"/>
+              <a:t> mit </a:t>
+            </a:r>
+            <a:br>
+              <a:rPr lang="de-DE" dirty="0"/>
+            </a:br>
+            <a:r>
+              <a:rPr lang="de-DE" dirty="0"/>
+              <a:t>Datenbank</a:t>
+            </a:r>
+          </a:p>
+        </p:txBody>
+      </p:sp>
+      <p:pic>
+        <p:nvPicPr>
+          <p:cNvPr id="5" name="Grafik 4">
+            <a:extLst>
+              <a:ext uri="{FF2B5EF4-FFF2-40B4-BE49-F238E27FC236}">
+                <a16:creationId xmlns:a16="http://schemas.microsoft.com/office/drawing/2014/main" id="{5066DC1B-69C0-43E1-E499-C964E3D7A0F4}"/>
+              </a:ext>
+            </a:extLst>
+          </p:cNvPr>
+          <p:cNvPicPr>
+            <a:picLocks noChangeAspect="1"/>
+          </p:cNvPicPr>
+          <p:nvPr/>
+        </p:nvPicPr>
+        <p:blipFill>
+          <a:blip r:embed="rId2">
+            <a:extLst>
+              <a:ext uri="{28A0092B-C50C-407E-A947-70E740481C1C}">
+                <a14:useLocalDpi xmlns:a14="http://schemas.microsoft.com/office/drawing/2010/main" val="0"/>
+              </a:ext>
+            </a:extLst>
+          </a:blip>
+          <a:stretch>
+            <a:fillRect/>
+          </a:stretch>
+        </p:blipFill>
+        <p:spPr>
+          <a:xfrm>
+            <a:off x="5257800" y="349580"/>
+            <a:ext cx="6172200" cy="6158840"/>
+          </a:xfrm>
+          <a:prstGeom prst="rect">
+            <a:avLst/>
+          </a:prstGeom>
+        </p:spPr>
+      </p:pic>
+      <p:sp>
+        <p:nvSpPr>
+          <p:cNvPr id="3" name="Textfeld 2">
+            <a:extLst>
+              <a:ext uri="{FF2B5EF4-FFF2-40B4-BE49-F238E27FC236}">
+                <a16:creationId xmlns:a16="http://schemas.microsoft.com/office/drawing/2014/main" id="{1D1157B5-D298-FA55-74D7-1EB26B95D153}"/>
+              </a:ext>
+            </a:extLst>
+          </p:cNvPr>
+          <p:cNvSpPr txBox="1"/>
+          <p:nvPr/>
+        </p:nvSpPr>
+        <p:spPr>
+          <a:xfrm>
+            <a:off x="536713" y="1888435"/>
+            <a:ext cx="4721087" cy="369332"/>
+          </a:xfrm>
+          <a:prstGeom prst="rect">
+            <a:avLst/>
+          </a:prstGeom>
+          <a:noFill/>
+        </p:spPr>
+        <p:txBody>
+          <a:bodyPr wrap="square" rtlCol="0">
+            <a:spAutoFit/>
+          </a:bodyPr>
+          <a:lstStyle/>
+          <a:p>
+            <a:pPr marL="285750" indent="-285750">
+              <a:buFont typeface="Arial" panose="020B0604020202020204" pitchFamily="34" charset="0"/>
+              <a:buChar char="•"/>
+            </a:pPr>
+            <a:r>
+              <a:rPr lang="en-US" dirty="0"/>
+              <a:t>Alle </a:t>
+            </a:r>
+            <a:r>
+              <a:rPr lang="en-US" dirty="0" err="1"/>
+              <a:t>Schnittstellen</a:t>
+            </a:r>
+            <a:r>
+              <a:rPr lang="en-US" dirty="0"/>
+              <a:t> </a:t>
+            </a:r>
+            <a:r>
+              <a:rPr lang="en-US" dirty="0" err="1"/>
+              <a:t>sind</a:t>
+            </a:r>
+            <a:r>
+              <a:rPr lang="en-US" dirty="0"/>
+              <a:t> “</a:t>
+            </a:r>
+            <a:r>
+              <a:rPr lang="en-US" dirty="0" err="1"/>
+              <a:t>echt</a:t>
+            </a:r>
+            <a:r>
+              <a:rPr lang="en-US" dirty="0"/>
+              <a:t>” </a:t>
+            </a:r>
+            <a:endParaRPr lang="de-DE" dirty="0"/>
+          </a:p>
+        </p:txBody>
+      </p:sp>
+    </p:spTree>
+    <p:extLst>
+      <p:ext uri="{BB962C8B-B14F-4D97-AF65-F5344CB8AC3E}">
+        <p14:creationId xmlns:p14="http://schemas.microsoft.com/office/powerpoint/2010/main" val="1377147233"/>
+      </p:ext>
+    </p:extLst>
+  </p:cSld>
+  <p:clrMapOvr>
+    <a:masterClrMapping/>
+  </p:clrMapOvr>
+</p:sld>
+</file>
+
+<file path=ppt/slides/slide17.xml><?xml version="1.0" encoding="utf-8"?>
+<p:sld xmlns:a="http://schemas.openxmlformats.org/drawingml/2006/main" xmlns:r="http://schemas.openxmlformats.org/officeDocument/2006/relationships" xmlns:p="http://schemas.openxmlformats.org/presentationml/2006/main">
+  <p:cSld>
+    <p:spTree>
+      <p:nvGrpSpPr>
+        <p:cNvPr id="1" name=""/>
+        <p:cNvGrpSpPr/>
+        <p:nvPr/>
+      </p:nvGrpSpPr>
+      <p:grpSpPr>
+        <a:xfrm>
+          <a:off x="0" y="0"/>
+          <a:ext cx="0" cy="0"/>
+          <a:chOff x="0" y="0"/>
+          <a:chExt cx="0" cy="0"/>
+        </a:xfrm>
+      </p:grpSpPr>
+      <p:sp>
+        <p:nvSpPr>
           <p:cNvPr id="4" name="Titel 1">
             <a:extLst>
               <a:ext uri="{FF2B5EF4-FFF2-40B4-BE49-F238E27FC236}">
@@ -4804,7 +6493,7 @@
           <p:nvPr/>
         </p:nvPicPr>
         <p:blipFill>
-          <a:blip r:embed="rId2">
+          <a:blip r:embed="rId3">
             <a:extLst>
               <a:ext uri="{28A0092B-C50C-407E-A947-70E740481C1C}">
                 <a14:useLocalDpi xmlns:a14="http://schemas.microsoft.com/office/drawing/2010/main" val="0"/>
@@ -4825,6 +6514,55 @@
           </a:prstGeom>
         </p:spPr>
       </p:pic>
+      <p:sp>
+        <p:nvSpPr>
+          <p:cNvPr id="2" name="Textfeld 1">
+            <a:extLst>
+              <a:ext uri="{FF2B5EF4-FFF2-40B4-BE49-F238E27FC236}">
+                <a16:creationId xmlns:a16="http://schemas.microsoft.com/office/drawing/2014/main" id="{9A11F5DC-64CC-FD1B-F255-FB2EC4A7186B}"/>
+              </a:ext>
+            </a:extLst>
+          </p:cNvPr>
+          <p:cNvSpPr txBox="1"/>
+          <p:nvPr/>
+        </p:nvSpPr>
+        <p:spPr>
+          <a:xfrm>
+            <a:off x="397565" y="1794013"/>
+            <a:ext cx="3399183" cy="923330"/>
+          </a:xfrm>
+          <a:prstGeom prst="rect">
+            <a:avLst/>
+          </a:prstGeom>
+          <a:noFill/>
+        </p:spPr>
+        <p:txBody>
+          <a:bodyPr wrap="square" rtlCol="0">
+            <a:spAutoFit/>
+          </a:bodyPr>
+          <a:lstStyle/>
+          <a:p>
+            <a:pPr marL="285750" indent="-285750">
+              <a:buFont typeface="Arial" panose="020B0604020202020204" pitchFamily="34" charset="0"/>
+              <a:buChar char="•"/>
+            </a:pPr>
+            <a:r>
+              <a:rPr lang="de-DE" dirty="0"/>
+              <a:t>Alle Schnittstellen werden gebraucht </a:t>
+            </a:r>
+          </a:p>
+          <a:p>
+            <a:pPr marL="285750" indent="-285750">
+              <a:buFont typeface="Arial" panose="020B0604020202020204" pitchFamily="34" charset="0"/>
+              <a:buChar char="•"/>
+            </a:pPr>
+            <a:r>
+              <a:rPr lang="de-DE" dirty="0"/>
+              <a:t>manche werden simuliert</a:t>
+            </a:r>
+          </a:p>
+        </p:txBody>
+      </p:sp>
     </p:spTree>
     <p:extLst>
       <p:ext uri="{BB962C8B-B14F-4D97-AF65-F5344CB8AC3E}">
@@ -4838,7 +6576,7 @@
 </p:sld>
 </file>
 
-<file path=ppt/slides/slide12.xml><?xml version="1.0" encoding="utf-8"?>
+<file path=ppt/slides/slide18.xml><?xml version="1.0" encoding="utf-8"?>
 <p:sld xmlns:a="http://schemas.openxmlformats.org/drawingml/2006/main" xmlns:r="http://schemas.openxmlformats.org/officeDocument/2006/relationships" xmlns:p="http://schemas.openxmlformats.org/presentationml/2006/main">
   <p:cSld>
     <p:spTree>
@@ -4994,7 +6732,7 @@
 </p:sld>
 </file>
 
-<file path=ppt/slides/slide13.xml><?xml version="1.0" encoding="utf-8"?>
+<file path=ppt/slides/slide19.xml><?xml version="1.0" encoding="utf-8"?>
 <p:sld xmlns:a="http://schemas.openxmlformats.org/drawingml/2006/main" xmlns:r="http://schemas.openxmlformats.org/officeDocument/2006/relationships" xmlns:p="http://schemas.openxmlformats.org/presentationml/2006/main">
   <p:cSld>
     <p:spTree>
@@ -5150,7 +6888,162 @@
 </p:sld>
 </file>
 
-<file path=ppt/slides/slide14.xml><?xml version="1.0" encoding="utf-8"?>
+<file path=ppt/slides/slide2.xml><?xml version="1.0" encoding="utf-8"?>
+<p:sld xmlns:a="http://schemas.openxmlformats.org/drawingml/2006/main" xmlns:r="http://schemas.openxmlformats.org/officeDocument/2006/relationships" xmlns:p="http://schemas.openxmlformats.org/presentationml/2006/main">
+  <p:cSld>
+    <p:spTree>
+      <p:nvGrpSpPr>
+        <p:cNvPr id="1" name=""/>
+        <p:cNvGrpSpPr/>
+        <p:nvPr/>
+      </p:nvGrpSpPr>
+      <p:grpSpPr>
+        <a:xfrm>
+          <a:off x="0" y="0"/>
+          <a:ext cx="0" cy="0"/>
+          <a:chOff x="0" y="0"/>
+          <a:chExt cx="0" cy="0"/>
+        </a:xfrm>
+      </p:grpSpPr>
+      <p:sp>
+        <p:nvSpPr>
+          <p:cNvPr id="2" name="Titel 1">
+            <a:extLst>
+              <a:ext uri="{FF2B5EF4-FFF2-40B4-BE49-F238E27FC236}">
+                <a16:creationId xmlns:a16="http://schemas.microsoft.com/office/drawing/2014/main" id="{59C390F1-BAA3-04A9-476B-8095C8757ECC}"/>
+              </a:ext>
+            </a:extLst>
+          </p:cNvPr>
+          <p:cNvSpPr>
+            <a:spLocks noGrp="1"/>
+          </p:cNvSpPr>
+          <p:nvPr>
+            <p:ph type="title"/>
+          </p:nvPr>
+        </p:nvSpPr>
+        <p:spPr/>
+        <p:txBody>
+          <a:bodyPr/>
+          <a:lstStyle/>
+          <a:p>
+            <a:r>
+              <a:rPr lang="en-US" dirty="0"/>
+              <a:t>Plan</a:t>
+            </a:r>
+            <a:endParaRPr lang="de-DE" dirty="0"/>
+          </a:p>
+        </p:txBody>
+      </p:sp>
+      <p:sp>
+        <p:nvSpPr>
+          <p:cNvPr id="3" name="Inhaltsplatzhalter 2">
+            <a:extLst>
+              <a:ext uri="{FF2B5EF4-FFF2-40B4-BE49-F238E27FC236}">
+                <a16:creationId xmlns:a16="http://schemas.microsoft.com/office/drawing/2014/main" id="{404B9181-B681-8A7C-2674-AC742820099A}"/>
+              </a:ext>
+            </a:extLst>
+          </p:cNvPr>
+          <p:cNvSpPr>
+            <a:spLocks noGrp="1"/>
+          </p:cNvSpPr>
+          <p:nvPr>
+            <p:ph idx="1"/>
+          </p:nvPr>
+        </p:nvSpPr>
+        <p:spPr>
+          <a:xfrm>
+            <a:off x="844420" y="1838065"/>
+            <a:ext cx="10515600" cy="4351338"/>
+          </a:xfrm>
+        </p:spPr>
+        <p:txBody>
+          <a:bodyPr/>
+          <a:lstStyle/>
+          <a:p>
+            <a:r>
+              <a:rPr lang="en-US" dirty="0" err="1"/>
+              <a:t>Einleitung</a:t>
+            </a:r>
+            <a:endParaRPr lang="ru-RU" dirty="0"/>
+          </a:p>
+          <a:p>
+            <a:r>
+              <a:rPr lang="en-US" dirty="0"/>
+              <a:t>Definition der Software-</a:t>
+            </a:r>
+            <a:r>
+              <a:rPr lang="en-US" dirty="0" err="1"/>
+              <a:t>Architektur</a:t>
+            </a:r>
+            <a:endParaRPr lang="en-US" dirty="0"/>
+          </a:p>
+          <a:p>
+            <a:r>
+              <a:rPr lang="en-US" dirty="0"/>
+              <a:t>Motivation</a:t>
+            </a:r>
+          </a:p>
+          <a:p>
+            <a:r>
+              <a:rPr lang="en-US" dirty="0"/>
+              <a:t>Allgemeine </a:t>
+            </a:r>
+            <a:r>
+              <a:rPr lang="en-US" dirty="0" err="1"/>
+              <a:t>Architektur</a:t>
+            </a:r>
+            <a:endParaRPr lang="en-US" dirty="0"/>
+          </a:p>
+          <a:p>
+            <a:r>
+              <a:rPr lang="en-US" dirty="0" err="1"/>
+              <a:t>Anwendung</a:t>
+            </a:r>
+            <a:r>
+              <a:rPr lang="en-US" dirty="0"/>
+              <a:t> der </a:t>
+            </a:r>
+            <a:r>
+              <a:rPr lang="en-US" dirty="0" err="1"/>
+              <a:t>allgemeinen</a:t>
+            </a:r>
+            <a:r>
+              <a:rPr lang="en-US" dirty="0"/>
+              <a:t> </a:t>
+            </a:r>
+            <a:r>
+              <a:rPr lang="en-US" dirty="0" err="1"/>
+              <a:t>Architektur</a:t>
+            </a:r>
+            <a:endParaRPr lang="en-US" dirty="0"/>
+          </a:p>
+          <a:p>
+            <a:r>
+              <a:rPr lang="en-US" dirty="0" err="1"/>
+              <a:t>Ergebnis</a:t>
+            </a:r>
+            <a:r>
+              <a:rPr lang="en-US" dirty="0"/>
+              <a:t> </a:t>
+            </a:r>
+            <a:endParaRPr lang="de-DE" dirty="0"/>
+          </a:p>
+        </p:txBody>
+      </p:sp>
+    </p:spTree>
+    <p:extLst>
+      <p:ext uri="{BB962C8B-B14F-4D97-AF65-F5344CB8AC3E}">
+        <p14:creationId xmlns:p14="http://schemas.microsoft.com/office/powerpoint/2010/main" val="86821525"/>
+      </p:ext>
+    </p:extLst>
+  </p:cSld>
+  <p:clrMapOvr>
+    <a:masterClrMapping/>
+  </p:clrMapOvr>
+</p:sld>
+</file>
+
+<file path=ppt/slides/slide20.xml><?xml version="1.0" encoding="utf-8"?>
 <p:sld xmlns:a="http://schemas.openxmlformats.org/drawingml/2006/main" xmlns:r="http://schemas.openxmlformats.org/officeDocument/2006/relationships" xmlns:p="http://schemas.openxmlformats.org/presentationml/2006/main">
   <p:cSld>
     <p:spTree>
@@ -5669,7 +7562,7 @@
 </p:sld>
 </file>
 
-<file path=ppt/slides/slide2.xml><?xml version="1.0" encoding="utf-8"?>
+<file path=ppt/slides/slide21.xml><?xml version="1.0" encoding="utf-8"?>
 <p:sld xmlns:a="http://schemas.openxmlformats.org/drawingml/2006/main" xmlns:r="http://schemas.openxmlformats.org/officeDocument/2006/relationships" xmlns:p="http://schemas.openxmlformats.org/presentationml/2006/main">
   <p:cSld>
     <p:spTree>
@@ -5691,7 +7584,7 @@
           <p:cNvPr id="2" name="Titel 1">
             <a:extLst>
               <a:ext uri="{FF2B5EF4-FFF2-40B4-BE49-F238E27FC236}">
-                <a16:creationId xmlns:a16="http://schemas.microsoft.com/office/drawing/2014/main" id="{59C390F1-BAA3-04A9-476B-8095C8757ECC}"/>
+                <a16:creationId xmlns:a16="http://schemas.microsoft.com/office/drawing/2014/main" id="{3A09CD11-0CD8-2700-871D-B1D0010FD449}"/>
               </a:ext>
             </a:extLst>
           </p:cNvPr>
@@ -5708,131 +7601,310 @@
           <a:lstStyle/>
           <a:p>
             <a:r>
-              <a:rPr lang="en-US" dirty="0"/>
-              <a:t>Plan</a:t>
-            </a:r>
-            <a:endParaRPr lang="de-DE" dirty="0"/>
-          </a:p>
-        </p:txBody>
-      </p:sp>
-      <p:sp>
-        <p:nvSpPr>
-          <p:cNvPr id="3" name="Inhaltsplatzhalter 2">
-            <a:extLst>
-              <a:ext uri="{FF2B5EF4-FFF2-40B4-BE49-F238E27FC236}">
-                <a16:creationId xmlns:a16="http://schemas.microsoft.com/office/drawing/2014/main" id="{404B9181-B681-8A7C-2674-AC742820099A}"/>
-              </a:ext>
-            </a:extLst>
-          </p:cNvPr>
-          <p:cNvSpPr>
-            <a:spLocks noGrp="1"/>
-          </p:cNvSpPr>
+              <a:rPr lang="de-DE" dirty="0"/>
+              <a:t>Ergebnis	</a:t>
+            </a:r>
+          </a:p>
+        </p:txBody>
+      </p:sp>
+      <p:graphicFrame>
+        <p:nvGraphicFramePr>
+          <p:cNvPr id="4" name="Tabelle 4">
+            <a:extLst>
+              <a:ext uri="{FF2B5EF4-FFF2-40B4-BE49-F238E27FC236}">
+                <a16:creationId xmlns:a16="http://schemas.microsoft.com/office/drawing/2014/main" id="{F21EEBE6-EE02-2418-C5BF-4906B9BEFC90}"/>
+              </a:ext>
+            </a:extLst>
+          </p:cNvPr>
+          <p:cNvGraphicFramePr>
+            <a:graphicFrameLocks noGrp="1"/>
+          </p:cNvGraphicFramePr>
           <p:nvPr>
             <p:ph idx="1"/>
-          </p:nvPr>
-        </p:nvSpPr>
-        <p:spPr>
-          <a:xfrm>
-            <a:off x="844420" y="1838065"/>
-            <a:ext cx="10515600" cy="4351338"/>
-          </a:xfrm>
-        </p:spPr>
-        <p:txBody>
-          <a:bodyPr/>
-          <a:lstStyle/>
-          <a:p>
-            <a:r>
-              <a:rPr lang="en-US" dirty="0"/>
-              <a:t>Definition der Software-</a:t>
-            </a:r>
-            <a:r>
-              <a:rPr lang="en-US" dirty="0" err="1"/>
-              <a:t>Architektur</a:t>
-            </a:r>
-            <a:endParaRPr lang="en-US" dirty="0"/>
-          </a:p>
-          <a:p>
-            <a:r>
-              <a:rPr lang="en-US" dirty="0" err="1"/>
-              <a:t>Vordergrund</a:t>
-            </a:r>
-            <a:r>
-              <a:rPr lang="en-US" dirty="0"/>
-              <a:t>, </a:t>
-            </a:r>
-            <a:r>
-              <a:rPr lang="en-US" dirty="0" err="1"/>
-              <a:t>Gründe</a:t>
-            </a:r>
-            <a:r>
-              <a:rPr lang="en-US" dirty="0"/>
-              <a:t> </a:t>
-            </a:r>
-            <a:r>
-              <a:rPr lang="en-US" dirty="0" err="1"/>
-              <a:t>wieso</a:t>
-            </a:r>
-            <a:r>
-              <a:rPr lang="en-US" dirty="0"/>
-              <a:t> man das </a:t>
-            </a:r>
-            <a:r>
-              <a:rPr lang="en-US" dirty="0" err="1"/>
-              <a:t>treibt</a:t>
-            </a:r>
-            <a:endParaRPr lang="en-US" dirty="0"/>
-          </a:p>
-          <a:p>
-            <a:r>
-              <a:rPr lang="en-US" dirty="0"/>
-              <a:t>Allgemeine </a:t>
-            </a:r>
-            <a:r>
-              <a:rPr lang="en-US" dirty="0" err="1"/>
-              <a:t>Architektur</a:t>
-            </a:r>
-            <a:endParaRPr lang="en-US" dirty="0"/>
-          </a:p>
-          <a:p>
-            <a:r>
-              <a:rPr lang="en-US" dirty="0" err="1"/>
-              <a:t>Anwendung</a:t>
-            </a:r>
-            <a:r>
-              <a:rPr lang="en-US" dirty="0"/>
-              <a:t> der </a:t>
-            </a:r>
-            <a:r>
-              <a:rPr lang="en-US" dirty="0" err="1"/>
-              <a:t>allgemeinen</a:t>
-            </a:r>
-            <a:r>
-              <a:rPr lang="en-US" dirty="0"/>
-              <a:t> </a:t>
-            </a:r>
-            <a:r>
-              <a:rPr lang="en-US" dirty="0" err="1"/>
-              <a:t>Architektur</a:t>
-            </a:r>
-            <a:endParaRPr lang="en-US" dirty="0"/>
-          </a:p>
-          <a:p>
-            <a:r>
-              <a:rPr lang="en-US" dirty="0" err="1"/>
-              <a:t>Ergebnis</a:t>
-            </a:r>
-            <a:r>
-              <a:rPr lang="en-US" dirty="0"/>
-              <a:t> </a:t>
-            </a:r>
-            <a:endParaRPr lang="de-DE" dirty="0"/>
-          </a:p>
-        </p:txBody>
-      </p:sp>
+            <p:extLst>
+              <p:ext uri="{D42A27DB-BD31-4B8C-83A1-F6EECF244321}">
+                <p14:modId xmlns:p14="http://schemas.microsoft.com/office/powerpoint/2010/main" val="34420681"/>
+              </p:ext>
+            </p:extLst>
+          </p:nvPr>
+        </p:nvGraphicFramePr>
+        <p:xfrm>
+          <a:off x="838200" y="1825625"/>
+          <a:ext cx="10515600" cy="741680"/>
+        </p:xfrm>
+        <a:graphic>
+          <a:graphicData uri="http://schemas.openxmlformats.org/drawingml/2006/table">
+            <a:tbl>
+              <a:tblPr firstRow="1" bandRow="1">
+                <a:tableStyleId>{5C22544A-7EE6-4342-B048-85BDC9FD1C3A}</a:tableStyleId>
+              </a:tblPr>
+              <a:tblGrid>
+                <a:gridCol w="972140">
+                  <a:extLst>
+                    <a:ext uri="{9D8B030D-6E8A-4147-A177-3AD203B41FA5}">
+                      <a16:colId xmlns:a16="http://schemas.microsoft.com/office/drawing/2014/main" val="1138678718"/>
+                    </a:ext>
+                  </a:extLst>
+                </a:gridCol>
+                <a:gridCol w="2385865">
+                  <a:extLst>
+                    <a:ext uri="{9D8B030D-6E8A-4147-A177-3AD203B41FA5}">
+                      <a16:colId xmlns:a16="http://schemas.microsoft.com/office/drawing/2014/main" val="156376825"/>
+                    </a:ext>
+                  </a:extLst>
+                </a:gridCol>
+                <a:gridCol w="2385865">
+                  <a:extLst>
+                    <a:ext uri="{9D8B030D-6E8A-4147-A177-3AD203B41FA5}">
+                      <a16:colId xmlns:a16="http://schemas.microsoft.com/office/drawing/2014/main" val="3476737053"/>
+                    </a:ext>
+                  </a:extLst>
+                </a:gridCol>
+                <a:gridCol w="1697226">
+                  <a:extLst>
+                    <a:ext uri="{9D8B030D-6E8A-4147-A177-3AD203B41FA5}">
+                      <a16:colId xmlns:a16="http://schemas.microsoft.com/office/drawing/2014/main" val="54988391"/>
+                    </a:ext>
+                  </a:extLst>
+                </a:gridCol>
+                <a:gridCol w="3074504">
+                  <a:extLst>
+                    <a:ext uri="{9D8B030D-6E8A-4147-A177-3AD203B41FA5}">
+                      <a16:colId xmlns:a16="http://schemas.microsoft.com/office/drawing/2014/main" val="3732990246"/>
+                    </a:ext>
+                  </a:extLst>
+                </a:gridCol>
+              </a:tblGrid>
+              <a:tr h="370840">
+                <a:tc>
+                  <a:txBody>
+                    <a:bodyPr/>
+                    <a:lstStyle/>
+                    <a:p>
+                      <a:endParaRPr lang="de-DE"/>
+                    </a:p>
+                  </a:txBody>
+                  <a:tcPr/>
+                </a:tc>
+                <a:tc>
+                  <a:txBody>
+                    <a:bodyPr/>
+                    <a:lstStyle/>
+                    <a:p>
+                      <a:r>
+                        <a:rPr lang="de-DE" dirty="0"/>
+                        <a:t>Unittests</a:t>
+                      </a:r>
+                    </a:p>
+                  </a:txBody>
+                  <a:tcPr/>
+                </a:tc>
+                <a:tc>
+                  <a:txBody>
+                    <a:bodyPr/>
+                    <a:lstStyle/>
+                    <a:p>
+                      <a:r>
+                        <a:rPr lang="de-DE" dirty="0"/>
+                        <a:t>Integrationstests</a:t>
+                      </a:r>
+                    </a:p>
+                  </a:txBody>
+                  <a:tcPr/>
+                </a:tc>
+                <a:tc>
+                  <a:txBody>
+                    <a:bodyPr/>
+                    <a:lstStyle/>
+                    <a:p>
+                      <a:r>
+                        <a:rPr lang="de-DE" dirty="0"/>
+                        <a:t>Systemtests</a:t>
+                      </a:r>
+                    </a:p>
+                  </a:txBody>
+                  <a:tcPr/>
+                </a:tc>
+                <a:tc>
+                  <a:txBody>
+                    <a:bodyPr/>
+                    <a:lstStyle/>
+                    <a:p>
+                      <a:r>
+                        <a:rPr lang="de-DE" dirty="0"/>
+                        <a:t>UI-Tests</a:t>
+                      </a:r>
+                    </a:p>
+                  </a:txBody>
+                  <a:tcPr/>
+                </a:tc>
+                <a:extLst>
+                  <a:ext uri="{0D108BD9-81ED-4DB2-BD59-A6C34878D82A}">
+                    <a16:rowId xmlns:a16="http://schemas.microsoft.com/office/drawing/2014/main" val="1930749777"/>
+                  </a:ext>
+                </a:extLst>
+              </a:tr>
+              <a:tr h="370840">
+                <a:tc>
+                  <a:txBody>
+                    <a:bodyPr/>
+                    <a:lstStyle/>
+                    <a:p>
+                      <a:r>
+                        <a:rPr lang="de-DE" dirty="0"/>
+                        <a:t>Anzahl</a:t>
+                      </a:r>
+                    </a:p>
+                  </a:txBody>
+                  <a:tcPr/>
+                </a:tc>
+                <a:tc>
+                  <a:txBody>
+                    <a:bodyPr/>
+                    <a:lstStyle/>
+                    <a:p>
+                      <a:r>
+                        <a:rPr lang="de-DE" dirty="0"/>
+                        <a:t>Etwa 650</a:t>
+                      </a:r>
+                    </a:p>
+                  </a:txBody>
+                  <a:tcPr/>
+                </a:tc>
+                <a:tc>
+                  <a:txBody>
+                    <a:bodyPr/>
+                    <a:lstStyle/>
+                    <a:p>
+                      <a:r>
+                        <a:rPr lang="de-DE" dirty="0"/>
+                        <a:t>Etwa 150</a:t>
+                      </a:r>
+                    </a:p>
+                  </a:txBody>
+                  <a:tcPr/>
+                </a:tc>
+                <a:tc>
+                  <a:txBody>
+                    <a:bodyPr/>
+                    <a:lstStyle/>
+                    <a:p>
+                      <a:r>
+                        <a:rPr lang="de-DE" dirty="0"/>
+                        <a:t>2</a:t>
+                      </a:r>
+                    </a:p>
+                  </a:txBody>
+                  <a:tcPr/>
+                </a:tc>
+                <a:tc>
+                  <a:txBody>
+                    <a:bodyPr/>
+                    <a:lstStyle/>
+                    <a:p>
+                      <a:r>
+                        <a:rPr lang="de-DE" dirty="0"/>
+                        <a:t>0 (UI ist nicht vorhanden)</a:t>
+                      </a:r>
+                    </a:p>
+                  </a:txBody>
+                  <a:tcPr/>
+                </a:tc>
+                <a:extLst>
+                  <a:ext uri="{0D108BD9-81ED-4DB2-BD59-A6C34878D82A}">
+                    <a16:rowId xmlns:a16="http://schemas.microsoft.com/office/drawing/2014/main" val="3634895759"/>
+                  </a:ext>
+                </a:extLst>
+              </a:tr>
+            </a:tbl>
+          </a:graphicData>
+        </a:graphic>
+      </p:graphicFrame>
     </p:spTree>
     <p:extLst>
       <p:ext uri="{BB962C8B-B14F-4D97-AF65-F5344CB8AC3E}">
-        <p14:creationId xmlns:p14="http://schemas.microsoft.com/office/powerpoint/2010/main" val="86821525"/>
+        <p14:creationId xmlns:p14="http://schemas.microsoft.com/office/powerpoint/2010/main" val="295464810"/>
+      </p:ext>
+    </p:extLst>
+  </p:cSld>
+  <p:clrMapOvr>
+    <a:masterClrMapping/>
+  </p:clrMapOvr>
+</p:sld>
+</file>
+
+<file path=ppt/slides/slide22.xml><?xml version="1.0" encoding="utf-8"?>
+<p:sld xmlns:a="http://schemas.openxmlformats.org/drawingml/2006/main" xmlns:r="http://schemas.openxmlformats.org/officeDocument/2006/relationships" xmlns:p="http://schemas.openxmlformats.org/presentationml/2006/main">
+  <p:cSld>
+    <p:spTree>
+      <p:nvGrpSpPr>
+        <p:cNvPr id="1" name=""/>
+        <p:cNvGrpSpPr/>
+        <p:nvPr/>
+      </p:nvGrpSpPr>
+      <p:grpSpPr>
+        <a:xfrm>
+          <a:off x="0" y="0"/>
+          <a:ext cx="0" cy="0"/>
+          <a:chOff x="0" y="0"/>
+          <a:chExt cx="0" cy="0"/>
+        </a:xfrm>
+      </p:grpSpPr>
+      <p:sp>
+        <p:nvSpPr>
+          <p:cNvPr id="2" name="Titel 1">
+            <a:extLst>
+              <a:ext uri="{FF2B5EF4-FFF2-40B4-BE49-F238E27FC236}">
+                <a16:creationId xmlns:a16="http://schemas.microsoft.com/office/drawing/2014/main" id="{C1EEADE9-47B0-4E93-B463-27AD325C1583}"/>
+              </a:ext>
+            </a:extLst>
+          </p:cNvPr>
+          <p:cNvSpPr>
+            <a:spLocks noGrp="1"/>
+          </p:cNvSpPr>
+          <p:nvPr>
+            <p:ph type="title"/>
+          </p:nvPr>
+        </p:nvSpPr>
+        <p:spPr>
+          <a:xfrm>
+            <a:off x="838200" y="2766218"/>
+            <a:ext cx="10515600" cy="1325563"/>
+          </a:xfrm>
+        </p:spPr>
+        <p:txBody>
+          <a:bodyPr/>
+          <a:lstStyle/>
+          <a:p>
+            <a:pPr algn="ctr"/>
+            <a:r>
+              <a:rPr lang="en-US" dirty="0" err="1"/>
+              <a:t>Danke</a:t>
+            </a:r>
+            <a:r>
+              <a:rPr lang="en-US" dirty="0"/>
+              <a:t> für </a:t>
+            </a:r>
+            <a:r>
+              <a:rPr lang="en-US" dirty="0" err="1"/>
+              <a:t>Ihre</a:t>
+            </a:r>
+            <a:r>
+              <a:rPr lang="en-US" dirty="0"/>
+              <a:t> </a:t>
+            </a:r>
+            <a:r>
+              <a:rPr lang="en-US" dirty="0" err="1"/>
+              <a:t>Aufmerksamkeit</a:t>
+            </a:r>
+            <a:endParaRPr lang="de-DE" dirty="0"/>
+          </a:p>
+        </p:txBody>
+      </p:sp>
+    </p:spTree>
+    <p:extLst>
+      <p:ext uri="{BB962C8B-B14F-4D97-AF65-F5344CB8AC3E}">
+        <p14:creationId xmlns:p14="http://schemas.microsoft.com/office/powerpoint/2010/main" val="3301169818"/>
       </p:ext>
     </p:extLst>
   </p:cSld>
@@ -5864,7 +7936,7 @@
           <p:cNvPr id="2" name="Titel 1">
             <a:extLst>
               <a:ext uri="{FF2B5EF4-FFF2-40B4-BE49-F238E27FC236}">
-                <a16:creationId xmlns:a16="http://schemas.microsoft.com/office/drawing/2014/main" id="{FD2369A3-02BE-BFFE-5FA0-A4733AA45D28}"/>
+                <a16:creationId xmlns:a16="http://schemas.microsoft.com/office/drawing/2014/main" id="{684A6DEC-1BAA-8C9F-5F19-C8C72A0878B9}"/>
               </a:ext>
             </a:extLst>
           </p:cNvPr>
@@ -5875,125 +7947,58 @@
             <p:ph type="title"/>
           </p:nvPr>
         </p:nvSpPr>
+        <p:spPr/>
+        <p:txBody>
+          <a:bodyPr/>
+          <a:lstStyle/>
+          <a:p>
+            <a:r>
+              <a:rPr lang="en-US" dirty="0" err="1"/>
+              <a:t>Einleitung</a:t>
+            </a:r>
+            <a:endParaRPr lang="de-DE" dirty="0"/>
+          </a:p>
+        </p:txBody>
+      </p:sp>
+      <p:pic>
+        <p:nvPicPr>
+          <p:cNvPr id="5" name="Inhaltsplatzhalter 4" descr="Ein Bild, das Text, Gerät, Messanzeige enthält.&#10;&#10;Automatisch generierte Beschreibung">
+            <a:extLst>
+              <a:ext uri="{FF2B5EF4-FFF2-40B4-BE49-F238E27FC236}">
+                <a16:creationId xmlns:a16="http://schemas.microsoft.com/office/drawing/2014/main" id="{F059C4C6-F060-1007-9FA6-C9C41B215122}"/>
+              </a:ext>
+            </a:extLst>
+          </p:cNvPr>
+          <p:cNvPicPr>
+            <a:picLocks noGrp="1" noChangeAspect="1"/>
+          </p:cNvPicPr>
+          <p:nvPr>
+            <p:ph idx="1"/>
+          </p:nvPr>
+        </p:nvPicPr>
+        <p:blipFill>
+          <a:blip r:embed="rId3">
+            <a:extLst>
+              <a:ext uri="{28A0092B-C50C-407E-A947-70E740481C1C}">
+                <a14:useLocalDpi xmlns:a14="http://schemas.microsoft.com/office/drawing/2010/main" val="0"/>
+              </a:ext>
+            </a:extLst>
+          </a:blip>
+          <a:stretch>
+            <a:fillRect/>
+          </a:stretch>
+        </p:blipFill>
         <p:spPr>
           <a:xfrm>
-            <a:off x="838200" y="371345"/>
-            <a:ext cx="10515600" cy="1325563"/>
+            <a:off x="1218519" y="2024580"/>
+            <a:ext cx="9754961" cy="3953427"/>
           </a:xfrm>
         </p:spPr>
-        <p:txBody>
-          <a:bodyPr/>
-          <a:lstStyle/>
-          <a:p>
-            <a:r>
-              <a:rPr lang="de-DE" dirty="0"/>
-              <a:t>Definition der Software-Architektur</a:t>
-            </a:r>
-          </a:p>
-        </p:txBody>
-      </p:sp>
-      <p:sp>
-        <p:nvSpPr>
-          <p:cNvPr id="3" name="Inhaltsplatzhalter 2">
-            <a:extLst>
-              <a:ext uri="{FF2B5EF4-FFF2-40B4-BE49-F238E27FC236}">
-                <a16:creationId xmlns:a16="http://schemas.microsoft.com/office/drawing/2014/main" id="{45D90FE4-845D-15C9-4028-D6509804E42E}"/>
-              </a:ext>
-            </a:extLst>
-          </p:cNvPr>
-          <p:cNvSpPr>
-            <a:spLocks noGrp="1"/>
-          </p:cNvSpPr>
-          <p:nvPr>
-            <p:ph idx="1"/>
-          </p:nvPr>
-        </p:nvSpPr>
-        <p:spPr/>
-        <p:txBody>
-          <a:bodyPr/>
-          <a:lstStyle/>
-          <a:p>
-            <a:r>
-              <a:rPr lang="en-US" b="0" i="1" dirty="0">
-                <a:effectLst/>
-                <a:latin typeface="Arial" panose="020B0604020202020204" pitchFamily="34" charset="0"/>
-              </a:rPr>
-              <a:t>The architecture of a software system is the shape given to that system by those who build it.</a:t>
-            </a:r>
-            <a:br>
-              <a:rPr lang="en-US" i="1" dirty="0"/>
-            </a:br>
-            <a:r>
-              <a:rPr lang="en-US" b="0" i="1" dirty="0">
-                <a:effectLst/>
-                <a:latin typeface="Arial" panose="020B0604020202020204" pitchFamily="34" charset="0"/>
-              </a:rPr>
-              <a:t>The form of that shape is in the division of that system into components, the arrangement of those</a:t>
-            </a:r>
-            <a:br>
-              <a:rPr lang="en-US" i="1" dirty="0"/>
-            </a:br>
-            <a:r>
-              <a:rPr lang="en-US" b="0" i="1" dirty="0">
-                <a:effectLst/>
-                <a:latin typeface="Arial" panose="020B0604020202020204" pitchFamily="34" charset="0"/>
-              </a:rPr>
-              <a:t>components, and the ways in which those components communicate with each other</a:t>
-            </a:r>
-            <a:r>
-              <a:rPr lang="en-US" b="0" i="0" dirty="0">
-                <a:effectLst/>
-                <a:latin typeface="Arial" panose="020B0604020202020204" pitchFamily="34" charset="0"/>
-              </a:rPr>
-              <a:t>.[</a:t>
-            </a:r>
-            <a:r>
-              <a:rPr lang="de-DE" b="0" i="0" dirty="0">
-                <a:effectLst/>
-                <a:latin typeface="Arial" panose="020B0604020202020204" pitchFamily="34" charset="0"/>
-              </a:rPr>
-              <a:t>Robert Martin</a:t>
-            </a:r>
-            <a:r>
-              <a:rPr lang="en-US" b="0" i="0" dirty="0">
-                <a:effectLst/>
-                <a:latin typeface="Arial" panose="020B0604020202020204" pitchFamily="34" charset="0"/>
-              </a:rPr>
-              <a:t>]</a:t>
-            </a:r>
-          </a:p>
-          <a:p>
-            <a:r>
-              <a:rPr lang="en-US" b="0" i="1" dirty="0">
-                <a:effectLst/>
-                <a:latin typeface="Arial" panose="020B0604020202020204" pitchFamily="34" charset="0"/>
-              </a:rPr>
-              <a:t>Architecture is the set of design decisions that must be made early in a project. </a:t>
-            </a:r>
-            <a:r>
-              <a:rPr lang="en-US" b="0" i="0" dirty="0">
-                <a:effectLst/>
-                <a:latin typeface="Arial" panose="020B0604020202020204" pitchFamily="34" charset="0"/>
-              </a:rPr>
-              <a:t>[Martin Fowler]</a:t>
-            </a:r>
-            <a:br>
-              <a:rPr lang="en-US" dirty="0"/>
-            </a:br>
-            <a:endParaRPr lang="en-US" b="0" i="0" dirty="0">
-              <a:effectLst/>
-              <a:latin typeface="Arial" panose="020B0604020202020204" pitchFamily="34" charset="0"/>
-            </a:endParaRPr>
-          </a:p>
-          <a:p>
-            <a:endParaRPr lang="de-DE" dirty="0"/>
-          </a:p>
-        </p:txBody>
-      </p:sp>
+      </p:pic>
     </p:spTree>
     <p:extLst>
       <p:ext uri="{BB962C8B-B14F-4D97-AF65-F5344CB8AC3E}">
-        <p14:creationId xmlns:p14="http://schemas.microsoft.com/office/powerpoint/2010/main" val="1777224005"/>
+        <p14:creationId xmlns:p14="http://schemas.microsoft.com/office/powerpoint/2010/main" val="2522110112"/>
       </p:ext>
     </p:extLst>
   </p:cSld>
@@ -6025,7 +8030,7 @@
           <p:cNvPr id="2" name="Titel 1">
             <a:extLst>
               <a:ext uri="{FF2B5EF4-FFF2-40B4-BE49-F238E27FC236}">
-                <a16:creationId xmlns:a16="http://schemas.microsoft.com/office/drawing/2014/main" id="{E7E6D779-288E-45CD-5836-4D9E832D7B5E}"/>
+                <a16:creationId xmlns:a16="http://schemas.microsoft.com/office/drawing/2014/main" id="{FD2369A3-02BE-BFFE-5FA0-A4733AA45D28}"/>
               </a:ext>
             </a:extLst>
           </p:cNvPr>
@@ -6036,57 +8041,125 @@
             <p:ph type="title"/>
           </p:nvPr>
         </p:nvSpPr>
-        <p:spPr/>
-        <p:txBody>
-          <a:bodyPr/>
-          <a:lstStyle/>
-          <a:p>
-            <a:r>
-              <a:rPr lang="de-DE" dirty="0"/>
-              <a:t>Gründe</a:t>
-            </a:r>
-          </a:p>
-        </p:txBody>
-      </p:sp>
-      <p:pic>
-        <p:nvPicPr>
-          <p:cNvPr id="5" name="Inhaltsplatzhalter 4">
-            <a:extLst>
-              <a:ext uri="{FF2B5EF4-FFF2-40B4-BE49-F238E27FC236}">
-                <a16:creationId xmlns:a16="http://schemas.microsoft.com/office/drawing/2014/main" id="{05323971-1C1C-AC7A-E21A-AB75523D7ACD}"/>
-              </a:ext>
-            </a:extLst>
-          </p:cNvPr>
-          <p:cNvPicPr>
-            <a:picLocks noGrp="1" noChangeAspect="1"/>
-          </p:cNvPicPr>
-          <p:nvPr>
-            <p:ph idx="1"/>
-          </p:nvPr>
-        </p:nvPicPr>
-        <p:blipFill>
-          <a:blip r:embed="rId3">
-            <a:extLst>
-              <a:ext uri="{28A0092B-C50C-407E-A947-70E740481C1C}">
-                <a14:useLocalDpi xmlns:a14="http://schemas.microsoft.com/office/drawing/2010/main" val="0"/>
-              </a:ext>
-            </a:extLst>
-          </a:blip>
-          <a:stretch>
-            <a:fillRect/>
-          </a:stretch>
-        </p:blipFill>
         <p:spPr>
           <a:xfrm>
-            <a:off x="2956288" y="1757535"/>
-            <a:ext cx="6279424" cy="3342930"/>
+            <a:off x="838200" y="371345"/>
+            <a:ext cx="10515600" cy="1325563"/>
           </a:xfrm>
         </p:spPr>
-      </p:pic>
+        <p:txBody>
+          <a:bodyPr/>
+          <a:lstStyle/>
+          <a:p>
+            <a:r>
+              <a:rPr lang="de-DE" dirty="0"/>
+              <a:t>Definition der Software-Architektur</a:t>
+            </a:r>
+          </a:p>
+        </p:txBody>
+      </p:sp>
+      <p:sp>
+        <p:nvSpPr>
+          <p:cNvPr id="3" name="Inhaltsplatzhalter 2">
+            <a:extLst>
+              <a:ext uri="{FF2B5EF4-FFF2-40B4-BE49-F238E27FC236}">
+                <a16:creationId xmlns:a16="http://schemas.microsoft.com/office/drawing/2014/main" id="{45D90FE4-845D-15C9-4028-D6509804E42E}"/>
+              </a:ext>
+            </a:extLst>
+          </p:cNvPr>
+          <p:cNvSpPr>
+            <a:spLocks noGrp="1"/>
+          </p:cNvSpPr>
+          <p:nvPr>
+            <p:ph idx="1"/>
+          </p:nvPr>
+        </p:nvSpPr>
+        <p:spPr/>
+        <p:txBody>
+          <a:bodyPr/>
+          <a:lstStyle/>
+          <a:p>
+            <a:r>
+              <a:rPr lang="en-US" b="0" i="1" dirty="0">
+                <a:effectLst/>
+                <a:latin typeface="Arial" panose="020B0604020202020204" pitchFamily="34" charset="0"/>
+              </a:rPr>
+              <a:t>The architecture of a software system is the shape given to that system by those who build it.</a:t>
+            </a:r>
+            <a:br>
+              <a:rPr lang="en-US" i="1" dirty="0"/>
+            </a:br>
+            <a:r>
+              <a:rPr lang="en-US" b="0" i="1" dirty="0">
+                <a:effectLst/>
+                <a:latin typeface="Arial" panose="020B0604020202020204" pitchFamily="34" charset="0"/>
+              </a:rPr>
+              <a:t>The form of that shape is in the division of that system into components, the arrangement of those</a:t>
+            </a:r>
+            <a:br>
+              <a:rPr lang="en-US" i="1" dirty="0"/>
+            </a:br>
+            <a:r>
+              <a:rPr lang="en-US" b="0" i="1" dirty="0">
+                <a:effectLst/>
+                <a:latin typeface="Arial" panose="020B0604020202020204" pitchFamily="34" charset="0"/>
+              </a:rPr>
+              <a:t>components, and the ways in which those components communicate with each other</a:t>
+            </a:r>
+            <a:r>
+              <a:rPr lang="en-US" b="0" i="0" dirty="0">
+                <a:effectLst/>
+                <a:latin typeface="Arial" panose="020B0604020202020204" pitchFamily="34" charset="0"/>
+              </a:rPr>
+              <a:t>.[</a:t>
+            </a:r>
+            <a:r>
+              <a:rPr lang="de-DE" b="0" i="0" dirty="0">
+                <a:effectLst/>
+                <a:latin typeface="Arial" panose="020B0604020202020204" pitchFamily="34" charset="0"/>
+              </a:rPr>
+              <a:t>Robert Martin</a:t>
+            </a:r>
+            <a:r>
+              <a:rPr lang="en-US" b="0" i="0" dirty="0">
+                <a:effectLst/>
+                <a:latin typeface="Arial" panose="020B0604020202020204" pitchFamily="34" charset="0"/>
+              </a:rPr>
+              <a:t>]</a:t>
+            </a:r>
+          </a:p>
+          <a:p>
+            <a:r>
+              <a:rPr lang="en-US" b="0" i="1" dirty="0">
+                <a:effectLst/>
+                <a:latin typeface="Arial" panose="020B0604020202020204" pitchFamily="34" charset="0"/>
+              </a:rPr>
+              <a:t>Architecture is the set of design decisions that must be made early in a project. </a:t>
+            </a:r>
+            <a:r>
+              <a:rPr lang="en-US" b="0" i="0" dirty="0">
+                <a:effectLst/>
+                <a:latin typeface="Arial" panose="020B0604020202020204" pitchFamily="34" charset="0"/>
+              </a:rPr>
+              <a:t>[Martin Fowler]</a:t>
+            </a:r>
+            <a:br>
+              <a:rPr lang="en-US" dirty="0"/>
+            </a:br>
+            <a:endParaRPr lang="en-US" b="0" i="0" dirty="0">
+              <a:effectLst/>
+              <a:latin typeface="Arial" panose="020B0604020202020204" pitchFamily="34" charset="0"/>
+            </a:endParaRPr>
+          </a:p>
+          <a:p>
+            <a:endParaRPr lang="de-DE" dirty="0"/>
+          </a:p>
+        </p:txBody>
+      </p:sp>
     </p:spTree>
     <p:extLst>
       <p:ext uri="{BB962C8B-B14F-4D97-AF65-F5344CB8AC3E}">
-        <p14:creationId xmlns:p14="http://schemas.microsoft.com/office/powerpoint/2010/main" val="1096725366"/>
+        <p14:creationId xmlns:p14="http://schemas.microsoft.com/office/powerpoint/2010/main" val="1777224005"/>
       </p:ext>
     </p:extLst>
   </p:cSld>
@@ -6135,144 +8208,51 @@
           <a:lstStyle/>
           <a:p>
             <a:r>
-              <a:rPr lang="en-US" dirty="0"/>
-              <a:t>Technical debts (dt. </a:t>
-            </a:r>
-            <a:r>
-              <a:rPr lang="en-US" dirty="0" err="1"/>
-              <a:t>Technische</a:t>
-            </a:r>
-            <a:r>
-              <a:rPr lang="en-US" dirty="0"/>
-              <a:t> </a:t>
-            </a:r>
-            <a:r>
-              <a:rPr lang="en-US" dirty="0" err="1"/>
-              <a:t>Schulden</a:t>
-            </a:r>
-            <a:r>
-              <a:rPr lang="en-US" dirty="0"/>
-              <a:t>)</a:t>
-            </a:r>
-            <a:endParaRPr lang="de-DE" dirty="0"/>
-          </a:p>
-        </p:txBody>
-      </p:sp>
-      <p:sp>
-        <p:nvSpPr>
-          <p:cNvPr id="4" name="Inhaltsplatzhalter 3">
-            <a:extLst>
-              <a:ext uri="{FF2B5EF4-FFF2-40B4-BE49-F238E27FC236}">
-                <a16:creationId xmlns:a16="http://schemas.microsoft.com/office/drawing/2014/main" id="{4EB1E3C1-9168-D6B6-77CE-C593A5843B2D}"/>
-              </a:ext>
-            </a:extLst>
-          </p:cNvPr>
-          <p:cNvSpPr>
-            <a:spLocks noGrp="1"/>
-          </p:cNvSpPr>
+              <a:rPr lang="de-DE" dirty="0"/>
+              <a:t>Motivation</a:t>
+            </a:r>
+          </a:p>
+        </p:txBody>
+      </p:sp>
+      <p:pic>
+        <p:nvPicPr>
+          <p:cNvPr id="7" name="Inhaltsplatzhalter 6">
+            <a:extLst>
+              <a:ext uri="{FF2B5EF4-FFF2-40B4-BE49-F238E27FC236}">
+                <a16:creationId xmlns:a16="http://schemas.microsoft.com/office/drawing/2014/main" id="{D70EC233-A96D-C706-E56F-4E92590298E5}"/>
+              </a:ext>
+            </a:extLst>
+          </p:cNvPr>
+          <p:cNvPicPr>
+            <a:picLocks noGrp="1" noChangeAspect="1"/>
+          </p:cNvPicPr>
           <p:nvPr>
             <p:ph idx="1"/>
           </p:nvPr>
-        </p:nvSpPr>
+        </p:nvPicPr>
+        <p:blipFill>
+          <a:blip r:embed="rId3">
+            <a:extLst>
+              <a:ext uri="{28A0092B-C50C-407E-A947-70E740481C1C}">
+                <a14:useLocalDpi xmlns:a14="http://schemas.microsoft.com/office/drawing/2010/main" val="0"/>
+              </a:ext>
+            </a:extLst>
+          </a:blip>
+          <a:stretch>
+            <a:fillRect/>
+          </a:stretch>
+        </p:blipFill>
         <p:spPr>
           <a:xfrm>
-            <a:off x="838200" y="1690688"/>
-            <a:ext cx="10515600" cy="2592701"/>
+            <a:off x="1445954" y="1690688"/>
+            <a:ext cx="9300092" cy="4351338"/>
           </a:xfrm>
         </p:spPr>
-        <p:txBody>
-          <a:bodyPr>
-            <a:normAutofit lnSpcReduction="10000"/>
-          </a:bodyPr>
-          <a:lstStyle/>
-          <a:p>
-            <a:r>
-              <a:rPr lang="de-DE" b="0" i="0" dirty="0">
-                <a:effectLst/>
-                <a:latin typeface="Arial" panose="020B0604020202020204" pitchFamily="34" charset="0"/>
-              </a:rPr>
-              <a:t>Alte Funktionalit</a:t>
-            </a:r>
-            <a:r>
-              <a:rPr lang="de-DE" dirty="0">
-                <a:latin typeface="Arial" panose="020B0604020202020204" pitchFamily="34" charset="0"/>
-              </a:rPr>
-              <a:t>ä</a:t>
-            </a:r>
-            <a:r>
-              <a:rPr lang="de-DE" b="0" i="0" dirty="0">
-                <a:effectLst/>
-                <a:latin typeface="Arial" panose="020B0604020202020204" pitchFamily="34" charset="0"/>
-              </a:rPr>
-              <a:t>ten funktionieren nach der </a:t>
-            </a:r>
-            <a:r>
-              <a:rPr lang="de-DE" dirty="0">
-                <a:latin typeface="Arial" panose="020B0604020202020204" pitchFamily="34" charset="0"/>
-              </a:rPr>
-              <a:t>Ä</a:t>
-            </a:r>
-            <a:r>
-              <a:rPr lang="de-DE" b="0" i="0" dirty="0">
-                <a:effectLst/>
-                <a:latin typeface="Arial" panose="020B0604020202020204" pitchFamily="34" charset="0"/>
-              </a:rPr>
-              <a:t>nderung nicht mehr</a:t>
-            </a:r>
-          </a:p>
-          <a:p>
-            <a:r>
-              <a:rPr lang="de-DE" b="0" i="0" dirty="0">
-                <a:effectLst/>
-                <a:latin typeface="Arial" panose="020B0604020202020204" pitchFamily="34" charset="0"/>
-              </a:rPr>
-              <a:t>Aufdeckung eines Bugs erst nach einer gewissen Zeit in Produktionsversion der Software</a:t>
-            </a:r>
-          </a:p>
-          <a:p>
-            <a:r>
-              <a:rPr lang="de-DE" b="0" i="0" dirty="0">
-                <a:effectLst/>
-                <a:latin typeface="Arial" panose="020B0604020202020204" pitchFamily="34" charset="0"/>
-              </a:rPr>
-              <a:t>Implementieren der neuen </a:t>
-            </a:r>
-            <a:r>
-              <a:rPr lang="de-DE" b="0" i="0" dirty="0" err="1">
-                <a:effectLst/>
-                <a:latin typeface="Arial" panose="020B0604020202020204" pitchFamily="34" charset="0"/>
-              </a:rPr>
-              <a:t>Funktionalit</a:t>
-            </a:r>
-            <a:r>
-              <a:rPr lang="de-DE" b="0" i="0" dirty="0">
-                <a:effectLst/>
-                <a:latin typeface="Arial" panose="020B0604020202020204" pitchFamily="34" charset="0"/>
-              </a:rPr>
-              <a:t> ̈</a:t>
-            </a:r>
-            <a:r>
-              <a:rPr lang="de-DE" b="0" i="0" dirty="0" err="1">
-                <a:effectLst/>
-                <a:latin typeface="Arial" panose="020B0604020202020204" pitchFamily="34" charset="0"/>
-              </a:rPr>
-              <a:t>aten</a:t>
-            </a:r>
-            <a:r>
-              <a:rPr lang="de-DE" b="0" i="0" dirty="0">
-                <a:effectLst/>
-                <a:latin typeface="Arial" panose="020B0604020202020204" pitchFamily="34" charset="0"/>
-              </a:rPr>
-              <a:t> verbraucht deutlich mehr Zeit</a:t>
-            </a:r>
-            <a:endParaRPr lang="de-DE" dirty="0"/>
-          </a:p>
-        </p:txBody>
-      </p:sp>
+      </p:pic>
     </p:spTree>
     <p:extLst>
       <p:ext uri="{BB962C8B-B14F-4D97-AF65-F5344CB8AC3E}">
-        <p14:creationId xmlns:p14="http://schemas.microsoft.com/office/powerpoint/2010/main" val="1499890494"/>
+        <p14:creationId xmlns:p14="http://schemas.microsoft.com/office/powerpoint/2010/main" val="1096725366"/>
       </p:ext>
     </p:extLst>
   </p:cSld>
@@ -6363,6 +8343,177 @@
         <p:spPr>
           <a:xfrm>
             <a:off x="838200" y="1690688"/>
+            <a:ext cx="10515600" cy="2592701"/>
+          </a:xfrm>
+        </p:spPr>
+        <p:txBody>
+          <a:bodyPr>
+            <a:normAutofit lnSpcReduction="10000"/>
+          </a:bodyPr>
+          <a:lstStyle/>
+          <a:p>
+            <a:r>
+              <a:rPr lang="de-DE" b="0" i="0" dirty="0">
+                <a:effectLst/>
+                <a:latin typeface="Arial" panose="020B0604020202020204" pitchFamily="34" charset="0"/>
+              </a:rPr>
+              <a:t>Alte Funktionalit</a:t>
+            </a:r>
+            <a:r>
+              <a:rPr lang="de-DE" dirty="0">
+                <a:latin typeface="Arial" panose="020B0604020202020204" pitchFamily="34" charset="0"/>
+              </a:rPr>
+              <a:t>ä</a:t>
+            </a:r>
+            <a:r>
+              <a:rPr lang="de-DE" b="0" i="0" dirty="0">
+                <a:effectLst/>
+                <a:latin typeface="Arial" panose="020B0604020202020204" pitchFamily="34" charset="0"/>
+              </a:rPr>
+              <a:t>ten funktionieren nach der </a:t>
+            </a:r>
+            <a:r>
+              <a:rPr lang="de-DE" dirty="0">
+                <a:latin typeface="Arial" panose="020B0604020202020204" pitchFamily="34" charset="0"/>
+              </a:rPr>
+              <a:t>Ä</a:t>
+            </a:r>
+            <a:r>
+              <a:rPr lang="de-DE" b="0" i="0" dirty="0">
+                <a:effectLst/>
+                <a:latin typeface="Arial" panose="020B0604020202020204" pitchFamily="34" charset="0"/>
+              </a:rPr>
+              <a:t>nderung nicht mehr</a:t>
+            </a:r>
+          </a:p>
+          <a:p>
+            <a:r>
+              <a:rPr lang="de-DE" b="0" i="0" dirty="0">
+                <a:effectLst/>
+                <a:latin typeface="Arial" panose="020B0604020202020204" pitchFamily="34" charset="0"/>
+              </a:rPr>
+              <a:t>Aufdeckung eines Bugs erst nach einer gewissen Zeit in Produktionsversion der Software</a:t>
+            </a:r>
+          </a:p>
+          <a:p>
+            <a:r>
+              <a:rPr lang="de-DE" b="0" i="0" dirty="0">
+                <a:effectLst/>
+                <a:latin typeface="Arial" panose="020B0604020202020204" pitchFamily="34" charset="0"/>
+              </a:rPr>
+              <a:t>Implementieren der neuen Funktionalit</a:t>
+            </a:r>
+            <a:r>
+              <a:rPr lang="de-DE" dirty="0">
+                <a:latin typeface="Arial" panose="020B0604020202020204" pitchFamily="34" charset="0"/>
+              </a:rPr>
+              <a:t>ä</a:t>
+            </a:r>
+            <a:r>
+              <a:rPr lang="de-DE" b="0" i="0" dirty="0">
+                <a:effectLst/>
+                <a:latin typeface="Arial" panose="020B0604020202020204" pitchFamily="34" charset="0"/>
+              </a:rPr>
+              <a:t>ten verbraucht mehr Zeit</a:t>
+            </a:r>
+            <a:endParaRPr lang="de-DE" dirty="0"/>
+          </a:p>
+        </p:txBody>
+      </p:sp>
+    </p:spTree>
+    <p:extLst>
+      <p:ext uri="{BB962C8B-B14F-4D97-AF65-F5344CB8AC3E}">
+        <p14:creationId xmlns:p14="http://schemas.microsoft.com/office/powerpoint/2010/main" val="1499890494"/>
+      </p:ext>
+    </p:extLst>
+  </p:cSld>
+  <p:clrMapOvr>
+    <a:masterClrMapping/>
+  </p:clrMapOvr>
+</p:sld>
+</file>
+
+<file path=ppt/slides/slide7.xml><?xml version="1.0" encoding="utf-8"?>
+<p:sld xmlns:a="http://schemas.openxmlformats.org/drawingml/2006/main" xmlns:r="http://schemas.openxmlformats.org/officeDocument/2006/relationships" xmlns:p="http://schemas.openxmlformats.org/presentationml/2006/main">
+  <p:cSld>
+    <p:spTree>
+      <p:nvGrpSpPr>
+        <p:cNvPr id="1" name=""/>
+        <p:cNvGrpSpPr/>
+        <p:nvPr/>
+      </p:nvGrpSpPr>
+      <p:grpSpPr>
+        <a:xfrm>
+          <a:off x="0" y="0"/>
+          <a:ext cx="0" cy="0"/>
+          <a:chOff x="0" y="0"/>
+          <a:chExt cx="0" cy="0"/>
+        </a:xfrm>
+      </p:grpSpPr>
+      <p:sp>
+        <p:nvSpPr>
+          <p:cNvPr id="2" name="Titel 1">
+            <a:extLst>
+              <a:ext uri="{FF2B5EF4-FFF2-40B4-BE49-F238E27FC236}">
+                <a16:creationId xmlns:a16="http://schemas.microsoft.com/office/drawing/2014/main" id="{E7E6D779-288E-45CD-5836-4D9E832D7B5E}"/>
+              </a:ext>
+            </a:extLst>
+          </p:cNvPr>
+          <p:cNvSpPr>
+            <a:spLocks noGrp="1"/>
+          </p:cNvSpPr>
+          <p:nvPr>
+            <p:ph type="title"/>
+          </p:nvPr>
+        </p:nvSpPr>
+        <p:spPr/>
+        <p:txBody>
+          <a:bodyPr/>
+          <a:lstStyle/>
+          <a:p>
+            <a:r>
+              <a:rPr lang="en-US" dirty="0"/>
+              <a:t>Technical debts (dt. </a:t>
+            </a:r>
+            <a:r>
+              <a:rPr lang="en-US" dirty="0" err="1"/>
+              <a:t>Technische</a:t>
+            </a:r>
+            <a:r>
+              <a:rPr lang="en-US" dirty="0"/>
+              <a:t> </a:t>
+            </a:r>
+            <a:r>
+              <a:rPr lang="en-US" dirty="0" err="1"/>
+              <a:t>Schulden</a:t>
+            </a:r>
+            <a:r>
+              <a:rPr lang="en-US" dirty="0"/>
+              <a:t>)</a:t>
+            </a:r>
+            <a:endParaRPr lang="de-DE" dirty="0"/>
+          </a:p>
+        </p:txBody>
+      </p:sp>
+      <p:sp>
+        <p:nvSpPr>
+          <p:cNvPr id="4" name="Inhaltsplatzhalter 3">
+            <a:extLst>
+              <a:ext uri="{FF2B5EF4-FFF2-40B4-BE49-F238E27FC236}">
+                <a16:creationId xmlns:a16="http://schemas.microsoft.com/office/drawing/2014/main" id="{4EB1E3C1-9168-D6B6-77CE-C593A5843B2D}"/>
+              </a:ext>
+            </a:extLst>
+          </p:cNvPr>
+          <p:cNvSpPr>
+            <a:spLocks noGrp="1"/>
+          </p:cNvSpPr>
+          <p:nvPr>
+            <p:ph idx="1"/>
+          </p:nvPr>
+        </p:nvSpPr>
+        <p:spPr>
+          <a:xfrm>
+            <a:off x="838200" y="1690688"/>
             <a:ext cx="10515600" cy="2605698"/>
           </a:xfrm>
         </p:spPr>
@@ -6391,10 +8542,8 @@
           </a:p>
           <a:p>
             <a:r>
-              <a:rPr lang="de-DE" b="0" i="0" dirty="0">
-                <a:effectLst/>
-              </a:rPr>
-              <a:t>die Kommunikationswege zwischen den Modulen</a:t>
+              <a:rPr lang="de-DE" dirty="0"/>
+              <a:t>Einheitliche Struktur der Anwendung</a:t>
             </a:r>
           </a:p>
           <a:p>
@@ -6407,12 +8556,9 @@
             <a:endParaRPr lang="de-DE" dirty="0"/>
           </a:p>
           <a:p>
-            <a:endParaRPr lang="de-DE" b="0" i="0" dirty="0">
-              <a:effectLst/>
-              <a:latin typeface="Arial" panose="020B0604020202020204" pitchFamily="34" charset="0"/>
-            </a:endParaRPr>
-          </a:p>
-          <a:p>
+            <a:pPr marL="0" indent="0">
+              <a:buNone/>
+            </a:pPr>
             <a:endParaRPr lang="de-DE" b="0" i="0" dirty="0">
               <a:effectLst/>
               <a:latin typeface="Arial" panose="020B0604020202020204" pitchFamily="34" charset="0"/>
@@ -6828,233 +8974,6 @@
 </p:sld>
 </file>
 
-<file path=ppt/slides/slide7.xml><?xml version="1.0" encoding="utf-8"?>
-<p:sld xmlns:a="http://schemas.openxmlformats.org/drawingml/2006/main" xmlns:r="http://schemas.openxmlformats.org/officeDocument/2006/relationships" xmlns:p="http://schemas.openxmlformats.org/presentationml/2006/main">
-  <p:cSld>
-    <p:spTree>
-      <p:nvGrpSpPr>
-        <p:cNvPr id="1" name=""/>
-        <p:cNvGrpSpPr/>
-        <p:nvPr/>
-      </p:nvGrpSpPr>
-      <p:grpSpPr>
-        <a:xfrm>
-          <a:off x="0" y="0"/>
-          <a:ext cx="0" cy="0"/>
-          <a:chOff x="0" y="0"/>
-          <a:chExt cx="0" cy="0"/>
-        </a:xfrm>
-      </p:grpSpPr>
-      <p:sp>
-        <p:nvSpPr>
-          <p:cNvPr id="2" name="Titel 1">
-            <a:extLst>
-              <a:ext uri="{FF2B5EF4-FFF2-40B4-BE49-F238E27FC236}">
-                <a16:creationId xmlns:a16="http://schemas.microsoft.com/office/drawing/2014/main" id="{6319E4CE-9F66-349E-8AC4-EB8EE158BA91}"/>
-              </a:ext>
-            </a:extLst>
-          </p:cNvPr>
-          <p:cNvSpPr>
-            <a:spLocks noGrp="1"/>
-          </p:cNvSpPr>
-          <p:nvPr>
-            <p:ph type="title"/>
-          </p:nvPr>
-        </p:nvSpPr>
-        <p:spPr/>
-        <p:txBody>
-          <a:bodyPr/>
-          <a:lstStyle/>
-          <a:p>
-            <a:r>
-              <a:rPr lang="de-DE" dirty="0"/>
-              <a:t>Allgemeine Architektur</a:t>
-            </a:r>
-          </a:p>
-        </p:txBody>
-      </p:sp>
-      <p:pic>
-        <p:nvPicPr>
-          <p:cNvPr id="5" name="Inhaltsplatzhalter 4">
-            <a:extLst>
-              <a:ext uri="{FF2B5EF4-FFF2-40B4-BE49-F238E27FC236}">
-                <a16:creationId xmlns:a16="http://schemas.microsoft.com/office/drawing/2014/main" id="{3987BECF-BF7B-F6FB-57B5-DA00AE8F57FE}"/>
-              </a:ext>
-            </a:extLst>
-          </p:cNvPr>
-          <p:cNvPicPr>
-            <a:picLocks noGrp="1" noChangeAspect="1"/>
-          </p:cNvPicPr>
-          <p:nvPr>
-            <p:ph idx="1"/>
-          </p:nvPr>
-        </p:nvPicPr>
-        <p:blipFill>
-          <a:blip r:embed="rId3">
-            <a:extLst>
-              <a:ext uri="{28A0092B-C50C-407E-A947-70E740481C1C}">
-                <a14:useLocalDpi xmlns:a14="http://schemas.microsoft.com/office/drawing/2010/main" val="0"/>
-              </a:ext>
-            </a:extLst>
-          </a:blip>
-          <a:stretch>
-            <a:fillRect/>
-          </a:stretch>
-        </p:blipFill>
-        <p:spPr>
-          <a:xfrm>
-            <a:off x="6096000" y="565219"/>
-            <a:ext cx="5740835" cy="5727562"/>
-          </a:xfrm>
-        </p:spPr>
-      </p:pic>
-      <p:sp>
-        <p:nvSpPr>
-          <p:cNvPr id="6" name="Textfeld 5">
-            <a:extLst>
-              <a:ext uri="{FF2B5EF4-FFF2-40B4-BE49-F238E27FC236}">
-                <a16:creationId xmlns:a16="http://schemas.microsoft.com/office/drawing/2014/main" id="{E38CCCA8-CE1A-CF07-EAF3-40B303A17F95}"/>
-              </a:ext>
-            </a:extLst>
-          </p:cNvPr>
-          <p:cNvSpPr txBox="1"/>
-          <p:nvPr/>
-        </p:nvSpPr>
-        <p:spPr>
-          <a:xfrm>
-            <a:off x="838200" y="1257638"/>
-            <a:ext cx="3236843" cy="3139321"/>
-          </a:xfrm>
-          <a:prstGeom prst="rect">
-            <a:avLst/>
-          </a:prstGeom>
-          <a:noFill/>
-        </p:spPr>
-        <p:txBody>
-          <a:bodyPr wrap="square" rtlCol="0">
-            <a:spAutoFit/>
-          </a:bodyPr>
-          <a:lstStyle/>
-          <a:p>
-            <a:pPr marL="285750" indent="-285750">
-              <a:buFont typeface="Arial" panose="020B0604020202020204" pitchFamily="34" charset="0"/>
-              <a:buChar char="•"/>
-            </a:pPr>
-            <a:endParaRPr lang="de-DE" dirty="0"/>
-          </a:p>
-          <a:p>
-            <a:r>
-              <a:rPr lang="de-DE" dirty="0"/>
-              <a:t>Besteht aus:</a:t>
-            </a:r>
-          </a:p>
-          <a:p>
-            <a:pPr marL="285750" indent="-285750">
-              <a:buFont typeface="Arial" panose="020B0604020202020204" pitchFamily="34" charset="0"/>
-              <a:buChar char="•"/>
-            </a:pPr>
-            <a:r>
-              <a:rPr lang="de-DE" dirty="0"/>
-              <a:t>Inneren Ring:</a:t>
-            </a:r>
-          </a:p>
-          <a:p>
-            <a:pPr marL="742950" lvl="1" indent="-285750">
-              <a:buFont typeface="Wingdings" panose="05000000000000000000" pitchFamily="2" charset="2"/>
-              <a:buChar char="Ø"/>
-            </a:pPr>
-            <a:r>
-              <a:rPr lang="de-DE" dirty="0"/>
-              <a:t>Controllers</a:t>
-            </a:r>
-          </a:p>
-          <a:p>
-            <a:pPr marL="742950" lvl="1" indent="-285750">
-              <a:buFont typeface="Wingdings" panose="05000000000000000000" pitchFamily="2" charset="2"/>
-              <a:buChar char="Ø"/>
-            </a:pPr>
-            <a:r>
-              <a:rPr lang="de-DE" dirty="0"/>
-              <a:t>Dispatcher</a:t>
-            </a:r>
-          </a:p>
-          <a:p>
-            <a:pPr marL="742950" lvl="1" indent="-285750">
-              <a:buFont typeface="Wingdings" panose="05000000000000000000" pitchFamily="2" charset="2"/>
-              <a:buChar char="Ø"/>
-            </a:pPr>
-            <a:r>
-              <a:rPr lang="de-DE" dirty="0" err="1"/>
-              <a:t>UseCases</a:t>
-            </a:r>
-            <a:endParaRPr lang="de-DE" dirty="0"/>
-          </a:p>
-          <a:p>
-            <a:pPr marL="742950" lvl="1" indent="-285750">
-              <a:buFont typeface="Wingdings" panose="05000000000000000000" pitchFamily="2" charset="2"/>
-              <a:buChar char="Ø"/>
-            </a:pPr>
-            <a:r>
-              <a:rPr lang="de-DE" dirty="0" err="1"/>
-              <a:t>Interactors</a:t>
-            </a:r>
-            <a:endParaRPr lang="de-DE" dirty="0"/>
-          </a:p>
-          <a:p>
-            <a:pPr marL="285750" indent="-285750">
-              <a:buFont typeface="Arial" panose="020B0604020202020204" pitchFamily="34" charset="0"/>
-              <a:buChar char="•"/>
-            </a:pPr>
-            <a:r>
-              <a:rPr lang="de-DE" dirty="0"/>
-              <a:t>Äußeren Ring:</a:t>
-            </a:r>
-          </a:p>
-          <a:p>
-            <a:pPr marL="742950" lvl="1" indent="-285750">
-              <a:buFont typeface="Wingdings" panose="05000000000000000000" pitchFamily="2" charset="2"/>
-              <a:buChar char="Ø"/>
-            </a:pPr>
-            <a:r>
-              <a:rPr lang="de-DE" dirty="0"/>
-              <a:t>Ports</a:t>
-            </a:r>
-          </a:p>
-          <a:p>
-            <a:pPr marL="742950" lvl="1" indent="-285750">
-              <a:buFont typeface="Wingdings" panose="05000000000000000000" pitchFamily="2" charset="2"/>
-              <a:buChar char="Ø"/>
-            </a:pPr>
-            <a:r>
-              <a:rPr lang="de-DE" dirty="0"/>
-              <a:t>Adapters</a:t>
-            </a:r>
-          </a:p>
-          <a:p>
-            <a:pPr marL="742950" lvl="1" indent="-285750">
-              <a:buFont typeface="Wingdings" panose="05000000000000000000" pitchFamily="2" charset="2"/>
-              <a:buChar char="Ø"/>
-            </a:pPr>
-            <a:r>
-              <a:rPr lang="de-DE" dirty="0"/>
-              <a:t>Controllers</a:t>
-            </a:r>
-          </a:p>
-        </p:txBody>
-      </p:sp>
-    </p:spTree>
-    <p:extLst>
-      <p:ext uri="{BB962C8B-B14F-4D97-AF65-F5344CB8AC3E}">
-        <p14:creationId xmlns:p14="http://schemas.microsoft.com/office/powerpoint/2010/main" val="1752522257"/>
-      </p:ext>
-    </p:extLst>
-  </p:cSld>
-  <p:clrMapOvr>
-    <a:masterClrMapping/>
-  </p:clrMapOvr>
-</p:sld>
-</file>
-
 <file path=ppt/slides/slide8.xml><?xml version="1.0" encoding="utf-8"?>
 <p:sld xmlns:a="http://schemas.openxmlformats.org/drawingml/2006/main" xmlns:r="http://schemas.openxmlformats.org/officeDocument/2006/relationships" xmlns:p="http://schemas.openxmlformats.org/presentationml/2006/main">
   <p:cSld>
@@ -7077,7 +8996,7 @@
           <p:cNvPr id="2" name="Titel 1">
             <a:extLst>
               <a:ext uri="{FF2B5EF4-FFF2-40B4-BE49-F238E27FC236}">
-                <a16:creationId xmlns:a16="http://schemas.microsoft.com/office/drawing/2014/main" id="{8688B203-805A-A025-F3A4-0730CC260033}"/>
+                <a16:creationId xmlns:a16="http://schemas.microsoft.com/office/drawing/2014/main" id="{18388249-FD89-1D8F-3C16-AE0D3C95CF5D}"/>
               </a:ext>
             </a:extLst>
           </p:cNvPr>
@@ -7088,189 +9007,88 @@
             <p:ph type="title"/>
           </p:nvPr>
         </p:nvSpPr>
-        <p:spPr>
-          <a:xfrm>
-            <a:off x="1182756" y="18255"/>
-            <a:ext cx="10515600" cy="1325563"/>
-          </a:xfrm>
-        </p:spPr>
+        <p:spPr/>
         <p:txBody>
           <a:bodyPr/>
           <a:lstStyle/>
           <a:p>
             <a:r>
               <a:rPr lang="de-DE" dirty="0"/>
-              <a:t>Anwendung der allgemeinen Architektur</a:t>
-            </a:r>
-          </a:p>
-        </p:txBody>
-      </p:sp>
-      <p:pic>
-        <p:nvPicPr>
-          <p:cNvPr id="5" name="Grafik 4" descr="Ein Bild, das Text, Gerät, Barometer enthält.&#10;&#10;Automatisch generierte Beschreibung">
-            <a:extLst>
-              <a:ext uri="{FF2B5EF4-FFF2-40B4-BE49-F238E27FC236}">
-                <a16:creationId xmlns:a16="http://schemas.microsoft.com/office/drawing/2014/main" id="{9848EB54-F594-437F-12AB-E843C9F18D99}"/>
-              </a:ext>
-            </a:extLst>
-          </p:cNvPr>
-          <p:cNvPicPr>
-            <a:picLocks noChangeAspect="1"/>
-          </p:cNvPicPr>
-          <p:nvPr/>
-        </p:nvPicPr>
-        <p:blipFill>
-          <a:blip r:embed="rId2">
-            <a:extLst>
-              <a:ext uri="{28A0092B-C50C-407E-A947-70E740481C1C}">
-                <a14:useLocalDpi xmlns:a14="http://schemas.microsoft.com/office/drawing/2010/main" val="0"/>
-              </a:ext>
-            </a:extLst>
-          </a:blip>
-          <a:stretch>
-            <a:fillRect/>
-          </a:stretch>
-        </p:blipFill>
-        <p:spPr>
-          <a:xfrm>
-            <a:off x="1182756" y="1087472"/>
-            <a:ext cx="5725611" cy="5752273"/>
-          </a:xfrm>
-          <a:prstGeom prst="rect">
-            <a:avLst/>
-          </a:prstGeom>
-        </p:spPr>
-      </p:pic>
-      <p:sp>
-        <p:nvSpPr>
-          <p:cNvPr id="6" name="Textfeld 5">
-            <a:extLst>
-              <a:ext uri="{FF2B5EF4-FFF2-40B4-BE49-F238E27FC236}">
-                <a16:creationId xmlns:a16="http://schemas.microsoft.com/office/drawing/2014/main" id="{EFD74534-891E-7EA7-E02D-2F5B6954BD19}"/>
-              </a:ext>
-            </a:extLst>
-          </p:cNvPr>
-          <p:cNvSpPr txBox="1"/>
-          <p:nvPr/>
-        </p:nvSpPr>
-        <p:spPr>
-          <a:xfrm>
-            <a:off x="7623312" y="1343818"/>
-            <a:ext cx="1600118" cy="2862322"/>
-          </a:xfrm>
-          <a:prstGeom prst="rect">
-            <a:avLst/>
-          </a:prstGeom>
-          <a:noFill/>
-        </p:spPr>
-        <p:txBody>
-          <a:bodyPr wrap="none" rtlCol="0">
-            <a:spAutoFit/>
-          </a:bodyPr>
-          <a:lstStyle/>
-          <a:p>
+              <a:t>Allgemeine Architektur</a:t>
+            </a:r>
+          </a:p>
+        </p:txBody>
+      </p:sp>
+      <p:sp>
+        <p:nvSpPr>
+          <p:cNvPr id="3" name="Inhaltsplatzhalter 2">
+            <a:extLst>
+              <a:ext uri="{FF2B5EF4-FFF2-40B4-BE49-F238E27FC236}">
+                <a16:creationId xmlns:a16="http://schemas.microsoft.com/office/drawing/2014/main" id="{D3497940-33EE-E1DD-AA81-1579EE0E38CE}"/>
+              </a:ext>
+            </a:extLst>
+          </p:cNvPr>
+          <p:cNvSpPr>
+            <a:spLocks noGrp="1"/>
+          </p:cNvSpPr>
+          <p:nvPr>
+            <p:ph idx="1"/>
+          </p:nvPr>
+        </p:nvSpPr>
+        <p:spPr/>
+        <p:txBody>
+          <a:bodyPr/>
+          <a:lstStyle/>
+          <a:p>
+            <a:pPr marL="0" indent="0">
+              <a:buNone/>
+            </a:pPr>
             <a:r>
               <a:rPr lang="de-DE" dirty="0"/>
-              <a:t>Controllers:</a:t>
-            </a:r>
-          </a:p>
-          <a:p>
-            <a:pPr marL="285750" indent="-285750">
-              <a:buFont typeface="Arial" panose="020B0604020202020204" pitchFamily="34" charset="0"/>
-              <a:buChar char="•"/>
-            </a:pPr>
-            <a:r>
-              <a:rPr lang="de-DE" dirty="0" err="1"/>
-              <a:t>OCPPComm</a:t>
-            </a:r>
-            <a:endParaRPr lang="de-DE" dirty="0"/>
-          </a:p>
-          <a:p>
-            <a:pPr marL="285750" indent="-285750">
-              <a:buFont typeface="Arial" panose="020B0604020202020204" pitchFamily="34" charset="0"/>
-              <a:buChar char="•"/>
-            </a:pPr>
-            <a:r>
-              <a:rPr lang="de-DE" dirty="0"/>
-              <a:t>Logger</a:t>
-            </a:r>
-          </a:p>
-          <a:p>
-            <a:pPr marL="285750" indent="-285750">
-              <a:buFont typeface="Arial" panose="020B0604020202020204" pitchFamily="34" charset="0"/>
-              <a:buChar char="•"/>
-            </a:pPr>
-            <a:r>
-              <a:rPr lang="de-DE" dirty="0"/>
-              <a:t>Super</a:t>
-            </a:r>
-          </a:p>
-          <a:p>
-            <a:pPr marL="285750" indent="-285750">
-              <a:buFont typeface="Arial" panose="020B0604020202020204" pitchFamily="34" charset="0"/>
-              <a:buChar char="•"/>
-            </a:pPr>
-            <a:r>
-              <a:rPr lang="de-DE" dirty="0"/>
-              <a:t>UI</a:t>
-            </a:r>
-          </a:p>
-          <a:p>
-            <a:pPr marL="285750" indent="-285750">
-              <a:buFont typeface="Arial" panose="020B0604020202020204" pitchFamily="34" charset="0"/>
-              <a:buChar char="•"/>
-            </a:pPr>
-            <a:r>
-              <a:rPr lang="de-DE" dirty="0"/>
-              <a:t>Charger</a:t>
-            </a:r>
-          </a:p>
-          <a:p>
-            <a:pPr marL="285750" indent="-285750">
-              <a:buFont typeface="Arial" panose="020B0604020202020204" pitchFamily="34" charset="0"/>
-              <a:buChar char="•"/>
-            </a:pPr>
-            <a:r>
-              <a:rPr lang="de-DE" dirty="0"/>
-              <a:t>User</a:t>
-            </a:r>
-          </a:p>
-          <a:p>
-            <a:pPr marL="285750" indent="-285750">
-              <a:buFont typeface="Arial" panose="020B0604020202020204" pitchFamily="34" charset="0"/>
-              <a:buChar char="•"/>
-            </a:pPr>
-            <a:r>
-              <a:rPr lang="de-DE" dirty="0"/>
-              <a:t>Transaction</a:t>
-            </a:r>
-          </a:p>
-          <a:p>
-            <a:pPr marL="285750" indent="-285750">
-              <a:buFont typeface="Arial" panose="020B0604020202020204" pitchFamily="34" charset="0"/>
-              <a:buChar char="•"/>
-            </a:pPr>
-            <a:r>
-              <a:rPr lang="de-DE" dirty="0"/>
-              <a:t>Price</a:t>
-            </a:r>
-          </a:p>
-          <a:p>
-            <a:pPr marL="285750" indent="-285750">
-              <a:buFont typeface="Arial" panose="020B0604020202020204" pitchFamily="34" charset="0"/>
-              <a:buChar char="•"/>
-            </a:pPr>
-            <a:r>
-              <a:rPr lang="de-DE" dirty="0"/>
-              <a:t>DB</a:t>
-            </a:r>
+              <a:t>Ziele:</a:t>
+            </a:r>
+          </a:p>
+          <a:p>
+            <a:pPr lvl="1"/>
+            <a:r>
+              <a:rPr lang="de-DE" sz="2800" dirty="0"/>
+              <a:t>Testbarkeit</a:t>
+            </a:r>
+          </a:p>
+          <a:p>
+            <a:pPr lvl="1"/>
+            <a:r>
+              <a:rPr lang="de-DE" sz="2800" dirty="0"/>
+              <a:t>Trennung der Logik von den Schnittstellen</a:t>
+            </a:r>
+            <a:endParaRPr lang="ru-RU" sz="2800" dirty="0"/>
+          </a:p>
+          <a:p>
+            <a:pPr lvl="1"/>
+            <a:r>
+              <a:rPr lang="en-US" sz="2800" dirty="0" err="1"/>
+              <a:t>Erweiterbarkeit</a:t>
+            </a:r>
+            <a:r>
+              <a:rPr lang="en-US" sz="2800" dirty="0"/>
+              <a:t> und </a:t>
+            </a:r>
+            <a:r>
+              <a:rPr lang="en-US" sz="2800" dirty="0" err="1"/>
+              <a:t>Änderbarkeit</a:t>
+            </a:r>
+            <a:endParaRPr lang="de-DE" sz="2800" dirty="0"/>
+          </a:p>
+          <a:p>
+            <a:pPr lvl="1"/>
+            <a:endParaRPr lang="de-DE" sz="2800" dirty="0"/>
           </a:p>
         </p:txBody>
       </p:sp>
     </p:spTree>
     <p:extLst>
       <p:ext uri="{BB962C8B-B14F-4D97-AF65-F5344CB8AC3E}">
-        <p14:creationId xmlns:p14="http://schemas.microsoft.com/office/powerpoint/2010/main" val="2059934761"/>
+        <p14:creationId xmlns:p14="http://schemas.microsoft.com/office/powerpoint/2010/main" val="537995057"/>
       </p:ext>
     </p:extLst>
   </p:cSld>
@@ -7302,7 +9120,7 @@
           <p:cNvPr id="2" name="Titel 1">
             <a:extLst>
               <a:ext uri="{FF2B5EF4-FFF2-40B4-BE49-F238E27FC236}">
-                <a16:creationId xmlns:a16="http://schemas.microsoft.com/office/drawing/2014/main" id="{5BB69036-77D6-530B-E836-EB351419F423}"/>
+                <a16:creationId xmlns:a16="http://schemas.microsoft.com/office/drawing/2014/main" id="{6319E4CE-9F66-349E-8AC4-EB8EE158BA91}"/>
               </a:ext>
             </a:extLst>
           </p:cNvPr>
@@ -7320,24 +9138,26 @@
           <a:p>
             <a:r>
               <a:rPr lang="de-DE" dirty="0"/>
-              <a:t>Gleiche Lösung</a:t>
+              <a:t>Allgemeine Architektur</a:t>
             </a:r>
           </a:p>
         </p:txBody>
       </p:sp>
       <p:pic>
         <p:nvPicPr>
-          <p:cNvPr id="5" name="Grafik 4" descr="Ein Bild, das Text, Gerät enthält.&#10;&#10;Automatisch generierte Beschreibung">
-            <a:extLst>
-              <a:ext uri="{FF2B5EF4-FFF2-40B4-BE49-F238E27FC236}">
-                <a16:creationId xmlns:a16="http://schemas.microsoft.com/office/drawing/2014/main" id="{D3D0FCB3-2978-ADA3-1536-18C1DC6E7619}"/>
+          <p:cNvPr id="5" name="Inhaltsplatzhalter 4">
+            <a:extLst>
+              <a:ext uri="{FF2B5EF4-FFF2-40B4-BE49-F238E27FC236}">
+                <a16:creationId xmlns:a16="http://schemas.microsoft.com/office/drawing/2014/main" id="{3987BECF-BF7B-F6FB-57B5-DA00AE8F57FE}"/>
               </a:ext>
             </a:extLst>
           </p:cNvPr>
           <p:cNvPicPr>
-            <a:picLocks noChangeAspect="1"/>
+            <a:picLocks noGrp="1" noChangeAspect="1"/>
           </p:cNvPicPr>
-          <p:nvPr/>
+          <p:nvPr>
+            <p:ph idx="1"/>
+          </p:nvPr>
         </p:nvPicPr>
         <p:blipFill>
           <a:blip r:embed="rId3">
@@ -7353,18 +9173,149 @@
         </p:blipFill>
         <p:spPr>
           <a:xfrm>
-            <a:off x="5352545" y="293204"/>
-            <a:ext cx="6249789" cy="6271591"/>
+            <a:off x="6096000" y="565219"/>
+            <a:ext cx="5740835" cy="5727562"/>
+          </a:xfrm>
+        </p:spPr>
+      </p:pic>
+      <p:sp>
+        <p:nvSpPr>
+          <p:cNvPr id="6" name="Textfeld 5">
+            <a:extLst>
+              <a:ext uri="{FF2B5EF4-FFF2-40B4-BE49-F238E27FC236}">
+                <a16:creationId xmlns:a16="http://schemas.microsoft.com/office/drawing/2014/main" id="{E38CCCA8-CE1A-CF07-EAF3-40B303A17F95}"/>
+              </a:ext>
+            </a:extLst>
+          </p:cNvPr>
+          <p:cNvSpPr txBox="1"/>
+          <p:nvPr/>
+        </p:nvSpPr>
+        <p:spPr>
+          <a:xfrm>
+            <a:off x="838200" y="1257638"/>
+            <a:ext cx="3236843" cy="3139321"/>
           </a:xfrm>
           <a:prstGeom prst="rect">
             <a:avLst/>
           </a:prstGeom>
+          <a:noFill/>
         </p:spPr>
-      </p:pic>
+        <p:txBody>
+          <a:bodyPr wrap="square" rtlCol="0">
+            <a:spAutoFit/>
+          </a:bodyPr>
+          <a:lstStyle/>
+          <a:p>
+            <a:pPr marL="285750" indent="-285750">
+              <a:buFont typeface="Arial" panose="020B0604020202020204" pitchFamily="34" charset="0"/>
+              <a:buChar char="•"/>
+            </a:pPr>
+            <a:endParaRPr lang="de-DE" dirty="0"/>
+          </a:p>
+          <a:p>
+            <a:r>
+              <a:rPr lang="de-DE" dirty="0"/>
+              <a:t>Besteht aus:</a:t>
+            </a:r>
+          </a:p>
+          <a:p>
+            <a:pPr marL="285750" indent="-285750">
+              <a:buFont typeface="Arial" panose="020B0604020202020204" pitchFamily="34" charset="0"/>
+              <a:buChar char="•"/>
+            </a:pPr>
+            <a:r>
+              <a:rPr lang="de-DE" dirty="0"/>
+              <a:t>Inneren Ring:</a:t>
+            </a:r>
+          </a:p>
+          <a:p>
+            <a:pPr marL="742950" lvl="1" indent="-285750">
+              <a:buFont typeface="Wingdings" panose="05000000000000000000" pitchFamily="2" charset="2"/>
+              <a:buChar char="Ø"/>
+            </a:pPr>
+            <a:r>
+              <a:rPr lang="de-DE" dirty="0"/>
+              <a:t>Controllers</a:t>
+            </a:r>
+          </a:p>
+          <a:p>
+            <a:pPr marL="742950" lvl="1" indent="-285750">
+              <a:buFont typeface="Wingdings" panose="05000000000000000000" pitchFamily="2" charset="2"/>
+              <a:buChar char="Ø"/>
+            </a:pPr>
+            <a:r>
+              <a:rPr lang="de-DE" dirty="0"/>
+              <a:t>Dispatcher</a:t>
+            </a:r>
+          </a:p>
+          <a:p>
+            <a:pPr marL="742950" lvl="1" indent="-285750">
+              <a:buFont typeface="Wingdings" panose="05000000000000000000" pitchFamily="2" charset="2"/>
+              <a:buChar char="Ø"/>
+            </a:pPr>
+            <a:r>
+              <a:rPr lang="de-DE" dirty="0" err="1"/>
+              <a:t>UseCases</a:t>
+            </a:r>
+            <a:endParaRPr lang="de-DE" dirty="0"/>
+          </a:p>
+          <a:p>
+            <a:pPr marL="742950" lvl="1" indent="-285750">
+              <a:buFont typeface="Wingdings" panose="05000000000000000000" pitchFamily="2" charset="2"/>
+              <a:buChar char="Ø"/>
+            </a:pPr>
+            <a:r>
+              <a:rPr lang="de-DE" dirty="0" err="1"/>
+              <a:t>Interactors</a:t>
+            </a:r>
+            <a:endParaRPr lang="de-DE" dirty="0"/>
+          </a:p>
+          <a:p>
+            <a:pPr marL="285750" indent="-285750">
+              <a:buFont typeface="Arial" panose="020B0604020202020204" pitchFamily="34" charset="0"/>
+              <a:buChar char="•"/>
+            </a:pPr>
+            <a:r>
+              <a:rPr lang="de-DE" dirty="0"/>
+              <a:t>Äußeren Ring:</a:t>
+            </a:r>
+          </a:p>
+          <a:p>
+            <a:pPr marL="742950" lvl="1" indent="-285750">
+              <a:buFont typeface="Wingdings" panose="05000000000000000000" pitchFamily="2" charset="2"/>
+              <a:buChar char="Ø"/>
+            </a:pPr>
+            <a:r>
+              <a:rPr lang="de-DE" dirty="0"/>
+              <a:t>Ports</a:t>
+            </a:r>
+          </a:p>
+          <a:p>
+            <a:pPr marL="742950" lvl="1" indent="-285750">
+              <a:buFont typeface="Wingdings" panose="05000000000000000000" pitchFamily="2" charset="2"/>
+              <a:buChar char="Ø"/>
+            </a:pPr>
+            <a:r>
+              <a:rPr lang="de-DE" dirty="0"/>
+              <a:t>Adapters</a:t>
+            </a:r>
+          </a:p>
+          <a:p>
+            <a:pPr marL="742950" lvl="1" indent="-285750">
+              <a:buFont typeface="Wingdings" panose="05000000000000000000" pitchFamily="2" charset="2"/>
+              <a:buChar char="Ø"/>
+            </a:pPr>
+            <a:r>
+              <a:rPr lang="de-DE" dirty="0"/>
+              <a:t>Controllers</a:t>
+            </a:r>
+          </a:p>
+        </p:txBody>
+      </p:sp>
     </p:spTree>
     <p:extLst>
       <p:ext uri="{BB962C8B-B14F-4D97-AF65-F5344CB8AC3E}">
-        <p14:creationId xmlns:p14="http://schemas.microsoft.com/office/powerpoint/2010/main" val="3619845220"/>
+        <p14:creationId xmlns:p14="http://schemas.microsoft.com/office/powerpoint/2010/main" val="1752522257"/>
       </p:ext>
     </p:extLst>
   </p:cSld>
